--- a/images/Tic tac toe.pptx
+++ b/images/Tic tac toe.pptx
@@ -13,7 +13,8 @@
     <p:sldId id="314" r:id="rId10"/>
     <p:sldId id="315" r:id="rId11"/>
     <p:sldId id="316" r:id="rId12"/>
-    <p:sldId id="317" r:id="rId13"/>
+    <p:sldId id="319" r:id="rId13"/>
+    <p:sldId id="317" r:id="rId14"/>
   </p:sldIdLst>
   <p:sldSz cx="12192000" cy="6858000"/>
   <p:notesSz cx="6858000" cy="9144000"/>
@@ -118,6 +119,2651 @@
     </p:ext>
   </p:extLst>
 </p:presentation>
+</file>
+
+<file path=ppt/diagrams/colors1.xml><?xml version="1.0" encoding="utf-8"?>
+<dgm:colorsDef xmlns:dgm="http://schemas.openxmlformats.org/drawingml/2006/diagram" xmlns:a="http://schemas.openxmlformats.org/drawingml/2006/main" uniqueId="urn:microsoft.com/office/officeart/2005/8/colors/accent1_2">
+  <dgm:title val=""/>
+  <dgm:desc val=""/>
+  <dgm:catLst>
+    <dgm:cat type="accent1" pri="11200"/>
+  </dgm:catLst>
+  <dgm:styleLbl name="node0">
+    <dgm:fillClrLst meth="repeat">
+      <a:schemeClr val="accent1"/>
+    </dgm:fillClrLst>
+    <dgm:linClrLst meth="repeat">
+      <a:schemeClr val="lt1"/>
+    </dgm:linClrLst>
+    <dgm:effectClrLst/>
+    <dgm:txLinClrLst/>
+    <dgm:txFillClrLst/>
+    <dgm:txEffectClrLst/>
+  </dgm:styleLbl>
+  <dgm:styleLbl name="alignNode1">
+    <dgm:fillClrLst meth="repeat">
+      <a:schemeClr val="accent1"/>
+    </dgm:fillClrLst>
+    <dgm:linClrLst meth="repeat">
+      <a:schemeClr val="accent1"/>
+    </dgm:linClrLst>
+    <dgm:effectClrLst/>
+    <dgm:txLinClrLst/>
+    <dgm:txFillClrLst/>
+    <dgm:txEffectClrLst/>
+  </dgm:styleLbl>
+  <dgm:styleLbl name="node1">
+    <dgm:fillClrLst meth="repeat">
+      <a:schemeClr val="accent1"/>
+    </dgm:fillClrLst>
+    <dgm:linClrLst meth="repeat">
+      <a:schemeClr val="lt1"/>
+    </dgm:linClrLst>
+    <dgm:effectClrLst/>
+    <dgm:txLinClrLst/>
+    <dgm:txFillClrLst/>
+    <dgm:txEffectClrLst/>
+  </dgm:styleLbl>
+  <dgm:styleLbl name="lnNode1">
+    <dgm:fillClrLst meth="repeat">
+      <a:schemeClr val="accent1"/>
+    </dgm:fillClrLst>
+    <dgm:linClrLst meth="repeat">
+      <a:schemeClr val="lt1"/>
+    </dgm:linClrLst>
+    <dgm:effectClrLst/>
+    <dgm:txLinClrLst/>
+    <dgm:txFillClrLst/>
+    <dgm:txEffectClrLst/>
+  </dgm:styleLbl>
+  <dgm:styleLbl name="vennNode1">
+    <dgm:fillClrLst meth="repeat">
+      <a:schemeClr val="accent1">
+        <a:alpha val="50000"/>
+      </a:schemeClr>
+    </dgm:fillClrLst>
+    <dgm:linClrLst meth="repeat">
+      <a:schemeClr val="lt1"/>
+    </dgm:linClrLst>
+    <dgm:effectClrLst/>
+    <dgm:txLinClrLst/>
+    <dgm:txFillClrLst/>
+    <dgm:txEffectClrLst/>
+  </dgm:styleLbl>
+  <dgm:styleLbl name="node2">
+    <dgm:fillClrLst meth="repeat">
+      <a:schemeClr val="accent1"/>
+    </dgm:fillClrLst>
+    <dgm:linClrLst meth="repeat">
+      <a:schemeClr val="lt1"/>
+    </dgm:linClrLst>
+    <dgm:effectClrLst/>
+    <dgm:txLinClrLst/>
+    <dgm:txFillClrLst/>
+    <dgm:txEffectClrLst/>
+  </dgm:styleLbl>
+  <dgm:styleLbl name="node3">
+    <dgm:fillClrLst meth="repeat">
+      <a:schemeClr val="accent1"/>
+    </dgm:fillClrLst>
+    <dgm:linClrLst meth="repeat">
+      <a:schemeClr val="lt1"/>
+    </dgm:linClrLst>
+    <dgm:effectClrLst/>
+    <dgm:txLinClrLst/>
+    <dgm:txFillClrLst/>
+    <dgm:txEffectClrLst/>
+  </dgm:styleLbl>
+  <dgm:styleLbl name="node4">
+    <dgm:fillClrLst meth="repeat">
+      <a:schemeClr val="accent1"/>
+    </dgm:fillClrLst>
+    <dgm:linClrLst meth="repeat">
+      <a:schemeClr val="lt1"/>
+    </dgm:linClrLst>
+    <dgm:effectClrLst/>
+    <dgm:txLinClrLst/>
+    <dgm:txFillClrLst/>
+    <dgm:txEffectClrLst/>
+  </dgm:styleLbl>
+  <dgm:styleLbl name="fgImgPlace1">
+    <dgm:fillClrLst meth="repeat">
+      <a:schemeClr val="accent1">
+        <a:tint val="50000"/>
+      </a:schemeClr>
+    </dgm:fillClrLst>
+    <dgm:linClrLst meth="repeat">
+      <a:schemeClr val="lt1"/>
+    </dgm:linClrLst>
+    <dgm:effectClrLst/>
+    <dgm:txLinClrLst/>
+    <dgm:txFillClrLst meth="repeat">
+      <a:schemeClr val="lt1"/>
+    </dgm:txFillClrLst>
+    <dgm:txEffectClrLst/>
+  </dgm:styleLbl>
+  <dgm:styleLbl name="alignImgPlace1">
+    <dgm:fillClrLst meth="repeat">
+      <a:schemeClr val="accent1">
+        <a:tint val="50000"/>
+      </a:schemeClr>
+    </dgm:fillClrLst>
+    <dgm:linClrLst meth="repeat">
+      <a:schemeClr val="lt1"/>
+    </dgm:linClrLst>
+    <dgm:effectClrLst/>
+    <dgm:txLinClrLst/>
+    <dgm:txFillClrLst meth="repeat">
+      <a:schemeClr val="lt1"/>
+    </dgm:txFillClrLst>
+    <dgm:txEffectClrLst/>
+  </dgm:styleLbl>
+  <dgm:styleLbl name="bgImgPlace1">
+    <dgm:fillClrLst meth="repeat">
+      <a:schemeClr val="accent1">
+        <a:tint val="50000"/>
+      </a:schemeClr>
+    </dgm:fillClrLst>
+    <dgm:linClrLst meth="repeat">
+      <a:schemeClr val="lt1"/>
+    </dgm:linClrLst>
+    <dgm:effectClrLst/>
+    <dgm:txLinClrLst/>
+    <dgm:txFillClrLst meth="repeat">
+      <a:schemeClr val="lt1"/>
+    </dgm:txFillClrLst>
+    <dgm:txEffectClrLst/>
+  </dgm:styleLbl>
+  <dgm:styleLbl name="sibTrans2D1">
+    <dgm:fillClrLst meth="repeat">
+      <a:schemeClr val="accent1">
+        <a:tint val="60000"/>
+      </a:schemeClr>
+    </dgm:fillClrLst>
+    <dgm:linClrLst meth="repeat">
+      <a:schemeClr val="accent1">
+        <a:tint val="60000"/>
+      </a:schemeClr>
+    </dgm:linClrLst>
+    <dgm:effectClrLst/>
+    <dgm:txLinClrLst/>
+    <dgm:txFillClrLst/>
+    <dgm:txEffectClrLst/>
+  </dgm:styleLbl>
+  <dgm:styleLbl name="fgSibTrans2D1">
+    <dgm:fillClrLst meth="repeat">
+      <a:schemeClr val="accent1">
+        <a:tint val="60000"/>
+      </a:schemeClr>
+    </dgm:fillClrLst>
+    <dgm:linClrLst meth="repeat">
+      <a:schemeClr val="accent1">
+        <a:tint val="60000"/>
+      </a:schemeClr>
+    </dgm:linClrLst>
+    <dgm:effectClrLst/>
+    <dgm:txLinClrLst/>
+    <dgm:txFillClrLst/>
+    <dgm:txEffectClrLst/>
+  </dgm:styleLbl>
+  <dgm:styleLbl name="bgSibTrans2D1">
+    <dgm:fillClrLst meth="repeat">
+      <a:schemeClr val="accent1">
+        <a:tint val="60000"/>
+      </a:schemeClr>
+    </dgm:fillClrLst>
+    <dgm:linClrLst meth="repeat">
+      <a:schemeClr val="accent1">
+        <a:tint val="60000"/>
+      </a:schemeClr>
+    </dgm:linClrLst>
+    <dgm:effectClrLst/>
+    <dgm:txLinClrLst/>
+    <dgm:txFillClrLst/>
+    <dgm:txEffectClrLst/>
+  </dgm:styleLbl>
+  <dgm:styleLbl name="sibTrans1D1">
+    <dgm:fillClrLst meth="repeat">
+      <a:schemeClr val="accent1"/>
+    </dgm:fillClrLst>
+    <dgm:linClrLst meth="repeat">
+      <a:schemeClr val="accent1"/>
+    </dgm:linClrLst>
+    <dgm:effectClrLst/>
+    <dgm:txLinClrLst/>
+    <dgm:txFillClrLst meth="repeat">
+      <a:schemeClr val="tx1"/>
+    </dgm:txFillClrLst>
+    <dgm:txEffectClrLst/>
+  </dgm:styleLbl>
+  <dgm:styleLbl name="callout">
+    <dgm:fillClrLst meth="repeat">
+      <a:schemeClr val="accent1"/>
+    </dgm:fillClrLst>
+    <dgm:linClrLst meth="repeat">
+      <a:schemeClr val="accent1">
+        <a:tint val="50000"/>
+      </a:schemeClr>
+    </dgm:linClrLst>
+    <dgm:effectClrLst/>
+    <dgm:txLinClrLst/>
+    <dgm:txFillClrLst meth="repeat">
+      <a:schemeClr val="tx1"/>
+    </dgm:txFillClrLst>
+    <dgm:txEffectClrLst/>
+  </dgm:styleLbl>
+  <dgm:styleLbl name="asst0">
+    <dgm:fillClrLst meth="repeat">
+      <a:schemeClr val="accent1"/>
+    </dgm:fillClrLst>
+    <dgm:linClrLst meth="repeat">
+      <a:schemeClr val="lt1"/>
+    </dgm:linClrLst>
+    <dgm:effectClrLst/>
+    <dgm:txLinClrLst/>
+    <dgm:txFillClrLst/>
+    <dgm:txEffectClrLst/>
+  </dgm:styleLbl>
+  <dgm:styleLbl name="asst1">
+    <dgm:fillClrLst meth="repeat">
+      <a:schemeClr val="accent1"/>
+    </dgm:fillClrLst>
+    <dgm:linClrLst meth="repeat">
+      <a:schemeClr val="lt1"/>
+    </dgm:linClrLst>
+    <dgm:effectClrLst/>
+    <dgm:txLinClrLst/>
+    <dgm:txFillClrLst/>
+    <dgm:txEffectClrLst/>
+  </dgm:styleLbl>
+  <dgm:styleLbl name="asst2">
+    <dgm:fillClrLst meth="repeat">
+      <a:schemeClr val="accent1"/>
+    </dgm:fillClrLst>
+    <dgm:linClrLst meth="repeat">
+      <a:schemeClr val="lt1"/>
+    </dgm:linClrLst>
+    <dgm:effectClrLst/>
+    <dgm:txLinClrLst/>
+    <dgm:txFillClrLst/>
+    <dgm:txEffectClrLst/>
+  </dgm:styleLbl>
+  <dgm:styleLbl name="asst3">
+    <dgm:fillClrLst meth="repeat">
+      <a:schemeClr val="accent1"/>
+    </dgm:fillClrLst>
+    <dgm:linClrLst meth="repeat">
+      <a:schemeClr val="lt1"/>
+    </dgm:linClrLst>
+    <dgm:effectClrLst/>
+    <dgm:txLinClrLst/>
+    <dgm:txFillClrLst/>
+    <dgm:txEffectClrLst/>
+  </dgm:styleLbl>
+  <dgm:styleLbl name="asst4">
+    <dgm:fillClrLst meth="repeat">
+      <a:schemeClr val="accent1"/>
+    </dgm:fillClrLst>
+    <dgm:linClrLst meth="repeat">
+      <a:schemeClr val="lt1"/>
+    </dgm:linClrLst>
+    <dgm:effectClrLst/>
+    <dgm:txLinClrLst/>
+    <dgm:txFillClrLst/>
+    <dgm:txEffectClrLst/>
+  </dgm:styleLbl>
+  <dgm:styleLbl name="parChTrans2D1">
+    <dgm:fillClrLst meth="repeat">
+      <a:schemeClr val="accent1">
+        <a:tint val="60000"/>
+      </a:schemeClr>
+    </dgm:fillClrLst>
+    <dgm:linClrLst meth="repeat">
+      <a:schemeClr val="accent1">
+        <a:tint val="60000"/>
+      </a:schemeClr>
+    </dgm:linClrLst>
+    <dgm:effectClrLst/>
+    <dgm:txLinClrLst/>
+    <dgm:txFillClrLst meth="repeat">
+      <a:schemeClr val="lt1"/>
+    </dgm:txFillClrLst>
+    <dgm:txEffectClrLst/>
+  </dgm:styleLbl>
+  <dgm:styleLbl name="parChTrans2D2">
+    <dgm:fillClrLst meth="repeat">
+      <a:schemeClr val="accent1"/>
+    </dgm:fillClrLst>
+    <dgm:linClrLst meth="repeat">
+      <a:schemeClr val="accent1"/>
+    </dgm:linClrLst>
+    <dgm:effectClrLst/>
+    <dgm:txLinClrLst/>
+    <dgm:txFillClrLst meth="repeat">
+      <a:schemeClr val="lt1"/>
+    </dgm:txFillClrLst>
+    <dgm:txEffectClrLst/>
+  </dgm:styleLbl>
+  <dgm:styleLbl name="parChTrans2D3">
+    <dgm:fillClrLst meth="repeat">
+      <a:schemeClr val="accent1"/>
+    </dgm:fillClrLst>
+    <dgm:linClrLst meth="repeat">
+      <a:schemeClr val="accent1"/>
+    </dgm:linClrLst>
+    <dgm:effectClrLst/>
+    <dgm:txLinClrLst/>
+    <dgm:txFillClrLst meth="repeat">
+      <a:schemeClr val="lt1"/>
+    </dgm:txFillClrLst>
+    <dgm:txEffectClrLst/>
+  </dgm:styleLbl>
+  <dgm:styleLbl name="parChTrans2D4">
+    <dgm:fillClrLst meth="repeat">
+      <a:schemeClr val="accent1"/>
+    </dgm:fillClrLst>
+    <dgm:linClrLst meth="repeat">
+      <a:schemeClr val="accent1"/>
+    </dgm:linClrLst>
+    <dgm:effectClrLst/>
+    <dgm:txLinClrLst/>
+    <dgm:txFillClrLst meth="repeat">
+      <a:schemeClr val="lt1"/>
+    </dgm:txFillClrLst>
+    <dgm:txEffectClrLst/>
+  </dgm:styleLbl>
+  <dgm:styleLbl name="parChTrans1D1">
+    <dgm:fillClrLst meth="repeat">
+      <a:schemeClr val="accent1"/>
+    </dgm:fillClrLst>
+    <dgm:linClrLst meth="repeat">
+      <a:schemeClr val="accent1">
+        <a:shade val="60000"/>
+      </a:schemeClr>
+    </dgm:linClrLst>
+    <dgm:effectClrLst/>
+    <dgm:txLinClrLst/>
+    <dgm:txFillClrLst meth="repeat">
+      <a:schemeClr val="tx1"/>
+    </dgm:txFillClrLst>
+    <dgm:txEffectClrLst/>
+  </dgm:styleLbl>
+  <dgm:styleLbl name="parChTrans1D2">
+    <dgm:fillClrLst meth="repeat">
+      <a:schemeClr val="accent1"/>
+    </dgm:fillClrLst>
+    <dgm:linClrLst meth="repeat">
+      <a:schemeClr val="accent1">
+        <a:shade val="60000"/>
+      </a:schemeClr>
+    </dgm:linClrLst>
+    <dgm:effectClrLst/>
+    <dgm:txLinClrLst/>
+    <dgm:txFillClrLst meth="repeat">
+      <a:schemeClr val="tx1"/>
+    </dgm:txFillClrLst>
+    <dgm:txEffectClrLst/>
+  </dgm:styleLbl>
+  <dgm:styleLbl name="parChTrans1D3">
+    <dgm:fillClrLst meth="repeat">
+      <a:schemeClr val="accent1"/>
+    </dgm:fillClrLst>
+    <dgm:linClrLst meth="repeat">
+      <a:schemeClr val="accent1">
+        <a:shade val="80000"/>
+      </a:schemeClr>
+    </dgm:linClrLst>
+    <dgm:effectClrLst/>
+    <dgm:txLinClrLst/>
+    <dgm:txFillClrLst meth="repeat">
+      <a:schemeClr val="tx1"/>
+    </dgm:txFillClrLst>
+    <dgm:txEffectClrLst/>
+  </dgm:styleLbl>
+  <dgm:styleLbl name="parChTrans1D4">
+    <dgm:fillClrLst meth="repeat">
+      <a:schemeClr val="accent1"/>
+    </dgm:fillClrLst>
+    <dgm:linClrLst meth="repeat">
+      <a:schemeClr val="accent1">
+        <a:shade val="80000"/>
+      </a:schemeClr>
+    </dgm:linClrLst>
+    <dgm:effectClrLst/>
+    <dgm:txLinClrLst/>
+    <dgm:txFillClrLst meth="repeat">
+      <a:schemeClr val="tx1"/>
+    </dgm:txFillClrLst>
+    <dgm:txEffectClrLst/>
+  </dgm:styleLbl>
+  <dgm:styleLbl name="fgAcc1">
+    <dgm:fillClrLst meth="repeat">
+      <a:schemeClr val="lt1">
+        <a:alpha val="90000"/>
+      </a:schemeClr>
+    </dgm:fillClrLst>
+    <dgm:linClrLst meth="repeat">
+      <a:schemeClr val="accent1"/>
+    </dgm:linClrLst>
+    <dgm:effectClrLst/>
+    <dgm:txLinClrLst/>
+    <dgm:txFillClrLst meth="repeat">
+      <a:schemeClr val="dk1"/>
+    </dgm:txFillClrLst>
+    <dgm:txEffectClrLst/>
+  </dgm:styleLbl>
+  <dgm:styleLbl name="conFgAcc1">
+    <dgm:fillClrLst meth="repeat">
+      <a:schemeClr val="lt1">
+        <a:alpha val="90000"/>
+      </a:schemeClr>
+    </dgm:fillClrLst>
+    <dgm:linClrLst meth="repeat">
+      <a:schemeClr val="accent1"/>
+    </dgm:linClrLst>
+    <dgm:effectClrLst/>
+    <dgm:txLinClrLst/>
+    <dgm:txFillClrLst meth="repeat">
+      <a:schemeClr val="dk1"/>
+    </dgm:txFillClrLst>
+    <dgm:txEffectClrLst/>
+  </dgm:styleLbl>
+  <dgm:styleLbl name="alignAcc1">
+    <dgm:fillClrLst meth="repeat">
+      <a:schemeClr val="lt1">
+        <a:alpha val="90000"/>
+      </a:schemeClr>
+    </dgm:fillClrLst>
+    <dgm:linClrLst meth="repeat">
+      <a:schemeClr val="accent1"/>
+    </dgm:linClrLst>
+    <dgm:effectClrLst/>
+    <dgm:txLinClrLst/>
+    <dgm:txFillClrLst meth="repeat">
+      <a:schemeClr val="dk1"/>
+    </dgm:txFillClrLst>
+    <dgm:txEffectClrLst/>
+  </dgm:styleLbl>
+  <dgm:styleLbl name="trAlignAcc1">
+    <dgm:fillClrLst meth="repeat">
+      <a:schemeClr val="lt1">
+        <a:alpha val="40000"/>
+      </a:schemeClr>
+    </dgm:fillClrLst>
+    <dgm:linClrLst meth="repeat">
+      <a:schemeClr val="accent1"/>
+    </dgm:linClrLst>
+    <dgm:effectClrLst/>
+    <dgm:txLinClrLst/>
+    <dgm:txFillClrLst meth="repeat">
+      <a:schemeClr val="dk1"/>
+    </dgm:txFillClrLst>
+    <dgm:txEffectClrLst/>
+  </dgm:styleLbl>
+  <dgm:styleLbl name="bgAcc1">
+    <dgm:fillClrLst meth="repeat">
+      <a:schemeClr val="lt1">
+        <a:alpha val="90000"/>
+      </a:schemeClr>
+    </dgm:fillClrLst>
+    <dgm:linClrLst meth="repeat">
+      <a:schemeClr val="accent1"/>
+    </dgm:linClrLst>
+    <dgm:effectClrLst/>
+    <dgm:txLinClrLst/>
+    <dgm:txFillClrLst meth="repeat">
+      <a:schemeClr val="dk1"/>
+    </dgm:txFillClrLst>
+    <dgm:txEffectClrLst/>
+  </dgm:styleLbl>
+  <dgm:styleLbl name="solidFgAcc1">
+    <dgm:fillClrLst meth="repeat">
+      <a:schemeClr val="lt1"/>
+    </dgm:fillClrLst>
+    <dgm:linClrLst meth="repeat">
+      <a:schemeClr val="accent1"/>
+    </dgm:linClrLst>
+    <dgm:effectClrLst/>
+    <dgm:txLinClrLst/>
+    <dgm:txFillClrLst meth="repeat">
+      <a:schemeClr val="dk1"/>
+    </dgm:txFillClrLst>
+    <dgm:txEffectClrLst/>
+  </dgm:styleLbl>
+  <dgm:styleLbl name="solidAlignAcc1">
+    <dgm:fillClrLst meth="repeat">
+      <a:schemeClr val="lt1"/>
+    </dgm:fillClrLst>
+    <dgm:linClrLst meth="repeat">
+      <a:schemeClr val="accent1"/>
+    </dgm:linClrLst>
+    <dgm:effectClrLst/>
+    <dgm:txLinClrLst/>
+    <dgm:txFillClrLst meth="repeat">
+      <a:schemeClr val="dk1"/>
+    </dgm:txFillClrLst>
+    <dgm:txEffectClrLst/>
+  </dgm:styleLbl>
+  <dgm:styleLbl name="solidBgAcc1">
+    <dgm:fillClrLst meth="repeat">
+      <a:schemeClr val="lt1"/>
+    </dgm:fillClrLst>
+    <dgm:linClrLst meth="repeat">
+      <a:schemeClr val="accent1"/>
+    </dgm:linClrLst>
+    <dgm:effectClrLst/>
+    <dgm:txLinClrLst/>
+    <dgm:txFillClrLst meth="repeat">
+      <a:schemeClr val="dk1"/>
+    </dgm:txFillClrLst>
+    <dgm:txEffectClrLst/>
+  </dgm:styleLbl>
+  <dgm:styleLbl name="fgAccFollowNode1">
+    <dgm:fillClrLst meth="repeat">
+      <a:schemeClr val="accent1">
+        <a:alpha val="90000"/>
+        <a:tint val="40000"/>
+      </a:schemeClr>
+    </dgm:fillClrLst>
+    <dgm:linClrLst meth="repeat">
+      <a:schemeClr val="accent1">
+        <a:alpha val="90000"/>
+        <a:tint val="40000"/>
+      </a:schemeClr>
+    </dgm:linClrLst>
+    <dgm:effectClrLst/>
+    <dgm:txLinClrLst/>
+    <dgm:txFillClrLst meth="repeat">
+      <a:schemeClr val="dk1"/>
+    </dgm:txFillClrLst>
+    <dgm:txEffectClrLst/>
+  </dgm:styleLbl>
+  <dgm:styleLbl name="alignAccFollowNode1">
+    <dgm:fillClrLst meth="repeat">
+      <a:schemeClr val="accent1">
+        <a:alpha val="90000"/>
+        <a:tint val="40000"/>
+      </a:schemeClr>
+    </dgm:fillClrLst>
+    <dgm:linClrLst meth="repeat">
+      <a:schemeClr val="accent1">
+        <a:alpha val="90000"/>
+        <a:tint val="40000"/>
+      </a:schemeClr>
+    </dgm:linClrLst>
+    <dgm:effectClrLst/>
+    <dgm:txLinClrLst/>
+    <dgm:txFillClrLst meth="repeat">
+      <a:schemeClr val="dk1"/>
+    </dgm:txFillClrLst>
+    <dgm:txEffectClrLst/>
+  </dgm:styleLbl>
+  <dgm:styleLbl name="bgAccFollowNode1">
+    <dgm:fillClrLst meth="repeat">
+      <a:schemeClr val="accent1">
+        <a:alpha val="90000"/>
+        <a:tint val="40000"/>
+      </a:schemeClr>
+    </dgm:fillClrLst>
+    <dgm:linClrLst meth="repeat">
+      <a:schemeClr val="accent1">
+        <a:alpha val="90000"/>
+        <a:tint val="40000"/>
+      </a:schemeClr>
+    </dgm:linClrLst>
+    <dgm:effectClrLst/>
+    <dgm:txLinClrLst/>
+    <dgm:txFillClrLst meth="repeat">
+      <a:schemeClr val="dk1"/>
+    </dgm:txFillClrLst>
+    <dgm:txEffectClrLst/>
+  </dgm:styleLbl>
+  <dgm:styleLbl name="fgAcc0">
+    <dgm:fillClrLst meth="repeat">
+      <a:schemeClr val="lt1">
+        <a:alpha val="90000"/>
+      </a:schemeClr>
+    </dgm:fillClrLst>
+    <dgm:linClrLst meth="repeat">
+      <a:schemeClr val="accent1"/>
+    </dgm:linClrLst>
+    <dgm:effectClrLst/>
+    <dgm:txLinClrLst/>
+    <dgm:txFillClrLst meth="repeat">
+      <a:schemeClr val="dk1"/>
+    </dgm:txFillClrLst>
+    <dgm:txEffectClrLst/>
+  </dgm:styleLbl>
+  <dgm:styleLbl name="fgAcc2">
+    <dgm:fillClrLst meth="repeat">
+      <a:schemeClr val="lt1">
+        <a:alpha val="90000"/>
+      </a:schemeClr>
+    </dgm:fillClrLst>
+    <dgm:linClrLst meth="repeat">
+      <a:schemeClr val="accent1"/>
+    </dgm:linClrLst>
+    <dgm:effectClrLst/>
+    <dgm:txLinClrLst/>
+    <dgm:txFillClrLst meth="repeat">
+      <a:schemeClr val="dk1"/>
+    </dgm:txFillClrLst>
+    <dgm:txEffectClrLst/>
+  </dgm:styleLbl>
+  <dgm:styleLbl name="fgAcc3">
+    <dgm:fillClrLst meth="repeat">
+      <a:schemeClr val="lt1">
+        <a:alpha val="90000"/>
+      </a:schemeClr>
+    </dgm:fillClrLst>
+    <dgm:linClrLst meth="repeat">
+      <a:schemeClr val="accent1"/>
+    </dgm:linClrLst>
+    <dgm:effectClrLst/>
+    <dgm:txLinClrLst/>
+    <dgm:txFillClrLst meth="repeat">
+      <a:schemeClr val="dk1"/>
+    </dgm:txFillClrLst>
+    <dgm:txEffectClrLst/>
+  </dgm:styleLbl>
+  <dgm:styleLbl name="fgAcc4">
+    <dgm:fillClrLst meth="repeat">
+      <a:schemeClr val="lt1">
+        <a:alpha val="90000"/>
+      </a:schemeClr>
+    </dgm:fillClrLst>
+    <dgm:linClrLst meth="repeat">
+      <a:schemeClr val="accent1"/>
+    </dgm:linClrLst>
+    <dgm:effectClrLst/>
+    <dgm:txLinClrLst/>
+    <dgm:txFillClrLst meth="repeat">
+      <a:schemeClr val="dk1"/>
+    </dgm:txFillClrLst>
+    <dgm:txEffectClrLst/>
+  </dgm:styleLbl>
+  <dgm:styleLbl name="bgShp">
+    <dgm:fillClrLst meth="repeat">
+      <a:schemeClr val="accent1">
+        <a:tint val="40000"/>
+      </a:schemeClr>
+    </dgm:fillClrLst>
+    <dgm:linClrLst meth="repeat">
+      <a:schemeClr val="accent1"/>
+    </dgm:linClrLst>
+    <dgm:effectClrLst/>
+    <dgm:txLinClrLst/>
+    <dgm:txFillClrLst meth="repeat">
+      <a:schemeClr val="dk1"/>
+    </dgm:txFillClrLst>
+    <dgm:txEffectClrLst/>
+  </dgm:styleLbl>
+  <dgm:styleLbl name="dkBgShp">
+    <dgm:fillClrLst meth="repeat">
+      <a:schemeClr val="accent1">
+        <a:shade val="80000"/>
+      </a:schemeClr>
+    </dgm:fillClrLst>
+    <dgm:linClrLst meth="repeat">
+      <a:schemeClr val="accent1"/>
+    </dgm:linClrLst>
+    <dgm:effectClrLst/>
+    <dgm:txLinClrLst/>
+    <dgm:txFillClrLst meth="repeat">
+      <a:schemeClr val="lt1"/>
+    </dgm:txFillClrLst>
+    <dgm:txEffectClrLst/>
+  </dgm:styleLbl>
+  <dgm:styleLbl name="trBgShp">
+    <dgm:fillClrLst meth="repeat">
+      <a:schemeClr val="accent1">
+        <a:tint val="50000"/>
+        <a:alpha val="40000"/>
+      </a:schemeClr>
+    </dgm:fillClrLst>
+    <dgm:linClrLst meth="repeat">
+      <a:schemeClr val="accent1"/>
+    </dgm:linClrLst>
+    <dgm:effectClrLst/>
+    <dgm:txLinClrLst/>
+    <dgm:txFillClrLst meth="repeat">
+      <a:schemeClr val="lt1"/>
+    </dgm:txFillClrLst>
+    <dgm:txEffectClrLst/>
+  </dgm:styleLbl>
+  <dgm:styleLbl name="fgShp">
+    <dgm:fillClrLst meth="repeat">
+      <a:schemeClr val="accent1">
+        <a:tint val="60000"/>
+      </a:schemeClr>
+    </dgm:fillClrLst>
+    <dgm:linClrLst meth="repeat">
+      <a:schemeClr val="lt1"/>
+    </dgm:linClrLst>
+    <dgm:effectClrLst/>
+    <dgm:txLinClrLst/>
+    <dgm:txFillClrLst meth="repeat">
+      <a:schemeClr val="dk1"/>
+    </dgm:txFillClrLst>
+    <dgm:txEffectClrLst/>
+  </dgm:styleLbl>
+  <dgm:styleLbl name="revTx">
+    <dgm:fillClrLst meth="repeat">
+      <a:schemeClr val="lt1">
+        <a:alpha val="0"/>
+      </a:schemeClr>
+    </dgm:fillClrLst>
+    <dgm:linClrLst meth="repeat">
+      <a:schemeClr val="dk1">
+        <a:alpha val="0"/>
+      </a:schemeClr>
+    </dgm:linClrLst>
+    <dgm:effectClrLst/>
+    <dgm:txLinClrLst/>
+    <dgm:txFillClrLst meth="repeat">
+      <a:schemeClr val="tx1"/>
+    </dgm:txFillClrLst>
+    <dgm:txEffectClrLst/>
+  </dgm:styleLbl>
+</dgm:colorsDef>
+</file>
+
+<file path=ppt/diagrams/data1.xml><?xml version="1.0" encoding="utf-8"?>
+<dgm:dataModel xmlns:dgm="http://schemas.openxmlformats.org/drawingml/2006/diagram" xmlns:a="http://schemas.openxmlformats.org/drawingml/2006/main">
+  <dgm:ptLst>
+    <dgm:pt modelId="{ED8EF73E-6CBC-45FB-AA2E-281E71969532}" type="doc">
+      <dgm:prSet loTypeId="urn:microsoft.com/office/officeart/2018/2/layout/IconLabelList" loCatId="icon" qsTypeId="urn:microsoft.com/office/officeart/2005/8/quickstyle/simple1" qsCatId="simple" csTypeId="urn:microsoft.com/office/officeart/2005/8/colors/accent1_2" csCatId="accent1" phldr="1"/>
+      <dgm:spPr/>
+      <dgm:t>
+        <a:bodyPr/>
+        <a:lstStyle/>
+        <a:p>
+          <a:endParaRPr lang="en-US"/>
+        </a:p>
+      </dgm:t>
+    </dgm:pt>
+    <dgm:pt modelId="{69DB2BD7-6AA0-420E-8CD6-622A931BB03D}">
+      <dgm:prSet/>
+      <dgm:spPr/>
+      <dgm:t>
+        <a:bodyPr/>
+        <a:lstStyle/>
+        <a:p>
+          <a:pPr>
+            <a:lnSpc>
+              <a:spcPct val="100000"/>
+            </a:lnSpc>
+          </a:pPr>
+          <a:r>
+            <a:rPr lang="en-US"/>
+            <a:t>Learning to use cloudflare worker and KV as cache</a:t>
+          </a:r>
+        </a:p>
+      </dgm:t>
+    </dgm:pt>
+    <dgm:pt modelId="{5AF9EB56-2765-454C-9A84-4EC3CA3BDCB8}" type="parTrans" cxnId="{ED087FAA-080B-4377-BEFA-13B9974FEC68}">
+      <dgm:prSet/>
+      <dgm:spPr/>
+      <dgm:t>
+        <a:bodyPr/>
+        <a:lstStyle/>
+        <a:p>
+          <a:endParaRPr lang="en-US"/>
+        </a:p>
+      </dgm:t>
+    </dgm:pt>
+    <dgm:pt modelId="{B0626B4F-1341-4E57-B4A6-3EFDF0B23F32}" type="sibTrans" cxnId="{ED087FAA-080B-4377-BEFA-13B9974FEC68}">
+      <dgm:prSet/>
+      <dgm:spPr/>
+      <dgm:t>
+        <a:bodyPr/>
+        <a:lstStyle/>
+        <a:p>
+          <a:endParaRPr lang="en-US"/>
+        </a:p>
+      </dgm:t>
+    </dgm:pt>
+    <dgm:pt modelId="{0745D882-83D1-4DC0-8952-89EF72A750E5}">
+      <dgm:prSet/>
+      <dgm:spPr/>
+      <dgm:t>
+        <a:bodyPr/>
+        <a:lstStyle/>
+        <a:p>
+          <a:pPr>
+            <a:lnSpc>
+              <a:spcPct val="100000"/>
+            </a:lnSpc>
+          </a:pPr>
+          <a:r>
+            <a:rPr lang="en-US"/>
+            <a:t>Understanding how MC components work under the hood</a:t>
+          </a:r>
+        </a:p>
+      </dgm:t>
+    </dgm:pt>
+    <dgm:pt modelId="{806CC622-7A95-4820-88A7-A5D0AA77658A}" type="parTrans" cxnId="{49180919-AF80-47F5-8994-0610559E89E1}">
+      <dgm:prSet/>
+      <dgm:spPr/>
+      <dgm:t>
+        <a:bodyPr/>
+        <a:lstStyle/>
+        <a:p>
+          <a:endParaRPr lang="en-US"/>
+        </a:p>
+      </dgm:t>
+    </dgm:pt>
+    <dgm:pt modelId="{10A10E4A-40E0-416A-8883-ECBCB43153BE}" type="sibTrans" cxnId="{49180919-AF80-47F5-8994-0610559E89E1}">
+      <dgm:prSet/>
+      <dgm:spPr/>
+      <dgm:t>
+        <a:bodyPr/>
+        <a:lstStyle/>
+        <a:p>
+          <a:endParaRPr lang="en-US"/>
+        </a:p>
+      </dgm:t>
+    </dgm:pt>
+    <dgm:pt modelId="{EBCB3F5C-5721-426C-80A4-412B29070F31}">
+      <dgm:prSet/>
+      <dgm:spPr/>
+      <dgm:t>
+        <a:bodyPr/>
+        <a:lstStyle/>
+        <a:p>
+          <a:pPr>
+            <a:lnSpc>
+              <a:spcPct val="100000"/>
+            </a:lnSpc>
+          </a:pPr>
+          <a:r>
+            <a:rPr lang="en-US"/>
+            <a:t>Designing proper cache key for tic tac toe use case</a:t>
+          </a:r>
+        </a:p>
+      </dgm:t>
+    </dgm:pt>
+    <dgm:pt modelId="{A258EBD3-C309-4743-AFEE-8757088F1017}" type="parTrans" cxnId="{20E7DA1B-03BA-4187-958F-2954C87416A9}">
+      <dgm:prSet/>
+      <dgm:spPr/>
+      <dgm:t>
+        <a:bodyPr/>
+        <a:lstStyle/>
+        <a:p>
+          <a:endParaRPr lang="en-US"/>
+        </a:p>
+      </dgm:t>
+    </dgm:pt>
+    <dgm:pt modelId="{2EF646E8-5C6A-4957-9B35-77FCF72DDD07}" type="sibTrans" cxnId="{20E7DA1B-03BA-4187-958F-2954C87416A9}">
+      <dgm:prSet/>
+      <dgm:spPr/>
+      <dgm:t>
+        <a:bodyPr/>
+        <a:lstStyle/>
+        <a:p>
+          <a:endParaRPr lang="en-US"/>
+        </a:p>
+      </dgm:t>
+    </dgm:pt>
+    <dgm:pt modelId="{F2ED5F2A-D4CB-476E-BF78-92798CC55F66}" type="pres">
+      <dgm:prSet presAssocID="{ED8EF73E-6CBC-45FB-AA2E-281E71969532}" presName="root" presStyleCnt="0">
+        <dgm:presLayoutVars>
+          <dgm:dir/>
+          <dgm:resizeHandles val="exact"/>
+        </dgm:presLayoutVars>
+      </dgm:prSet>
+      <dgm:spPr/>
+    </dgm:pt>
+    <dgm:pt modelId="{728260CD-B66B-4A2B-B6A6-7AE4BFC50F22}" type="pres">
+      <dgm:prSet presAssocID="{69DB2BD7-6AA0-420E-8CD6-622A931BB03D}" presName="compNode" presStyleCnt="0"/>
+      <dgm:spPr/>
+    </dgm:pt>
+    <dgm:pt modelId="{85A2F070-9216-4C63-923F-7BDF7C244EE6}" type="pres">
+      <dgm:prSet presAssocID="{69DB2BD7-6AA0-420E-8CD6-622A931BB03D}" presName="iconRect" presStyleLbl="node1" presStyleIdx="0" presStyleCnt="3"/>
+      <dgm:spPr>
+        <a:blipFill>
+          <a:blip xmlns:r="http://schemas.openxmlformats.org/officeDocument/2006/relationships" r:embed="rId1">
+            <a:extLst>
+              <a:ext uri="{28A0092B-C50C-407E-A947-70E740481C1C}">
+                <a14:useLocalDpi xmlns:a14="http://schemas.microsoft.com/office/drawing/2010/main" val="0"/>
+              </a:ext>
+              <a:ext uri="{96DAC541-7B7A-43D3-8B79-37D633B846F1}">
+                <asvg:svgBlip xmlns:asvg="http://schemas.microsoft.com/office/drawing/2016/SVG/main" r:embed="rId2"/>
+              </a:ext>
+            </a:extLst>
+          </a:blip>
+          <a:stretch>
+            <a:fillRect/>
+          </a:stretch>
+        </a:blipFill>
+      </dgm:spPr>
+      <dgm:extLst>
+        <a:ext uri="{E40237B7-FDA0-4F09-8148-C483321AD2D9}">
+          <dgm14:cNvPr xmlns:dgm14="http://schemas.microsoft.com/office/drawing/2010/diagram" id="0" name="" descr="User"/>
+        </a:ext>
+      </dgm:extLst>
+    </dgm:pt>
+    <dgm:pt modelId="{A6385486-6FAF-41B2-BEE0-B4823756F175}" type="pres">
+      <dgm:prSet presAssocID="{69DB2BD7-6AA0-420E-8CD6-622A931BB03D}" presName="spaceRect" presStyleCnt="0"/>
+      <dgm:spPr/>
+    </dgm:pt>
+    <dgm:pt modelId="{FCE90C1D-77DA-4FB9-B96D-F54560603F5C}" type="pres">
+      <dgm:prSet presAssocID="{69DB2BD7-6AA0-420E-8CD6-622A931BB03D}" presName="textRect" presStyleLbl="revTx" presStyleIdx="0" presStyleCnt="3">
+        <dgm:presLayoutVars>
+          <dgm:chMax val="1"/>
+          <dgm:chPref val="1"/>
+        </dgm:presLayoutVars>
+      </dgm:prSet>
+      <dgm:spPr/>
+    </dgm:pt>
+    <dgm:pt modelId="{84B92A43-A093-4535-B31F-49053C1D9900}" type="pres">
+      <dgm:prSet presAssocID="{B0626B4F-1341-4E57-B4A6-3EFDF0B23F32}" presName="sibTrans" presStyleCnt="0"/>
+      <dgm:spPr/>
+    </dgm:pt>
+    <dgm:pt modelId="{B865D1BC-0746-48C4-BE74-6E77FFDD1667}" type="pres">
+      <dgm:prSet presAssocID="{0745D882-83D1-4DC0-8952-89EF72A750E5}" presName="compNode" presStyleCnt="0"/>
+      <dgm:spPr/>
+    </dgm:pt>
+    <dgm:pt modelId="{0F3F5D70-CB72-4597-B7A0-086E950B8751}" type="pres">
+      <dgm:prSet presAssocID="{0745D882-83D1-4DC0-8952-89EF72A750E5}" presName="iconRect" presStyleLbl="node1" presStyleIdx="1" presStyleCnt="3"/>
+      <dgm:spPr>
+        <a:blipFill>
+          <a:blip xmlns:r="http://schemas.openxmlformats.org/officeDocument/2006/relationships" r:embed="rId3">
+            <a:extLst>
+              <a:ext uri="{28A0092B-C50C-407E-A947-70E740481C1C}">
+                <a14:useLocalDpi xmlns:a14="http://schemas.microsoft.com/office/drawing/2010/main" val="0"/>
+              </a:ext>
+              <a:ext uri="{96DAC541-7B7A-43D3-8B79-37D633B846F1}">
+                <asvg:svgBlip xmlns:asvg="http://schemas.microsoft.com/office/drawing/2016/SVG/main" r:embed="rId4"/>
+              </a:ext>
+            </a:extLst>
+          </a:blip>
+          <a:stretch>
+            <a:fillRect/>
+          </a:stretch>
+        </a:blipFill>
+      </dgm:spPr>
+      <dgm:extLst>
+        <a:ext uri="{E40237B7-FDA0-4F09-8148-C483321AD2D9}">
+          <dgm14:cNvPr xmlns:dgm14="http://schemas.microsoft.com/office/drawing/2010/diagram" id="0" name="" descr="Head with Gears"/>
+        </a:ext>
+      </dgm:extLst>
+    </dgm:pt>
+    <dgm:pt modelId="{7C4A6BEC-8C70-4430-B526-69F9C81BB050}" type="pres">
+      <dgm:prSet presAssocID="{0745D882-83D1-4DC0-8952-89EF72A750E5}" presName="spaceRect" presStyleCnt="0"/>
+      <dgm:spPr/>
+    </dgm:pt>
+    <dgm:pt modelId="{EB7E389F-65A2-4D4B-AC49-A721D9BFF27B}" type="pres">
+      <dgm:prSet presAssocID="{0745D882-83D1-4DC0-8952-89EF72A750E5}" presName="textRect" presStyleLbl="revTx" presStyleIdx="1" presStyleCnt="3">
+        <dgm:presLayoutVars>
+          <dgm:chMax val="1"/>
+          <dgm:chPref val="1"/>
+        </dgm:presLayoutVars>
+      </dgm:prSet>
+      <dgm:spPr/>
+    </dgm:pt>
+    <dgm:pt modelId="{F3D9029E-07F5-4B71-8013-835AB5C07D7C}" type="pres">
+      <dgm:prSet presAssocID="{10A10E4A-40E0-416A-8883-ECBCB43153BE}" presName="sibTrans" presStyleCnt="0"/>
+      <dgm:spPr/>
+    </dgm:pt>
+    <dgm:pt modelId="{377EFAE1-D2D7-4EB5-B2BC-C7385BBC0321}" type="pres">
+      <dgm:prSet presAssocID="{EBCB3F5C-5721-426C-80A4-412B29070F31}" presName="compNode" presStyleCnt="0"/>
+      <dgm:spPr/>
+    </dgm:pt>
+    <dgm:pt modelId="{C3013936-B85F-4983-84F3-B0487D75AE09}" type="pres">
+      <dgm:prSet presAssocID="{EBCB3F5C-5721-426C-80A4-412B29070F31}" presName="iconRect" presStyleLbl="node1" presStyleIdx="2" presStyleCnt="3"/>
+      <dgm:spPr>
+        <a:blipFill>
+          <a:blip xmlns:r="http://schemas.openxmlformats.org/officeDocument/2006/relationships" r:embed="rId5">
+            <a:extLst>
+              <a:ext uri="{28A0092B-C50C-407E-A947-70E740481C1C}">
+                <a14:useLocalDpi xmlns:a14="http://schemas.microsoft.com/office/drawing/2010/main" val="0"/>
+              </a:ext>
+              <a:ext uri="{96DAC541-7B7A-43D3-8B79-37D633B846F1}">
+                <asvg:svgBlip xmlns:asvg="http://schemas.microsoft.com/office/drawing/2016/SVG/main" r:embed="rId6"/>
+              </a:ext>
+            </a:extLst>
+          </a:blip>
+          <a:stretch>
+            <a:fillRect/>
+          </a:stretch>
+        </a:blipFill>
+      </dgm:spPr>
+      <dgm:extLst>
+        <a:ext uri="{E40237B7-FDA0-4F09-8148-C483321AD2D9}">
+          <dgm14:cNvPr xmlns:dgm14="http://schemas.microsoft.com/office/drawing/2010/diagram" id="0" name="" descr="Key"/>
+        </a:ext>
+      </dgm:extLst>
+    </dgm:pt>
+    <dgm:pt modelId="{D1ADFAA1-CB97-49B1-98C9-B3F85C1F4658}" type="pres">
+      <dgm:prSet presAssocID="{EBCB3F5C-5721-426C-80A4-412B29070F31}" presName="spaceRect" presStyleCnt="0"/>
+      <dgm:spPr/>
+    </dgm:pt>
+    <dgm:pt modelId="{A60748C1-7DA3-4367-AC38-76F83C828F25}" type="pres">
+      <dgm:prSet presAssocID="{EBCB3F5C-5721-426C-80A4-412B29070F31}" presName="textRect" presStyleLbl="revTx" presStyleIdx="2" presStyleCnt="3">
+        <dgm:presLayoutVars>
+          <dgm:chMax val="1"/>
+          <dgm:chPref val="1"/>
+        </dgm:presLayoutVars>
+      </dgm:prSet>
+      <dgm:spPr/>
+    </dgm:pt>
+  </dgm:ptLst>
+  <dgm:cxnLst>
+    <dgm:cxn modelId="{49180919-AF80-47F5-8994-0610559E89E1}" srcId="{ED8EF73E-6CBC-45FB-AA2E-281E71969532}" destId="{0745D882-83D1-4DC0-8952-89EF72A750E5}" srcOrd="1" destOrd="0" parTransId="{806CC622-7A95-4820-88A7-A5D0AA77658A}" sibTransId="{10A10E4A-40E0-416A-8883-ECBCB43153BE}"/>
+    <dgm:cxn modelId="{20E7DA1B-03BA-4187-958F-2954C87416A9}" srcId="{ED8EF73E-6CBC-45FB-AA2E-281E71969532}" destId="{EBCB3F5C-5721-426C-80A4-412B29070F31}" srcOrd="2" destOrd="0" parTransId="{A258EBD3-C309-4743-AFEE-8757088F1017}" sibTransId="{2EF646E8-5C6A-4957-9B35-77FCF72DDD07}"/>
+    <dgm:cxn modelId="{2BD08825-6B8C-48FD-95C3-A6565DEF3162}" type="presOf" srcId="{0745D882-83D1-4DC0-8952-89EF72A750E5}" destId="{EB7E389F-65A2-4D4B-AC49-A721D9BFF27B}" srcOrd="0" destOrd="0" presId="urn:microsoft.com/office/officeart/2018/2/layout/IconLabelList"/>
+    <dgm:cxn modelId="{B5588A5B-E607-4675-8D86-CDBD5F0BF757}" type="presOf" srcId="{EBCB3F5C-5721-426C-80A4-412B29070F31}" destId="{A60748C1-7DA3-4367-AC38-76F83C828F25}" srcOrd="0" destOrd="0" presId="urn:microsoft.com/office/officeart/2018/2/layout/IconLabelList"/>
+    <dgm:cxn modelId="{3758AEA4-7203-49D8-AF1C-3715E9DEC5CC}" type="presOf" srcId="{69DB2BD7-6AA0-420E-8CD6-622A931BB03D}" destId="{FCE90C1D-77DA-4FB9-B96D-F54560603F5C}" srcOrd="0" destOrd="0" presId="urn:microsoft.com/office/officeart/2018/2/layout/IconLabelList"/>
+    <dgm:cxn modelId="{ED087FAA-080B-4377-BEFA-13B9974FEC68}" srcId="{ED8EF73E-6CBC-45FB-AA2E-281E71969532}" destId="{69DB2BD7-6AA0-420E-8CD6-622A931BB03D}" srcOrd="0" destOrd="0" parTransId="{5AF9EB56-2765-454C-9A84-4EC3CA3BDCB8}" sibTransId="{B0626B4F-1341-4E57-B4A6-3EFDF0B23F32}"/>
+    <dgm:cxn modelId="{2B6A89E4-12A8-441B-BA33-76AB9D7E2F2E}" type="presOf" srcId="{ED8EF73E-6CBC-45FB-AA2E-281E71969532}" destId="{F2ED5F2A-D4CB-476E-BF78-92798CC55F66}" srcOrd="0" destOrd="0" presId="urn:microsoft.com/office/officeart/2018/2/layout/IconLabelList"/>
+    <dgm:cxn modelId="{F5DABF00-1988-47A3-BD59-1C97844F173D}" type="presParOf" srcId="{F2ED5F2A-D4CB-476E-BF78-92798CC55F66}" destId="{728260CD-B66B-4A2B-B6A6-7AE4BFC50F22}" srcOrd="0" destOrd="0" presId="urn:microsoft.com/office/officeart/2018/2/layout/IconLabelList"/>
+    <dgm:cxn modelId="{9D155BA6-C7AF-4DC7-84B7-8BA75878DFD4}" type="presParOf" srcId="{728260CD-B66B-4A2B-B6A6-7AE4BFC50F22}" destId="{85A2F070-9216-4C63-923F-7BDF7C244EE6}" srcOrd="0" destOrd="0" presId="urn:microsoft.com/office/officeart/2018/2/layout/IconLabelList"/>
+    <dgm:cxn modelId="{D5119D2A-F1D2-4C8C-8994-D18ADEBCEEC4}" type="presParOf" srcId="{728260CD-B66B-4A2B-B6A6-7AE4BFC50F22}" destId="{A6385486-6FAF-41B2-BEE0-B4823756F175}" srcOrd="1" destOrd="0" presId="urn:microsoft.com/office/officeart/2018/2/layout/IconLabelList"/>
+    <dgm:cxn modelId="{B3BB9953-07C2-48D6-B4D7-CB7A717C0B45}" type="presParOf" srcId="{728260CD-B66B-4A2B-B6A6-7AE4BFC50F22}" destId="{FCE90C1D-77DA-4FB9-B96D-F54560603F5C}" srcOrd="2" destOrd="0" presId="urn:microsoft.com/office/officeart/2018/2/layout/IconLabelList"/>
+    <dgm:cxn modelId="{C1BC5A85-51A7-4763-A197-F19CA2B93781}" type="presParOf" srcId="{F2ED5F2A-D4CB-476E-BF78-92798CC55F66}" destId="{84B92A43-A093-4535-B31F-49053C1D9900}" srcOrd="1" destOrd="0" presId="urn:microsoft.com/office/officeart/2018/2/layout/IconLabelList"/>
+    <dgm:cxn modelId="{EE8FBD4B-2BA7-4652-A393-A9ADA4CCAA84}" type="presParOf" srcId="{F2ED5F2A-D4CB-476E-BF78-92798CC55F66}" destId="{B865D1BC-0746-48C4-BE74-6E77FFDD1667}" srcOrd="2" destOrd="0" presId="urn:microsoft.com/office/officeart/2018/2/layout/IconLabelList"/>
+    <dgm:cxn modelId="{EAE49236-1BF2-4414-8CD8-979AFAA7CB57}" type="presParOf" srcId="{B865D1BC-0746-48C4-BE74-6E77FFDD1667}" destId="{0F3F5D70-CB72-4597-B7A0-086E950B8751}" srcOrd="0" destOrd="0" presId="urn:microsoft.com/office/officeart/2018/2/layout/IconLabelList"/>
+    <dgm:cxn modelId="{7DE7256E-E915-437F-BA7E-B12E6C6C3F2C}" type="presParOf" srcId="{B865D1BC-0746-48C4-BE74-6E77FFDD1667}" destId="{7C4A6BEC-8C70-4430-B526-69F9C81BB050}" srcOrd="1" destOrd="0" presId="urn:microsoft.com/office/officeart/2018/2/layout/IconLabelList"/>
+    <dgm:cxn modelId="{45649207-F118-4080-8906-0B67BECDB30C}" type="presParOf" srcId="{B865D1BC-0746-48C4-BE74-6E77FFDD1667}" destId="{EB7E389F-65A2-4D4B-AC49-A721D9BFF27B}" srcOrd="2" destOrd="0" presId="urn:microsoft.com/office/officeart/2018/2/layout/IconLabelList"/>
+    <dgm:cxn modelId="{4490CCA8-E5B5-4422-8638-DC02905CD60D}" type="presParOf" srcId="{F2ED5F2A-D4CB-476E-BF78-92798CC55F66}" destId="{F3D9029E-07F5-4B71-8013-835AB5C07D7C}" srcOrd="3" destOrd="0" presId="urn:microsoft.com/office/officeart/2018/2/layout/IconLabelList"/>
+    <dgm:cxn modelId="{75CE1893-D066-4EED-B8F5-616F3A0FDC0F}" type="presParOf" srcId="{F2ED5F2A-D4CB-476E-BF78-92798CC55F66}" destId="{377EFAE1-D2D7-4EB5-B2BC-C7385BBC0321}" srcOrd="4" destOrd="0" presId="urn:microsoft.com/office/officeart/2018/2/layout/IconLabelList"/>
+    <dgm:cxn modelId="{7F8A7DA1-F0B2-4845-8DFB-AD3618D907A5}" type="presParOf" srcId="{377EFAE1-D2D7-4EB5-B2BC-C7385BBC0321}" destId="{C3013936-B85F-4983-84F3-B0487D75AE09}" srcOrd="0" destOrd="0" presId="urn:microsoft.com/office/officeart/2018/2/layout/IconLabelList"/>
+    <dgm:cxn modelId="{B4BFF19D-731F-4FCC-B954-7F76F1485666}" type="presParOf" srcId="{377EFAE1-D2D7-4EB5-B2BC-C7385BBC0321}" destId="{D1ADFAA1-CB97-49B1-98C9-B3F85C1F4658}" srcOrd="1" destOrd="0" presId="urn:microsoft.com/office/officeart/2018/2/layout/IconLabelList"/>
+    <dgm:cxn modelId="{9FCD4393-A342-4A75-BF68-D0E919D2445A}" type="presParOf" srcId="{377EFAE1-D2D7-4EB5-B2BC-C7385BBC0321}" destId="{A60748C1-7DA3-4367-AC38-76F83C828F25}" srcOrd="2" destOrd="0" presId="urn:microsoft.com/office/officeart/2018/2/layout/IconLabelList"/>
+  </dgm:cxnLst>
+  <dgm:bg/>
+  <dgm:whole/>
+  <dgm:extLst>
+    <a:ext uri="http://schemas.microsoft.com/office/drawing/2008/diagram">
+      <dsp:dataModelExt xmlns:dsp="http://schemas.microsoft.com/office/drawing/2008/diagram" relId="rId8" minVer="http://schemas.openxmlformats.org/drawingml/2006/diagram"/>
+    </a:ext>
+  </dgm:extLst>
+</dgm:dataModel>
+</file>
+
+<file path=ppt/diagrams/drawing1.xml><?xml version="1.0" encoding="utf-8"?>
+<dsp:drawing xmlns:dgm="http://schemas.openxmlformats.org/drawingml/2006/diagram" xmlns:dsp="http://schemas.microsoft.com/office/drawing/2008/diagram" xmlns:a="http://schemas.openxmlformats.org/drawingml/2006/main">
+  <dsp:spTree>
+    <dsp:nvGrpSpPr>
+      <dsp:cNvPr id="0" name=""/>
+      <dsp:cNvGrpSpPr/>
+    </dsp:nvGrpSpPr>
+    <dsp:grpSpPr/>
+    <dsp:sp modelId="{85A2F070-9216-4C63-923F-7BDF7C244EE6}">
+      <dsp:nvSpPr>
+        <dsp:cNvPr id="0" name=""/>
+        <dsp:cNvSpPr/>
+      </dsp:nvSpPr>
+      <dsp:spPr>
+        <a:xfrm>
+          <a:off x="491117" y="779224"/>
+          <a:ext cx="802880" cy="802880"/>
+        </a:xfrm>
+        <a:prstGeom prst="rect">
+          <a:avLst/>
+        </a:prstGeom>
+        <a:blipFill>
+          <a:blip xmlns:r="http://schemas.openxmlformats.org/officeDocument/2006/relationships" r:embed="rId1">
+            <a:extLst>
+              <a:ext uri="{28A0092B-C50C-407E-A947-70E740481C1C}">
+                <a14:useLocalDpi xmlns:a14="http://schemas.microsoft.com/office/drawing/2010/main" val="0"/>
+              </a:ext>
+              <a:ext uri="{96DAC541-7B7A-43D3-8B79-37D633B846F1}">
+                <asvg:svgBlip xmlns:asvg="http://schemas.microsoft.com/office/drawing/2016/SVG/main" r:embed="rId2"/>
+              </a:ext>
+            </a:extLst>
+          </a:blip>
+          <a:stretch>
+            <a:fillRect/>
+          </a:stretch>
+        </a:blipFill>
+        <a:ln w="15875" cap="flat" cmpd="sng" algn="ctr">
+          <a:solidFill>
+            <a:schemeClr val="lt1">
+              <a:hueOff val="0"/>
+              <a:satOff val="0"/>
+              <a:lumOff val="0"/>
+              <a:alphaOff val="0"/>
+            </a:schemeClr>
+          </a:solidFill>
+          <a:prstDash val="solid"/>
+        </a:ln>
+        <a:effectLst/>
+      </dsp:spPr>
+      <dsp:style>
+        <a:lnRef idx="2">
+          <a:scrgbClr r="0" g="0" b="0"/>
+        </a:lnRef>
+        <a:fillRef idx="1">
+          <a:scrgbClr r="0" g="0" b="0"/>
+        </a:fillRef>
+        <a:effectRef idx="0">
+          <a:scrgbClr r="0" g="0" b="0"/>
+        </a:effectRef>
+        <a:fontRef idx="minor">
+          <a:schemeClr val="lt1"/>
+        </a:fontRef>
+      </dsp:style>
+    </dsp:sp>
+    <dsp:sp modelId="{FCE90C1D-77DA-4FB9-B96D-F54560603F5C}">
+      <dsp:nvSpPr>
+        <dsp:cNvPr id="0" name=""/>
+        <dsp:cNvSpPr/>
+      </dsp:nvSpPr>
+      <dsp:spPr>
+        <a:xfrm>
+          <a:off x="468" y="1849851"/>
+          <a:ext cx="1784179" cy="713671"/>
+        </a:xfrm>
+        <a:prstGeom prst="rect">
+          <a:avLst/>
+        </a:prstGeom>
+        <a:noFill/>
+        <a:ln>
+          <a:noFill/>
+        </a:ln>
+        <a:effectLst/>
+      </dsp:spPr>
+      <dsp:style>
+        <a:lnRef idx="0">
+          <a:scrgbClr r="0" g="0" b="0"/>
+        </a:lnRef>
+        <a:fillRef idx="0">
+          <a:scrgbClr r="0" g="0" b="0"/>
+        </a:fillRef>
+        <a:effectRef idx="0">
+          <a:scrgbClr r="0" g="0" b="0"/>
+        </a:effectRef>
+        <a:fontRef idx="minor"/>
+      </dsp:style>
+      <dsp:txBody>
+        <a:bodyPr spcFirstLastPara="0" vert="horz" wrap="square" lIns="0" tIns="0" rIns="0" bIns="0" numCol="1" spcCol="1270" anchor="t" anchorCtr="0">
+          <a:noAutofit/>
+        </a:bodyPr>
+        <a:lstStyle/>
+        <a:p>
+          <a:pPr marL="0" lvl="0" indent="0" algn="ctr" defTabSz="711200">
+            <a:lnSpc>
+              <a:spcPct val="100000"/>
+            </a:lnSpc>
+            <a:spcBef>
+              <a:spcPct val="0"/>
+            </a:spcBef>
+            <a:spcAft>
+              <a:spcPct val="35000"/>
+            </a:spcAft>
+            <a:buNone/>
+          </a:pPr>
+          <a:r>
+            <a:rPr lang="en-US" sz="1600" kern="1200"/>
+            <a:t>Learning to use cloudflare worker and KV as cache</a:t>
+          </a:r>
+        </a:p>
+      </dsp:txBody>
+      <dsp:txXfrm>
+        <a:off x="468" y="1849851"/>
+        <a:ext cx="1784179" cy="713671"/>
+      </dsp:txXfrm>
+    </dsp:sp>
+    <dsp:sp modelId="{0F3F5D70-CB72-4597-B7A0-086E950B8751}">
+      <dsp:nvSpPr>
+        <dsp:cNvPr id="0" name=""/>
+        <dsp:cNvSpPr/>
+      </dsp:nvSpPr>
+      <dsp:spPr>
+        <a:xfrm>
+          <a:off x="2587528" y="779224"/>
+          <a:ext cx="802880" cy="802880"/>
+        </a:xfrm>
+        <a:prstGeom prst="rect">
+          <a:avLst/>
+        </a:prstGeom>
+        <a:blipFill>
+          <a:blip xmlns:r="http://schemas.openxmlformats.org/officeDocument/2006/relationships" r:embed="rId3">
+            <a:extLst>
+              <a:ext uri="{28A0092B-C50C-407E-A947-70E740481C1C}">
+                <a14:useLocalDpi xmlns:a14="http://schemas.microsoft.com/office/drawing/2010/main" val="0"/>
+              </a:ext>
+              <a:ext uri="{96DAC541-7B7A-43D3-8B79-37D633B846F1}">
+                <asvg:svgBlip xmlns:asvg="http://schemas.microsoft.com/office/drawing/2016/SVG/main" r:embed="rId4"/>
+              </a:ext>
+            </a:extLst>
+          </a:blip>
+          <a:stretch>
+            <a:fillRect/>
+          </a:stretch>
+        </a:blipFill>
+        <a:ln w="15875" cap="flat" cmpd="sng" algn="ctr">
+          <a:solidFill>
+            <a:schemeClr val="lt1">
+              <a:hueOff val="0"/>
+              <a:satOff val="0"/>
+              <a:lumOff val="0"/>
+              <a:alphaOff val="0"/>
+            </a:schemeClr>
+          </a:solidFill>
+          <a:prstDash val="solid"/>
+        </a:ln>
+        <a:effectLst/>
+      </dsp:spPr>
+      <dsp:style>
+        <a:lnRef idx="2">
+          <a:scrgbClr r="0" g="0" b="0"/>
+        </a:lnRef>
+        <a:fillRef idx="1">
+          <a:scrgbClr r="0" g="0" b="0"/>
+        </a:fillRef>
+        <a:effectRef idx="0">
+          <a:scrgbClr r="0" g="0" b="0"/>
+        </a:effectRef>
+        <a:fontRef idx="minor">
+          <a:schemeClr val="lt1"/>
+        </a:fontRef>
+      </dsp:style>
+    </dsp:sp>
+    <dsp:sp modelId="{EB7E389F-65A2-4D4B-AC49-A721D9BFF27B}">
+      <dsp:nvSpPr>
+        <dsp:cNvPr id="0" name=""/>
+        <dsp:cNvSpPr/>
+      </dsp:nvSpPr>
+      <dsp:spPr>
+        <a:xfrm>
+          <a:off x="2096879" y="1849851"/>
+          <a:ext cx="1784179" cy="713671"/>
+        </a:xfrm>
+        <a:prstGeom prst="rect">
+          <a:avLst/>
+        </a:prstGeom>
+        <a:noFill/>
+        <a:ln>
+          <a:noFill/>
+        </a:ln>
+        <a:effectLst/>
+      </dsp:spPr>
+      <dsp:style>
+        <a:lnRef idx="0">
+          <a:scrgbClr r="0" g="0" b="0"/>
+        </a:lnRef>
+        <a:fillRef idx="0">
+          <a:scrgbClr r="0" g="0" b="0"/>
+        </a:fillRef>
+        <a:effectRef idx="0">
+          <a:scrgbClr r="0" g="0" b="0"/>
+        </a:effectRef>
+        <a:fontRef idx="minor"/>
+      </dsp:style>
+      <dsp:txBody>
+        <a:bodyPr spcFirstLastPara="0" vert="horz" wrap="square" lIns="0" tIns="0" rIns="0" bIns="0" numCol="1" spcCol="1270" anchor="t" anchorCtr="0">
+          <a:noAutofit/>
+        </a:bodyPr>
+        <a:lstStyle/>
+        <a:p>
+          <a:pPr marL="0" lvl="0" indent="0" algn="ctr" defTabSz="711200">
+            <a:lnSpc>
+              <a:spcPct val="100000"/>
+            </a:lnSpc>
+            <a:spcBef>
+              <a:spcPct val="0"/>
+            </a:spcBef>
+            <a:spcAft>
+              <a:spcPct val="35000"/>
+            </a:spcAft>
+            <a:buNone/>
+          </a:pPr>
+          <a:r>
+            <a:rPr lang="en-US" sz="1600" kern="1200"/>
+            <a:t>Understanding how MC components work under the hood</a:t>
+          </a:r>
+        </a:p>
+      </dsp:txBody>
+      <dsp:txXfrm>
+        <a:off x="2096879" y="1849851"/>
+        <a:ext cx="1784179" cy="713671"/>
+      </dsp:txXfrm>
+    </dsp:sp>
+    <dsp:sp modelId="{C3013936-B85F-4983-84F3-B0487D75AE09}">
+      <dsp:nvSpPr>
+        <dsp:cNvPr id="0" name=""/>
+        <dsp:cNvSpPr/>
+      </dsp:nvSpPr>
+      <dsp:spPr>
+        <a:xfrm>
+          <a:off x="4683939" y="779224"/>
+          <a:ext cx="802880" cy="802880"/>
+        </a:xfrm>
+        <a:prstGeom prst="rect">
+          <a:avLst/>
+        </a:prstGeom>
+        <a:blipFill>
+          <a:blip xmlns:r="http://schemas.openxmlformats.org/officeDocument/2006/relationships" r:embed="rId5">
+            <a:extLst>
+              <a:ext uri="{28A0092B-C50C-407E-A947-70E740481C1C}">
+                <a14:useLocalDpi xmlns:a14="http://schemas.microsoft.com/office/drawing/2010/main" val="0"/>
+              </a:ext>
+              <a:ext uri="{96DAC541-7B7A-43D3-8B79-37D633B846F1}">
+                <asvg:svgBlip xmlns:asvg="http://schemas.microsoft.com/office/drawing/2016/SVG/main" r:embed="rId6"/>
+              </a:ext>
+            </a:extLst>
+          </a:blip>
+          <a:stretch>
+            <a:fillRect/>
+          </a:stretch>
+        </a:blipFill>
+        <a:ln w="15875" cap="flat" cmpd="sng" algn="ctr">
+          <a:solidFill>
+            <a:schemeClr val="lt1">
+              <a:hueOff val="0"/>
+              <a:satOff val="0"/>
+              <a:lumOff val="0"/>
+              <a:alphaOff val="0"/>
+            </a:schemeClr>
+          </a:solidFill>
+          <a:prstDash val="solid"/>
+        </a:ln>
+        <a:effectLst/>
+      </dsp:spPr>
+      <dsp:style>
+        <a:lnRef idx="2">
+          <a:scrgbClr r="0" g="0" b="0"/>
+        </a:lnRef>
+        <a:fillRef idx="1">
+          <a:scrgbClr r="0" g="0" b="0"/>
+        </a:fillRef>
+        <a:effectRef idx="0">
+          <a:scrgbClr r="0" g="0" b="0"/>
+        </a:effectRef>
+        <a:fontRef idx="minor">
+          <a:schemeClr val="lt1"/>
+        </a:fontRef>
+      </dsp:style>
+    </dsp:sp>
+    <dsp:sp modelId="{A60748C1-7DA3-4367-AC38-76F83C828F25}">
+      <dsp:nvSpPr>
+        <dsp:cNvPr id="0" name=""/>
+        <dsp:cNvSpPr/>
+      </dsp:nvSpPr>
+      <dsp:spPr>
+        <a:xfrm>
+          <a:off x="4193290" y="1849851"/>
+          <a:ext cx="1784179" cy="713671"/>
+        </a:xfrm>
+        <a:prstGeom prst="rect">
+          <a:avLst/>
+        </a:prstGeom>
+        <a:noFill/>
+        <a:ln>
+          <a:noFill/>
+        </a:ln>
+        <a:effectLst/>
+      </dsp:spPr>
+      <dsp:style>
+        <a:lnRef idx="0">
+          <a:scrgbClr r="0" g="0" b="0"/>
+        </a:lnRef>
+        <a:fillRef idx="0">
+          <a:scrgbClr r="0" g="0" b="0"/>
+        </a:fillRef>
+        <a:effectRef idx="0">
+          <a:scrgbClr r="0" g="0" b="0"/>
+        </a:effectRef>
+        <a:fontRef idx="minor"/>
+      </dsp:style>
+      <dsp:txBody>
+        <a:bodyPr spcFirstLastPara="0" vert="horz" wrap="square" lIns="0" tIns="0" rIns="0" bIns="0" numCol="1" spcCol="1270" anchor="t" anchorCtr="0">
+          <a:noAutofit/>
+        </a:bodyPr>
+        <a:lstStyle/>
+        <a:p>
+          <a:pPr marL="0" lvl="0" indent="0" algn="ctr" defTabSz="711200">
+            <a:lnSpc>
+              <a:spcPct val="100000"/>
+            </a:lnSpc>
+            <a:spcBef>
+              <a:spcPct val="0"/>
+            </a:spcBef>
+            <a:spcAft>
+              <a:spcPct val="35000"/>
+            </a:spcAft>
+            <a:buNone/>
+          </a:pPr>
+          <a:r>
+            <a:rPr lang="en-US" sz="1600" kern="1200"/>
+            <a:t>Designing proper cache key for tic tac toe use case</a:t>
+          </a:r>
+        </a:p>
+      </dsp:txBody>
+      <dsp:txXfrm>
+        <a:off x="4193290" y="1849851"/>
+        <a:ext cx="1784179" cy="713671"/>
+      </dsp:txXfrm>
+    </dsp:sp>
+  </dsp:spTree>
+</dsp:drawing>
+</file>
+
+<file path=ppt/diagrams/layout1.xml><?xml version="1.0" encoding="utf-8"?>
+<dgm:layoutDef xmlns:dgm="http://schemas.openxmlformats.org/drawingml/2006/diagram" xmlns:a="http://schemas.openxmlformats.org/drawingml/2006/main" uniqueId="urn:microsoft.com/office/officeart/2018/2/layout/IconLabelList">
+  <dgm:title val="Icon Label List"/>
+  <dgm:desc val="Use to show non-sequential or grouped chunks of information accompanied by a related visuals. Works best with icons or small pictures with short text captions."/>
+  <dgm:catLst>
+    <dgm:cat type="icon" pri="500"/>
+  </dgm:catLst>
+  <dgm:sampData useDef="1">
+    <dgm:dataModel>
+      <dgm:ptLst/>
+      <dgm:bg/>
+      <dgm:whole/>
+    </dgm:dataModel>
+  </dgm:sampData>
+  <dgm:styleData useDef="1">
+    <dgm:dataModel>
+      <dgm:ptLst/>
+      <dgm:bg/>
+      <dgm:whole/>
+    </dgm:dataModel>
+  </dgm:styleData>
+  <dgm:clrData useDef="1">
+    <dgm:dataModel>
+      <dgm:ptLst/>
+      <dgm:bg/>
+      <dgm:whole/>
+    </dgm:dataModel>
+  </dgm:clrData>
+  <dgm:layoutNode name="root">
+    <dgm:varLst>
+      <dgm:dir/>
+      <dgm:resizeHandles val="exact"/>
+    </dgm:varLst>
+    <dgm:choose name="Name0">
+      <dgm:if name="Name1" axis="self" func="var" arg="dir" op="equ" val="norm">
+        <dgm:alg type="snake">
+          <dgm:param type="grDir" val="tL"/>
+          <dgm:param type="flowDir" val="row"/>
+          <dgm:param type="contDir" val="sameDir"/>
+          <dgm:param type="off" val="ctr"/>
+          <dgm:param type="vertAlign" val="mid"/>
+          <dgm:param type="horzAlign" val="ctr"/>
+        </dgm:alg>
+      </dgm:if>
+      <dgm:else name="Name2">
+        <dgm:alg type="snake">
+          <dgm:param type="grDir" val="tR"/>
+          <dgm:param type="flowDir" val="row"/>
+          <dgm:param type="contDir" val="sameDir"/>
+          <dgm:param type="off" val="ctr"/>
+          <dgm:param type="vertAlign" val="mid"/>
+          <dgm:param type="horzAlign" val="ctr"/>
+        </dgm:alg>
+      </dgm:else>
+    </dgm:choose>
+    <dgm:shape xmlns:r="http://schemas.openxmlformats.org/officeDocument/2006/relationships" r:blip="">
+      <dgm:adjLst/>
+    </dgm:shape>
+    <dgm:presOf/>
+    <dgm:choose name="Name3">
+      <dgm:if name="Name4" axis="ch" ptType="node" func="cnt" op="lte" val="2">
+        <dgm:constrLst>
+          <dgm:constr type="h" for="ch" forName="compNode" refType="h" fact="0.4"/>
+          <dgm:constr type="w" for="ch" forName="compNode" val="120"/>
+          <dgm:constr type="w" for="ch" forName="sibTrans" refType="w" refFor="ch" refForName="compNode" fact="0.175"/>
+          <dgm:constr type="sp" refType="w" refFor="ch" refForName="compNode" op="equ" fact="0.25"/>
+          <dgm:constr type="primFontSz" for="des" ptType="node" op="equ" val="50"/>
+          <dgm:constr type="h" for="des" forName="compNode" op="equ"/>
+          <dgm:constr type="h" for="des" forName="textRect" op="equ"/>
+        </dgm:constrLst>
+      </dgm:if>
+      <dgm:if name="Name5" axis="ch" ptType="node" func="cnt" op="lte" val="4">
+        <dgm:constrLst>
+          <dgm:constr type="h" for="ch" forName="compNode" refType="h" fact="0.4"/>
+          <dgm:constr type="w" for="ch" forName="compNode" refType="w"/>
+          <dgm:constr type="w" for="ch" forName="sibTrans" refType="w" refFor="ch" refForName="compNode" fact="0.175"/>
+          <dgm:constr type="sp" refType="w" refFor="ch" refForName="compNode" op="equ" fact="0.25"/>
+          <dgm:constr type="primFontSz" for="des" ptType="node" op="equ" val="36"/>
+          <dgm:constr type="h" for="des" forName="compNode" op="equ"/>
+          <dgm:constr type="h" for="des" forName="textRect" op="equ"/>
+        </dgm:constrLst>
+      </dgm:if>
+      <dgm:else name="Name6">
+        <dgm:constrLst>
+          <dgm:constr type="h" for="ch" forName="compNode" refType="h" fact="0.4"/>
+          <dgm:constr type="w" for="ch" forName="compNode" refType="w"/>
+          <dgm:constr type="w" for="ch" forName="sibTrans" refType="w" refFor="ch" refForName="compNode" fact="0.175"/>
+          <dgm:constr type="sp" refType="w" refFor="ch" refForName="compNode" op="equ" fact="0.25"/>
+          <dgm:constr type="primFontSz" for="des" ptType="node" op="equ" val="24"/>
+          <dgm:constr type="h" for="des" forName="compNode" op="equ"/>
+          <dgm:constr type="h" for="des" forName="textRect" op="equ"/>
+        </dgm:constrLst>
+      </dgm:else>
+    </dgm:choose>
+    <dgm:ruleLst>
+      <dgm:rule type="w" for="ch" forName="compNode" val="50" fact="NaN" max="NaN"/>
+    </dgm:ruleLst>
+    <dgm:forEach name="Name7" axis="ch" ptType="node">
+      <dgm:layoutNode name="compNode">
+        <dgm:alg type="composite"/>
+        <dgm:shape xmlns:r="http://schemas.openxmlformats.org/officeDocument/2006/relationships" r:blip="">
+          <dgm:adjLst/>
+        </dgm:shape>
+        <dgm:presOf axis="self"/>
+        <dgm:constrLst>
+          <dgm:constr type="w" for="ch" forName="iconRect" refType="w" fact="0.45"/>
+          <dgm:constr type="h" for="ch" forName="iconRect" refType="w" refFor="ch" refForName="iconRect"/>
+          <dgm:constr type="ctrX" for="ch" forName="iconRect" refType="w" fact="0.5"/>
+          <dgm:constr type="t" for="ch" forName="iconRect"/>
+          <dgm:constr type="h" for="ch" forName="spaceRect" refType="h" fact="0.15"/>
+          <dgm:constr type="w" for="ch" forName="spaceRect" refType="w"/>
+          <dgm:constr type="l" for="ch" forName="spaceRect"/>
+          <dgm:constr type="t" for="ch" forName="spaceRect" refType="b" refFor="ch" refForName="iconRect"/>
+          <dgm:constr type="h" for="ch" forName="textRect" val="20"/>
+          <dgm:constr type="w" for="ch" forName="textRect" refType="w"/>
+          <dgm:constr type="l" for="ch" forName="textRect"/>
+          <dgm:constr type="t" for="ch" forName="textRect" refType="b" refFor="ch" refForName="spaceRect"/>
+        </dgm:constrLst>
+        <dgm:ruleLst>
+          <dgm:rule type="h" val="INF" fact="NaN" max="NaN"/>
+        </dgm:ruleLst>
+        <dgm:layoutNode name="iconRect" styleLbl="node1">
+          <dgm:alg type="sp"/>
+          <dgm:shape xmlns:r="http://schemas.openxmlformats.org/officeDocument/2006/relationships" type="rect" r:blip="" blipPhldr="1">
+            <dgm:adjLst/>
+          </dgm:shape>
+          <dgm:presOf/>
+          <dgm:constrLst/>
+          <dgm:ruleLst/>
+        </dgm:layoutNode>
+        <dgm:layoutNode name="spaceRect">
+          <dgm:alg type="sp"/>
+          <dgm:shape xmlns:r="http://schemas.openxmlformats.org/officeDocument/2006/relationships" r:blip="">
+            <dgm:adjLst/>
+          </dgm:shape>
+          <dgm:presOf/>
+          <dgm:constrLst/>
+          <dgm:ruleLst/>
+        </dgm:layoutNode>
+        <dgm:layoutNode name="textRect" styleLbl="revTx">
+          <dgm:varLst>
+            <dgm:chMax val="1"/>
+            <dgm:chPref val="1"/>
+          </dgm:varLst>
+          <dgm:alg type="tx">
+            <dgm:param type="txAnchorVert" val="t"/>
+          </dgm:alg>
+          <dgm:shape xmlns:r="http://schemas.openxmlformats.org/officeDocument/2006/relationships" type="rect" r:blip="">
+            <dgm:adjLst/>
+          </dgm:shape>
+          <dgm:presOf axis="self" ptType="node"/>
+          <dgm:constrLst>
+            <dgm:constr type="lMarg"/>
+            <dgm:constr type="rMarg"/>
+            <dgm:constr type="tMarg"/>
+            <dgm:constr type="bMarg"/>
+          </dgm:constrLst>
+          <dgm:ruleLst>
+            <dgm:rule type="primFontSz" val="11" fact="NaN" max="NaN"/>
+            <dgm:rule type="h" val="INF" fact="NaN" max="NaN"/>
+          </dgm:ruleLst>
+        </dgm:layoutNode>
+      </dgm:layoutNode>
+      <dgm:forEach name="Name8" axis="followSib" ptType="sibTrans" cnt="1">
+        <dgm:layoutNode name="sibTrans">
+          <dgm:alg type="sp"/>
+          <dgm:shape xmlns:r="http://schemas.openxmlformats.org/officeDocument/2006/relationships" r:blip="">
+            <dgm:adjLst/>
+          </dgm:shape>
+          <dgm:presOf axis="self"/>
+          <dgm:constrLst/>
+          <dgm:ruleLst/>
+        </dgm:layoutNode>
+      </dgm:forEach>
+    </dgm:forEach>
+  </dgm:layoutNode>
+  <dgm:extLst>
+    <a:ext uri="{68A01E43-0DF5-4B5B-8FA6-DAF915123BFB}">
+      <dgm1612:lstStyle xmlns:dgm1612="http://schemas.microsoft.com/office/drawing/2016/12/diagram">
+        <a:lvl1pPr>
+          <a:lnSpc>
+            <a:spcPct val="100000"/>
+          </a:lnSpc>
+        </a:lvl1pPr>
+      </dgm1612:lstStyle>
+    </a:ext>
+  </dgm:extLst>
+</dgm:layoutDef>
+</file>
+
+<file path=ppt/diagrams/quickStyle1.xml><?xml version="1.0" encoding="utf-8"?>
+<dgm:styleDef xmlns:dgm="http://schemas.openxmlformats.org/drawingml/2006/diagram" xmlns:a="http://schemas.openxmlformats.org/drawingml/2006/main" uniqueId="urn:microsoft.com/office/officeart/2005/8/quickstyle/simple1">
+  <dgm:title val=""/>
+  <dgm:desc val=""/>
+  <dgm:catLst>
+    <dgm:cat type="simple" pri="10100"/>
+  </dgm:catLst>
+  <dgm:scene3d>
+    <a:camera prst="orthographicFront"/>
+    <a:lightRig rig="threePt" dir="t"/>
+  </dgm:scene3d>
+  <dgm:styleLbl name="node0">
+    <dgm:scene3d>
+      <a:camera prst="orthographicFront"/>
+      <a:lightRig rig="threePt" dir="t"/>
+    </dgm:scene3d>
+    <dgm:sp3d/>
+    <dgm:txPr/>
+    <dgm:style>
+      <a:lnRef idx="2">
+        <a:scrgbClr r="0" g="0" b="0"/>
+      </a:lnRef>
+      <a:fillRef idx="1">
+        <a:scrgbClr r="0" g="0" b="0"/>
+      </a:fillRef>
+      <a:effectRef idx="0">
+        <a:scrgbClr r="0" g="0" b="0"/>
+      </a:effectRef>
+      <a:fontRef idx="minor">
+        <a:schemeClr val="lt1"/>
+      </a:fontRef>
+    </dgm:style>
+  </dgm:styleLbl>
+  <dgm:styleLbl name="lnNode1">
+    <dgm:scene3d>
+      <a:camera prst="orthographicFront"/>
+      <a:lightRig rig="threePt" dir="t"/>
+    </dgm:scene3d>
+    <dgm:sp3d/>
+    <dgm:txPr/>
+    <dgm:style>
+      <a:lnRef idx="2">
+        <a:scrgbClr r="0" g="0" b="0"/>
+      </a:lnRef>
+      <a:fillRef idx="1">
+        <a:scrgbClr r="0" g="0" b="0"/>
+      </a:fillRef>
+      <a:effectRef idx="0">
+        <a:scrgbClr r="0" g="0" b="0"/>
+      </a:effectRef>
+      <a:fontRef idx="minor">
+        <a:schemeClr val="lt1"/>
+      </a:fontRef>
+    </dgm:style>
+  </dgm:styleLbl>
+  <dgm:styleLbl name="vennNode1">
+    <dgm:scene3d>
+      <a:camera prst="orthographicFront"/>
+      <a:lightRig rig="threePt" dir="t"/>
+    </dgm:scene3d>
+    <dgm:sp3d/>
+    <dgm:txPr/>
+    <dgm:style>
+      <a:lnRef idx="2">
+        <a:scrgbClr r="0" g="0" b="0"/>
+      </a:lnRef>
+      <a:fillRef idx="1">
+        <a:scrgbClr r="0" g="0" b="0"/>
+      </a:fillRef>
+      <a:effectRef idx="0">
+        <a:scrgbClr r="0" g="0" b="0"/>
+      </a:effectRef>
+      <a:fontRef idx="minor">
+        <a:schemeClr val="tx1"/>
+      </a:fontRef>
+    </dgm:style>
+  </dgm:styleLbl>
+  <dgm:styleLbl name="alignNode1">
+    <dgm:scene3d>
+      <a:camera prst="orthographicFront"/>
+      <a:lightRig rig="threePt" dir="t"/>
+    </dgm:scene3d>
+    <dgm:sp3d/>
+    <dgm:txPr/>
+    <dgm:style>
+      <a:lnRef idx="2">
+        <a:scrgbClr r="0" g="0" b="0"/>
+      </a:lnRef>
+      <a:fillRef idx="1">
+        <a:scrgbClr r="0" g="0" b="0"/>
+      </a:fillRef>
+      <a:effectRef idx="0">
+        <a:scrgbClr r="0" g="0" b="0"/>
+      </a:effectRef>
+      <a:fontRef idx="minor">
+        <a:schemeClr val="lt1"/>
+      </a:fontRef>
+    </dgm:style>
+  </dgm:styleLbl>
+  <dgm:styleLbl name="node1">
+    <dgm:scene3d>
+      <a:camera prst="orthographicFront"/>
+      <a:lightRig rig="threePt" dir="t"/>
+    </dgm:scene3d>
+    <dgm:sp3d/>
+    <dgm:txPr/>
+    <dgm:style>
+      <a:lnRef idx="2">
+        <a:scrgbClr r="0" g="0" b="0"/>
+      </a:lnRef>
+      <a:fillRef idx="1">
+        <a:scrgbClr r="0" g="0" b="0"/>
+      </a:fillRef>
+      <a:effectRef idx="0">
+        <a:scrgbClr r="0" g="0" b="0"/>
+      </a:effectRef>
+      <a:fontRef idx="minor">
+        <a:schemeClr val="lt1"/>
+      </a:fontRef>
+    </dgm:style>
+  </dgm:styleLbl>
+  <dgm:styleLbl name="node2">
+    <dgm:scene3d>
+      <a:camera prst="orthographicFront"/>
+      <a:lightRig rig="threePt" dir="t"/>
+    </dgm:scene3d>
+    <dgm:sp3d/>
+    <dgm:txPr/>
+    <dgm:style>
+      <a:lnRef idx="2">
+        <a:scrgbClr r="0" g="0" b="0"/>
+      </a:lnRef>
+      <a:fillRef idx="1">
+        <a:scrgbClr r="0" g="0" b="0"/>
+      </a:fillRef>
+      <a:effectRef idx="0">
+        <a:scrgbClr r="0" g="0" b="0"/>
+      </a:effectRef>
+      <a:fontRef idx="minor">
+        <a:schemeClr val="lt1"/>
+      </a:fontRef>
+    </dgm:style>
+  </dgm:styleLbl>
+  <dgm:styleLbl name="node3">
+    <dgm:scene3d>
+      <a:camera prst="orthographicFront"/>
+      <a:lightRig rig="threePt" dir="t"/>
+    </dgm:scene3d>
+    <dgm:sp3d/>
+    <dgm:txPr/>
+    <dgm:style>
+      <a:lnRef idx="2">
+        <a:scrgbClr r="0" g="0" b="0"/>
+      </a:lnRef>
+      <a:fillRef idx="1">
+        <a:scrgbClr r="0" g="0" b="0"/>
+      </a:fillRef>
+      <a:effectRef idx="0">
+        <a:scrgbClr r="0" g="0" b="0"/>
+      </a:effectRef>
+      <a:fontRef idx="minor">
+        <a:schemeClr val="lt1"/>
+      </a:fontRef>
+    </dgm:style>
+  </dgm:styleLbl>
+  <dgm:styleLbl name="node4">
+    <dgm:scene3d>
+      <a:camera prst="orthographicFront"/>
+      <a:lightRig rig="threePt" dir="t"/>
+    </dgm:scene3d>
+    <dgm:sp3d/>
+    <dgm:txPr/>
+    <dgm:style>
+      <a:lnRef idx="2">
+        <a:scrgbClr r="0" g="0" b="0"/>
+      </a:lnRef>
+      <a:fillRef idx="1">
+        <a:scrgbClr r="0" g="0" b="0"/>
+      </a:fillRef>
+      <a:effectRef idx="0">
+        <a:scrgbClr r="0" g="0" b="0"/>
+      </a:effectRef>
+      <a:fontRef idx="minor">
+        <a:schemeClr val="lt1"/>
+      </a:fontRef>
+    </dgm:style>
+  </dgm:styleLbl>
+  <dgm:styleLbl name="fgImgPlace1">
+    <dgm:scene3d>
+      <a:camera prst="orthographicFront"/>
+      <a:lightRig rig="threePt" dir="t"/>
+    </dgm:scene3d>
+    <dgm:sp3d/>
+    <dgm:txPr/>
+    <dgm:style>
+      <a:lnRef idx="2">
+        <a:scrgbClr r="0" g="0" b="0"/>
+      </a:lnRef>
+      <a:fillRef idx="1">
+        <a:scrgbClr r="0" g="0" b="0"/>
+      </a:fillRef>
+      <a:effectRef idx="0">
+        <a:scrgbClr r="0" g="0" b="0"/>
+      </a:effectRef>
+      <a:fontRef idx="minor"/>
+    </dgm:style>
+  </dgm:styleLbl>
+  <dgm:styleLbl name="alignImgPlace1">
+    <dgm:scene3d>
+      <a:camera prst="orthographicFront"/>
+      <a:lightRig rig="threePt" dir="t"/>
+    </dgm:scene3d>
+    <dgm:sp3d/>
+    <dgm:txPr/>
+    <dgm:style>
+      <a:lnRef idx="2">
+        <a:scrgbClr r="0" g="0" b="0"/>
+      </a:lnRef>
+      <a:fillRef idx="1">
+        <a:scrgbClr r="0" g="0" b="0"/>
+      </a:fillRef>
+      <a:effectRef idx="0">
+        <a:scrgbClr r="0" g="0" b="0"/>
+      </a:effectRef>
+      <a:fontRef idx="minor"/>
+    </dgm:style>
+  </dgm:styleLbl>
+  <dgm:styleLbl name="bgImgPlace1">
+    <dgm:scene3d>
+      <a:camera prst="orthographicFront"/>
+      <a:lightRig rig="threePt" dir="t"/>
+    </dgm:scene3d>
+    <dgm:sp3d/>
+    <dgm:txPr/>
+    <dgm:style>
+      <a:lnRef idx="2">
+        <a:scrgbClr r="0" g="0" b="0"/>
+      </a:lnRef>
+      <a:fillRef idx="1">
+        <a:scrgbClr r="0" g="0" b="0"/>
+      </a:fillRef>
+      <a:effectRef idx="0">
+        <a:scrgbClr r="0" g="0" b="0"/>
+      </a:effectRef>
+      <a:fontRef idx="minor"/>
+    </dgm:style>
+  </dgm:styleLbl>
+  <dgm:styleLbl name="sibTrans2D1">
+    <dgm:scene3d>
+      <a:camera prst="orthographicFront"/>
+      <a:lightRig rig="threePt" dir="t"/>
+    </dgm:scene3d>
+    <dgm:sp3d/>
+    <dgm:txPr/>
+    <dgm:style>
+      <a:lnRef idx="0">
+        <a:scrgbClr r="0" g="0" b="0"/>
+      </a:lnRef>
+      <a:fillRef idx="1">
+        <a:scrgbClr r="0" g="0" b="0"/>
+      </a:fillRef>
+      <a:effectRef idx="0">
+        <a:scrgbClr r="0" g="0" b="0"/>
+      </a:effectRef>
+      <a:fontRef idx="minor">
+        <a:schemeClr val="lt1"/>
+      </a:fontRef>
+    </dgm:style>
+  </dgm:styleLbl>
+  <dgm:styleLbl name="fgSibTrans2D1">
+    <dgm:scene3d>
+      <a:camera prst="orthographicFront"/>
+      <a:lightRig rig="threePt" dir="t"/>
+    </dgm:scene3d>
+    <dgm:sp3d/>
+    <dgm:txPr/>
+    <dgm:style>
+      <a:lnRef idx="0">
+        <a:scrgbClr r="0" g="0" b="0"/>
+      </a:lnRef>
+      <a:fillRef idx="1">
+        <a:scrgbClr r="0" g="0" b="0"/>
+      </a:fillRef>
+      <a:effectRef idx="0">
+        <a:scrgbClr r="0" g="0" b="0"/>
+      </a:effectRef>
+      <a:fontRef idx="minor">
+        <a:schemeClr val="lt1"/>
+      </a:fontRef>
+    </dgm:style>
+  </dgm:styleLbl>
+  <dgm:styleLbl name="bgSibTrans2D1">
+    <dgm:scene3d>
+      <a:camera prst="orthographicFront"/>
+      <a:lightRig rig="threePt" dir="t"/>
+    </dgm:scene3d>
+    <dgm:sp3d/>
+    <dgm:txPr/>
+    <dgm:style>
+      <a:lnRef idx="0">
+        <a:scrgbClr r="0" g="0" b="0"/>
+      </a:lnRef>
+      <a:fillRef idx="1">
+        <a:scrgbClr r="0" g="0" b="0"/>
+      </a:fillRef>
+      <a:effectRef idx="0">
+        <a:scrgbClr r="0" g="0" b="0"/>
+      </a:effectRef>
+      <a:fontRef idx="minor">
+        <a:schemeClr val="lt1"/>
+      </a:fontRef>
+    </dgm:style>
+  </dgm:styleLbl>
+  <dgm:styleLbl name="sibTrans1D1">
+    <dgm:scene3d>
+      <a:camera prst="orthographicFront"/>
+      <a:lightRig rig="threePt" dir="t"/>
+    </dgm:scene3d>
+    <dgm:sp3d/>
+    <dgm:txPr/>
+    <dgm:style>
+      <a:lnRef idx="1">
+        <a:scrgbClr r="0" g="0" b="0"/>
+      </a:lnRef>
+      <a:fillRef idx="0">
+        <a:scrgbClr r="0" g="0" b="0"/>
+      </a:fillRef>
+      <a:effectRef idx="0">
+        <a:scrgbClr r="0" g="0" b="0"/>
+      </a:effectRef>
+      <a:fontRef idx="minor"/>
+    </dgm:style>
+  </dgm:styleLbl>
+  <dgm:styleLbl name="callout">
+    <dgm:scene3d>
+      <a:camera prst="orthographicFront"/>
+      <a:lightRig rig="threePt" dir="t"/>
+    </dgm:scene3d>
+    <dgm:sp3d/>
+    <dgm:txPr/>
+    <dgm:style>
+      <a:lnRef idx="2">
+        <a:scrgbClr r="0" g="0" b="0"/>
+      </a:lnRef>
+      <a:fillRef idx="1">
+        <a:scrgbClr r="0" g="0" b="0"/>
+      </a:fillRef>
+      <a:effectRef idx="0">
+        <a:scrgbClr r="0" g="0" b="0"/>
+      </a:effectRef>
+      <a:fontRef idx="minor"/>
+    </dgm:style>
+  </dgm:styleLbl>
+  <dgm:styleLbl name="asst0">
+    <dgm:scene3d>
+      <a:camera prst="orthographicFront"/>
+      <a:lightRig rig="threePt" dir="t"/>
+    </dgm:scene3d>
+    <dgm:sp3d/>
+    <dgm:txPr/>
+    <dgm:style>
+      <a:lnRef idx="2">
+        <a:scrgbClr r="0" g="0" b="0"/>
+      </a:lnRef>
+      <a:fillRef idx="1">
+        <a:scrgbClr r="0" g="0" b="0"/>
+      </a:fillRef>
+      <a:effectRef idx="0">
+        <a:scrgbClr r="0" g="0" b="0"/>
+      </a:effectRef>
+      <a:fontRef idx="minor">
+        <a:schemeClr val="lt1"/>
+      </a:fontRef>
+    </dgm:style>
+  </dgm:styleLbl>
+  <dgm:styleLbl name="asst1">
+    <dgm:scene3d>
+      <a:camera prst="orthographicFront"/>
+      <a:lightRig rig="threePt" dir="t"/>
+    </dgm:scene3d>
+    <dgm:sp3d/>
+    <dgm:txPr/>
+    <dgm:style>
+      <a:lnRef idx="2">
+        <a:scrgbClr r="0" g="0" b="0"/>
+      </a:lnRef>
+      <a:fillRef idx="1">
+        <a:scrgbClr r="0" g="0" b="0"/>
+      </a:fillRef>
+      <a:effectRef idx="0">
+        <a:scrgbClr r="0" g="0" b="0"/>
+      </a:effectRef>
+      <a:fontRef idx="minor">
+        <a:schemeClr val="lt1"/>
+      </a:fontRef>
+    </dgm:style>
+  </dgm:styleLbl>
+  <dgm:styleLbl name="asst2">
+    <dgm:scene3d>
+      <a:camera prst="orthographicFront"/>
+      <a:lightRig rig="threePt" dir="t"/>
+    </dgm:scene3d>
+    <dgm:sp3d/>
+    <dgm:txPr/>
+    <dgm:style>
+      <a:lnRef idx="2">
+        <a:scrgbClr r="0" g="0" b="0"/>
+      </a:lnRef>
+      <a:fillRef idx="1">
+        <a:scrgbClr r="0" g="0" b="0"/>
+      </a:fillRef>
+      <a:effectRef idx="0">
+        <a:scrgbClr r="0" g="0" b="0"/>
+      </a:effectRef>
+      <a:fontRef idx="minor">
+        <a:schemeClr val="lt1"/>
+      </a:fontRef>
+    </dgm:style>
+  </dgm:styleLbl>
+  <dgm:styleLbl name="asst3">
+    <dgm:scene3d>
+      <a:camera prst="orthographicFront"/>
+      <a:lightRig rig="threePt" dir="t"/>
+    </dgm:scene3d>
+    <dgm:sp3d/>
+    <dgm:txPr/>
+    <dgm:style>
+      <a:lnRef idx="2">
+        <a:scrgbClr r="0" g="0" b="0"/>
+      </a:lnRef>
+      <a:fillRef idx="1">
+        <a:scrgbClr r="0" g="0" b="0"/>
+      </a:fillRef>
+      <a:effectRef idx="0">
+        <a:scrgbClr r="0" g="0" b="0"/>
+      </a:effectRef>
+      <a:fontRef idx="minor">
+        <a:schemeClr val="lt1"/>
+      </a:fontRef>
+    </dgm:style>
+  </dgm:styleLbl>
+  <dgm:styleLbl name="asst4">
+    <dgm:scene3d>
+      <a:camera prst="orthographicFront"/>
+      <a:lightRig rig="threePt" dir="t"/>
+    </dgm:scene3d>
+    <dgm:sp3d/>
+    <dgm:txPr/>
+    <dgm:style>
+      <a:lnRef idx="2">
+        <a:scrgbClr r="0" g="0" b="0"/>
+      </a:lnRef>
+      <a:fillRef idx="1">
+        <a:scrgbClr r="0" g="0" b="0"/>
+      </a:fillRef>
+      <a:effectRef idx="0">
+        <a:scrgbClr r="0" g="0" b="0"/>
+      </a:effectRef>
+      <a:fontRef idx="minor">
+        <a:schemeClr val="lt1"/>
+      </a:fontRef>
+    </dgm:style>
+  </dgm:styleLbl>
+  <dgm:styleLbl name="parChTrans2D1">
+    <dgm:scene3d>
+      <a:camera prst="orthographicFront"/>
+      <a:lightRig rig="threePt" dir="t"/>
+    </dgm:scene3d>
+    <dgm:sp3d/>
+    <dgm:txPr/>
+    <dgm:style>
+      <a:lnRef idx="2">
+        <a:scrgbClr r="0" g="0" b="0"/>
+      </a:lnRef>
+      <a:fillRef idx="1">
+        <a:scrgbClr r="0" g="0" b="0"/>
+      </a:fillRef>
+      <a:effectRef idx="0">
+        <a:scrgbClr r="0" g="0" b="0"/>
+      </a:effectRef>
+      <a:fontRef idx="minor">
+        <a:schemeClr val="lt1"/>
+      </a:fontRef>
+    </dgm:style>
+  </dgm:styleLbl>
+  <dgm:styleLbl name="parChTrans2D2">
+    <dgm:scene3d>
+      <a:camera prst="orthographicFront"/>
+      <a:lightRig rig="threePt" dir="t"/>
+    </dgm:scene3d>
+    <dgm:sp3d/>
+    <dgm:txPr/>
+    <dgm:style>
+      <a:lnRef idx="2">
+        <a:scrgbClr r="0" g="0" b="0"/>
+      </a:lnRef>
+      <a:fillRef idx="1">
+        <a:scrgbClr r="0" g="0" b="0"/>
+      </a:fillRef>
+      <a:effectRef idx="0">
+        <a:scrgbClr r="0" g="0" b="0"/>
+      </a:effectRef>
+      <a:fontRef idx="minor">
+        <a:schemeClr val="lt1"/>
+      </a:fontRef>
+    </dgm:style>
+  </dgm:styleLbl>
+  <dgm:styleLbl name="parChTrans2D3">
+    <dgm:scene3d>
+      <a:camera prst="orthographicFront"/>
+      <a:lightRig rig="threePt" dir="t"/>
+    </dgm:scene3d>
+    <dgm:sp3d/>
+    <dgm:txPr/>
+    <dgm:style>
+      <a:lnRef idx="2">
+        <a:scrgbClr r="0" g="0" b="0"/>
+      </a:lnRef>
+      <a:fillRef idx="1">
+        <a:scrgbClr r="0" g="0" b="0"/>
+      </a:fillRef>
+      <a:effectRef idx="0">
+        <a:scrgbClr r="0" g="0" b="0"/>
+      </a:effectRef>
+      <a:fontRef idx="minor">
+        <a:schemeClr val="lt1"/>
+      </a:fontRef>
+    </dgm:style>
+  </dgm:styleLbl>
+  <dgm:styleLbl name="parChTrans2D4">
+    <dgm:scene3d>
+      <a:camera prst="orthographicFront"/>
+      <a:lightRig rig="threePt" dir="t"/>
+    </dgm:scene3d>
+    <dgm:sp3d/>
+    <dgm:txPr/>
+    <dgm:style>
+      <a:lnRef idx="2">
+        <a:scrgbClr r="0" g="0" b="0"/>
+      </a:lnRef>
+      <a:fillRef idx="1">
+        <a:scrgbClr r="0" g="0" b="0"/>
+      </a:fillRef>
+      <a:effectRef idx="0">
+        <a:scrgbClr r="0" g="0" b="0"/>
+      </a:effectRef>
+      <a:fontRef idx="minor">
+        <a:schemeClr val="lt1"/>
+      </a:fontRef>
+    </dgm:style>
+  </dgm:styleLbl>
+  <dgm:styleLbl name="parChTrans1D1">
+    <dgm:scene3d>
+      <a:camera prst="orthographicFront"/>
+      <a:lightRig rig="threePt" dir="t"/>
+    </dgm:scene3d>
+    <dgm:sp3d/>
+    <dgm:txPr/>
+    <dgm:style>
+      <a:lnRef idx="2">
+        <a:scrgbClr r="0" g="0" b="0"/>
+      </a:lnRef>
+      <a:fillRef idx="0">
+        <a:scrgbClr r="0" g="0" b="0"/>
+      </a:fillRef>
+      <a:effectRef idx="0">
+        <a:scrgbClr r="0" g="0" b="0"/>
+      </a:effectRef>
+      <a:fontRef idx="minor"/>
+    </dgm:style>
+  </dgm:styleLbl>
+  <dgm:styleLbl name="parChTrans1D2">
+    <dgm:scene3d>
+      <a:camera prst="orthographicFront"/>
+      <a:lightRig rig="threePt" dir="t"/>
+    </dgm:scene3d>
+    <dgm:sp3d/>
+    <dgm:txPr/>
+    <dgm:style>
+      <a:lnRef idx="2">
+        <a:scrgbClr r="0" g="0" b="0"/>
+      </a:lnRef>
+      <a:fillRef idx="0">
+        <a:scrgbClr r="0" g="0" b="0"/>
+      </a:fillRef>
+      <a:effectRef idx="0">
+        <a:scrgbClr r="0" g="0" b="0"/>
+      </a:effectRef>
+      <a:fontRef idx="minor"/>
+    </dgm:style>
+  </dgm:styleLbl>
+  <dgm:styleLbl name="parChTrans1D3">
+    <dgm:scene3d>
+      <a:camera prst="orthographicFront"/>
+      <a:lightRig rig="threePt" dir="t"/>
+    </dgm:scene3d>
+    <dgm:sp3d/>
+    <dgm:txPr/>
+    <dgm:style>
+      <a:lnRef idx="2">
+        <a:scrgbClr r="0" g="0" b="0"/>
+      </a:lnRef>
+      <a:fillRef idx="0">
+        <a:scrgbClr r="0" g="0" b="0"/>
+      </a:fillRef>
+      <a:effectRef idx="0">
+        <a:scrgbClr r="0" g="0" b="0"/>
+      </a:effectRef>
+      <a:fontRef idx="minor"/>
+    </dgm:style>
+  </dgm:styleLbl>
+  <dgm:styleLbl name="parChTrans1D4">
+    <dgm:scene3d>
+      <a:camera prst="orthographicFront"/>
+      <a:lightRig rig="threePt" dir="t"/>
+    </dgm:scene3d>
+    <dgm:sp3d/>
+    <dgm:txPr/>
+    <dgm:style>
+      <a:lnRef idx="2">
+        <a:scrgbClr r="0" g="0" b="0"/>
+      </a:lnRef>
+      <a:fillRef idx="0">
+        <a:scrgbClr r="0" g="0" b="0"/>
+      </a:fillRef>
+      <a:effectRef idx="0">
+        <a:scrgbClr r="0" g="0" b="0"/>
+      </a:effectRef>
+      <a:fontRef idx="minor"/>
+    </dgm:style>
+  </dgm:styleLbl>
+  <dgm:styleLbl name="fgAcc1">
+    <dgm:scene3d>
+      <a:camera prst="orthographicFront"/>
+      <a:lightRig rig="threePt" dir="t"/>
+    </dgm:scene3d>
+    <dgm:sp3d/>
+    <dgm:txPr/>
+    <dgm:style>
+      <a:lnRef idx="2">
+        <a:scrgbClr r="0" g="0" b="0"/>
+      </a:lnRef>
+      <a:fillRef idx="1">
+        <a:scrgbClr r="0" g="0" b="0"/>
+      </a:fillRef>
+      <a:effectRef idx="0">
+        <a:scrgbClr r="0" g="0" b="0"/>
+      </a:effectRef>
+      <a:fontRef idx="minor"/>
+    </dgm:style>
+  </dgm:styleLbl>
+  <dgm:styleLbl name="conFgAcc1">
+    <dgm:scene3d>
+      <a:camera prst="orthographicFront"/>
+      <a:lightRig rig="threePt" dir="t"/>
+    </dgm:scene3d>
+    <dgm:sp3d/>
+    <dgm:txPr/>
+    <dgm:style>
+      <a:lnRef idx="2">
+        <a:scrgbClr r="0" g="0" b="0"/>
+      </a:lnRef>
+      <a:fillRef idx="1">
+        <a:scrgbClr r="0" g="0" b="0"/>
+      </a:fillRef>
+      <a:effectRef idx="0">
+        <a:scrgbClr r="0" g="0" b="0"/>
+      </a:effectRef>
+      <a:fontRef idx="minor"/>
+    </dgm:style>
+  </dgm:styleLbl>
+  <dgm:styleLbl name="alignAcc1">
+    <dgm:scene3d>
+      <a:camera prst="orthographicFront"/>
+      <a:lightRig rig="threePt" dir="t"/>
+    </dgm:scene3d>
+    <dgm:sp3d/>
+    <dgm:txPr/>
+    <dgm:style>
+      <a:lnRef idx="2">
+        <a:scrgbClr r="0" g="0" b="0"/>
+      </a:lnRef>
+      <a:fillRef idx="1">
+        <a:scrgbClr r="0" g="0" b="0"/>
+      </a:fillRef>
+      <a:effectRef idx="0">
+        <a:scrgbClr r="0" g="0" b="0"/>
+      </a:effectRef>
+      <a:fontRef idx="minor"/>
+    </dgm:style>
+  </dgm:styleLbl>
+  <dgm:styleLbl name="trAlignAcc1">
+    <dgm:scene3d>
+      <a:camera prst="orthographicFront"/>
+      <a:lightRig rig="threePt" dir="t"/>
+    </dgm:scene3d>
+    <dgm:sp3d/>
+    <dgm:txPr/>
+    <dgm:style>
+      <a:lnRef idx="1">
+        <a:scrgbClr r="0" g="0" b="0"/>
+      </a:lnRef>
+      <a:fillRef idx="1">
+        <a:scrgbClr r="0" g="0" b="0"/>
+      </a:fillRef>
+      <a:effectRef idx="0">
+        <a:scrgbClr r="0" g="0" b="0"/>
+      </a:effectRef>
+      <a:fontRef idx="minor"/>
+    </dgm:style>
+  </dgm:styleLbl>
+  <dgm:styleLbl name="bgAcc1">
+    <dgm:scene3d>
+      <a:camera prst="orthographicFront"/>
+      <a:lightRig rig="threePt" dir="t"/>
+    </dgm:scene3d>
+    <dgm:sp3d/>
+    <dgm:txPr/>
+    <dgm:style>
+      <a:lnRef idx="2">
+        <a:scrgbClr r="0" g="0" b="0"/>
+      </a:lnRef>
+      <a:fillRef idx="1">
+        <a:scrgbClr r="0" g="0" b="0"/>
+      </a:fillRef>
+      <a:effectRef idx="0">
+        <a:scrgbClr r="0" g="0" b="0"/>
+      </a:effectRef>
+      <a:fontRef idx="minor"/>
+    </dgm:style>
+  </dgm:styleLbl>
+  <dgm:styleLbl name="solidFgAcc1">
+    <dgm:scene3d>
+      <a:camera prst="orthographicFront"/>
+      <a:lightRig rig="threePt" dir="t"/>
+    </dgm:scene3d>
+    <dgm:sp3d/>
+    <dgm:txPr/>
+    <dgm:style>
+      <a:lnRef idx="2">
+        <a:scrgbClr r="0" g="0" b="0"/>
+      </a:lnRef>
+      <a:fillRef idx="1">
+        <a:scrgbClr r="0" g="0" b="0"/>
+      </a:fillRef>
+      <a:effectRef idx="0">
+        <a:scrgbClr r="0" g="0" b="0"/>
+      </a:effectRef>
+      <a:fontRef idx="minor"/>
+    </dgm:style>
+  </dgm:styleLbl>
+  <dgm:styleLbl name="solidAlignAcc1">
+    <dgm:scene3d>
+      <a:camera prst="orthographicFront"/>
+      <a:lightRig rig="threePt" dir="t"/>
+    </dgm:scene3d>
+    <dgm:sp3d/>
+    <dgm:txPr/>
+    <dgm:style>
+      <a:lnRef idx="2">
+        <a:scrgbClr r="0" g="0" b="0"/>
+      </a:lnRef>
+      <a:fillRef idx="1">
+        <a:scrgbClr r="0" g="0" b="0"/>
+      </a:fillRef>
+      <a:effectRef idx="0">
+        <a:scrgbClr r="0" g="0" b="0"/>
+      </a:effectRef>
+      <a:fontRef idx="minor"/>
+    </dgm:style>
+  </dgm:styleLbl>
+  <dgm:styleLbl name="solidBgAcc1">
+    <dgm:scene3d>
+      <a:camera prst="orthographicFront"/>
+      <a:lightRig rig="threePt" dir="t"/>
+    </dgm:scene3d>
+    <dgm:sp3d/>
+    <dgm:txPr/>
+    <dgm:style>
+      <a:lnRef idx="2">
+        <a:scrgbClr r="0" g="0" b="0"/>
+      </a:lnRef>
+      <a:fillRef idx="1">
+        <a:scrgbClr r="0" g="0" b="0"/>
+      </a:fillRef>
+      <a:effectRef idx="0">
+        <a:scrgbClr r="0" g="0" b="0"/>
+      </a:effectRef>
+      <a:fontRef idx="minor"/>
+    </dgm:style>
+  </dgm:styleLbl>
+  <dgm:styleLbl name="fgAccFollowNode1">
+    <dgm:scene3d>
+      <a:camera prst="orthographicFront"/>
+      <a:lightRig rig="threePt" dir="t"/>
+    </dgm:scene3d>
+    <dgm:sp3d/>
+    <dgm:txPr/>
+    <dgm:style>
+      <a:lnRef idx="2">
+        <a:scrgbClr r="0" g="0" b="0"/>
+      </a:lnRef>
+      <a:fillRef idx="1">
+        <a:scrgbClr r="0" g="0" b="0"/>
+      </a:fillRef>
+      <a:effectRef idx="0">
+        <a:scrgbClr r="0" g="0" b="0"/>
+      </a:effectRef>
+      <a:fontRef idx="minor"/>
+    </dgm:style>
+  </dgm:styleLbl>
+  <dgm:styleLbl name="alignAccFollowNode1">
+    <dgm:scene3d>
+      <a:camera prst="orthographicFront"/>
+      <a:lightRig rig="threePt" dir="t"/>
+    </dgm:scene3d>
+    <dgm:sp3d/>
+    <dgm:txPr/>
+    <dgm:style>
+      <a:lnRef idx="2">
+        <a:scrgbClr r="0" g="0" b="0"/>
+      </a:lnRef>
+      <a:fillRef idx="1">
+        <a:scrgbClr r="0" g="0" b="0"/>
+      </a:fillRef>
+      <a:effectRef idx="0">
+        <a:scrgbClr r="0" g="0" b="0"/>
+      </a:effectRef>
+      <a:fontRef idx="minor"/>
+    </dgm:style>
+  </dgm:styleLbl>
+  <dgm:styleLbl name="bgAccFollowNode1">
+    <dgm:scene3d>
+      <a:camera prst="orthographicFront"/>
+      <a:lightRig rig="threePt" dir="t"/>
+    </dgm:scene3d>
+    <dgm:sp3d/>
+    <dgm:txPr/>
+    <dgm:style>
+      <a:lnRef idx="2">
+        <a:scrgbClr r="0" g="0" b="0"/>
+      </a:lnRef>
+      <a:fillRef idx="1">
+        <a:scrgbClr r="0" g="0" b="0"/>
+      </a:fillRef>
+      <a:effectRef idx="0">
+        <a:scrgbClr r="0" g="0" b="0"/>
+      </a:effectRef>
+      <a:fontRef idx="minor"/>
+    </dgm:style>
+  </dgm:styleLbl>
+  <dgm:styleLbl name="fgAcc0">
+    <dgm:scene3d>
+      <a:camera prst="orthographicFront"/>
+      <a:lightRig rig="threePt" dir="t"/>
+    </dgm:scene3d>
+    <dgm:sp3d/>
+    <dgm:txPr/>
+    <dgm:style>
+      <a:lnRef idx="2">
+        <a:scrgbClr r="0" g="0" b="0"/>
+      </a:lnRef>
+      <a:fillRef idx="1">
+        <a:scrgbClr r="0" g="0" b="0"/>
+      </a:fillRef>
+      <a:effectRef idx="0">
+        <a:scrgbClr r="0" g="0" b="0"/>
+      </a:effectRef>
+      <a:fontRef idx="minor"/>
+    </dgm:style>
+  </dgm:styleLbl>
+  <dgm:styleLbl name="fgAcc2">
+    <dgm:scene3d>
+      <a:camera prst="orthographicFront"/>
+      <a:lightRig rig="threePt" dir="t"/>
+    </dgm:scene3d>
+    <dgm:sp3d/>
+    <dgm:txPr/>
+    <dgm:style>
+      <a:lnRef idx="2">
+        <a:scrgbClr r="0" g="0" b="0"/>
+      </a:lnRef>
+      <a:fillRef idx="1">
+        <a:scrgbClr r="0" g="0" b="0"/>
+      </a:fillRef>
+      <a:effectRef idx="0">
+        <a:scrgbClr r="0" g="0" b="0"/>
+      </a:effectRef>
+      <a:fontRef idx="minor"/>
+    </dgm:style>
+  </dgm:styleLbl>
+  <dgm:styleLbl name="fgAcc3">
+    <dgm:scene3d>
+      <a:camera prst="orthographicFront"/>
+      <a:lightRig rig="threePt" dir="t"/>
+    </dgm:scene3d>
+    <dgm:sp3d/>
+    <dgm:txPr/>
+    <dgm:style>
+      <a:lnRef idx="2">
+        <a:scrgbClr r="0" g="0" b="0"/>
+      </a:lnRef>
+      <a:fillRef idx="1">
+        <a:scrgbClr r="0" g="0" b="0"/>
+      </a:fillRef>
+      <a:effectRef idx="0">
+        <a:scrgbClr r="0" g="0" b="0"/>
+      </a:effectRef>
+      <a:fontRef idx="minor"/>
+    </dgm:style>
+  </dgm:styleLbl>
+  <dgm:styleLbl name="fgAcc4">
+    <dgm:scene3d>
+      <a:camera prst="orthographicFront"/>
+      <a:lightRig rig="threePt" dir="t"/>
+    </dgm:scene3d>
+    <dgm:sp3d/>
+    <dgm:txPr/>
+    <dgm:style>
+      <a:lnRef idx="2">
+        <a:scrgbClr r="0" g="0" b="0"/>
+      </a:lnRef>
+      <a:fillRef idx="1">
+        <a:scrgbClr r="0" g="0" b="0"/>
+      </a:fillRef>
+      <a:effectRef idx="0">
+        <a:scrgbClr r="0" g="0" b="0"/>
+      </a:effectRef>
+      <a:fontRef idx="minor"/>
+    </dgm:style>
+  </dgm:styleLbl>
+  <dgm:styleLbl name="bgShp">
+    <dgm:scene3d>
+      <a:camera prst="orthographicFront"/>
+      <a:lightRig rig="threePt" dir="t"/>
+    </dgm:scene3d>
+    <dgm:sp3d/>
+    <dgm:txPr/>
+    <dgm:style>
+      <a:lnRef idx="0">
+        <a:scrgbClr r="0" g="0" b="0"/>
+      </a:lnRef>
+      <a:fillRef idx="1">
+        <a:scrgbClr r="0" g="0" b="0"/>
+      </a:fillRef>
+      <a:effectRef idx="0">
+        <a:scrgbClr r="0" g="0" b="0"/>
+      </a:effectRef>
+      <a:fontRef idx="minor"/>
+    </dgm:style>
+  </dgm:styleLbl>
+  <dgm:styleLbl name="dkBgShp">
+    <dgm:scene3d>
+      <a:camera prst="orthographicFront"/>
+      <a:lightRig rig="threePt" dir="t"/>
+    </dgm:scene3d>
+    <dgm:sp3d/>
+    <dgm:txPr/>
+    <dgm:style>
+      <a:lnRef idx="0">
+        <a:scrgbClr r="0" g="0" b="0"/>
+      </a:lnRef>
+      <a:fillRef idx="1">
+        <a:scrgbClr r="0" g="0" b="0"/>
+      </a:fillRef>
+      <a:effectRef idx="0">
+        <a:scrgbClr r="0" g="0" b="0"/>
+      </a:effectRef>
+      <a:fontRef idx="minor"/>
+    </dgm:style>
+  </dgm:styleLbl>
+  <dgm:styleLbl name="trBgShp">
+    <dgm:scene3d>
+      <a:camera prst="orthographicFront"/>
+      <a:lightRig rig="threePt" dir="t"/>
+    </dgm:scene3d>
+    <dgm:sp3d/>
+    <dgm:txPr/>
+    <dgm:style>
+      <a:lnRef idx="0">
+        <a:scrgbClr r="0" g="0" b="0"/>
+      </a:lnRef>
+      <a:fillRef idx="1">
+        <a:scrgbClr r="0" g="0" b="0"/>
+      </a:fillRef>
+      <a:effectRef idx="0">
+        <a:scrgbClr r="0" g="0" b="0"/>
+      </a:effectRef>
+      <a:fontRef idx="minor"/>
+    </dgm:style>
+  </dgm:styleLbl>
+  <dgm:styleLbl name="fgShp">
+    <dgm:scene3d>
+      <a:camera prst="orthographicFront"/>
+      <a:lightRig rig="threePt" dir="t"/>
+    </dgm:scene3d>
+    <dgm:sp3d/>
+    <dgm:txPr/>
+    <dgm:style>
+      <a:lnRef idx="2">
+        <a:scrgbClr r="0" g="0" b="0"/>
+      </a:lnRef>
+      <a:fillRef idx="1">
+        <a:scrgbClr r="0" g="0" b="0"/>
+      </a:fillRef>
+      <a:effectRef idx="0">
+        <a:scrgbClr r="0" g="0" b="0"/>
+      </a:effectRef>
+      <a:fontRef idx="minor"/>
+    </dgm:style>
+  </dgm:styleLbl>
+  <dgm:styleLbl name="revTx">
+    <dgm:scene3d>
+      <a:camera prst="orthographicFront"/>
+      <a:lightRig rig="threePt" dir="t"/>
+    </dgm:scene3d>
+    <dgm:sp3d/>
+    <dgm:txPr/>
+    <dgm:style>
+      <a:lnRef idx="0">
+        <a:scrgbClr r="0" g="0" b="0"/>
+      </a:lnRef>
+      <a:fillRef idx="0">
+        <a:scrgbClr r="0" g="0" b="0"/>
+      </a:fillRef>
+      <a:effectRef idx="0">
+        <a:scrgbClr r="0" g="0" b="0"/>
+      </a:effectRef>
+      <a:fontRef idx="minor"/>
+    </dgm:style>
+  </dgm:styleLbl>
+</dgm:styleDef>
 </file>
 
 <file path=ppt/slideLayouts/slideLayout1.xml><?xml version="1.0" encoding="utf-8"?>
@@ -3613,6 +6259,420 @@
 </p:sld>
 </file>
 
+<file path=ppt/slides/slide10.xml><?xml version="1.0" encoding="utf-8"?>
+<p:sld xmlns:a="http://schemas.openxmlformats.org/drawingml/2006/main" xmlns:r="http://schemas.openxmlformats.org/officeDocument/2006/relationships" xmlns:p="http://schemas.openxmlformats.org/presentationml/2006/main">
+  <p:cSld>
+    <p:bg>
+      <p:bgPr>
+        <a:solidFill>
+          <a:schemeClr val="bg1"/>
+        </a:solidFill>
+        <a:effectLst/>
+      </p:bgPr>
+    </p:bg>
+    <p:spTree>
+      <p:nvGrpSpPr>
+        <p:cNvPr id="1" name=""/>
+        <p:cNvGrpSpPr/>
+        <p:nvPr/>
+      </p:nvGrpSpPr>
+      <p:grpSpPr>
+        <a:xfrm>
+          <a:off x="0" y="0"/>
+          <a:ext cx="0" cy="0"/>
+          <a:chOff x="0" y="0"/>
+          <a:chExt cx="0" cy="0"/>
+        </a:xfrm>
+      </p:grpSpPr>
+      <p:sp>
+        <p:nvSpPr>
+          <p:cNvPr id="21" name="Rectangle 20">
+            <a:extLst>
+              <a:ext uri="{FF2B5EF4-FFF2-40B4-BE49-F238E27FC236}">
+                <a16:creationId xmlns:a16="http://schemas.microsoft.com/office/drawing/2014/main" id="{39E3965E-AC41-4711-9D10-E25ABB132D86}"/>
+              </a:ext>
+              <a:ext uri="{C183D7F6-B498-43B3-948B-1728B52AA6E4}">
+                <adec:decorative xmlns:adec="http://schemas.microsoft.com/office/drawing/2017/decorative" val="1"/>
+              </a:ext>
+            </a:extLst>
+          </p:cNvPr>
+          <p:cNvSpPr>
+            <a:spLocks noGrp="1" noRot="1" noChangeAspect="1" noMove="1" noResize="1" noEditPoints="1" noAdjustHandles="1" noChangeArrowheads="1" noChangeShapeType="1" noTextEdit="1"/>
+          </p:cNvSpPr>
+          <p:nvPr>
+            <p:extLst>
+              <p:ext uri="{386F3935-93C4-4BCD-93E2-E3B085C9AB24}">
+                <p16:designElem xmlns:p16="http://schemas.microsoft.com/office/powerpoint/2015/main" val="1"/>
+              </p:ext>
+            </p:extLst>
+          </p:nvPr>
+        </p:nvSpPr>
+        <p:spPr>
+          <a:xfrm>
+            <a:off x="3175" y="6400800"/>
+            <a:ext cx="12188825" cy="457200"/>
+          </a:xfrm>
+          <a:prstGeom prst="rect">
+            <a:avLst/>
+          </a:prstGeom>
+          <a:solidFill>
+            <a:srgbClr val="262626"/>
+          </a:solidFill>
+          <a:ln>
+            <a:noFill/>
+          </a:ln>
+        </p:spPr>
+        <p:style>
+          <a:lnRef idx="2">
+            <a:schemeClr val="accent1">
+              <a:shade val="50000"/>
+            </a:schemeClr>
+          </a:lnRef>
+          <a:fillRef idx="1">
+            <a:schemeClr val="accent1"/>
+          </a:fillRef>
+          <a:effectRef idx="0">
+            <a:schemeClr val="accent1"/>
+          </a:effectRef>
+          <a:fontRef idx="minor">
+            <a:schemeClr val="lt1"/>
+          </a:fontRef>
+        </p:style>
+        <p:txBody>
+          <a:bodyPr/>
+          <a:lstStyle/>
+          <a:p>
+            <a:endParaRPr lang="en-SG"/>
+          </a:p>
+        </p:txBody>
+      </p:sp>
+      <p:cxnSp>
+        <p:nvCxnSpPr>
+          <p:cNvPr id="22" name="Straight Connector 21">
+            <a:extLst>
+              <a:ext uri="{FF2B5EF4-FFF2-40B4-BE49-F238E27FC236}">
+                <a16:creationId xmlns:a16="http://schemas.microsoft.com/office/drawing/2014/main" id="{1F5DC8C3-BA5F-4EED-BB9A-A14272BD82A1}"/>
+              </a:ext>
+              <a:ext uri="{C183D7F6-B498-43B3-948B-1728B52AA6E4}">
+                <adec:decorative xmlns:adec="http://schemas.microsoft.com/office/drawing/2017/decorative" val="1"/>
+              </a:ext>
+            </a:extLst>
+          </p:cNvPr>
+          <p:cNvCxnSpPr>
+            <a:cxnSpLocks noGrp="1" noRot="1" noChangeAspect="1" noMove="1" noResize="1" noEditPoints="1" noAdjustHandles="1" noChangeArrowheads="1" noChangeShapeType="1"/>
+          </p:cNvCxnSpPr>
+          <p:nvPr>
+            <p:extLst>
+              <p:ext uri="{386F3935-93C4-4BCD-93E2-E3B085C9AB24}">
+                <p16:designElem xmlns:p16="http://schemas.microsoft.com/office/powerpoint/2015/main" val="1"/>
+              </p:ext>
+            </p:extLst>
+          </p:nvPr>
+        </p:nvCxnSpPr>
+        <p:spPr>
+          <a:xfrm>
+            <a:off x="1207658" y="4474741"/>
+            <a:ext cx="9875520" cy="0"/>
+          </a:xfrm>
+          <a:prstGeom prst="line">
+            <a:avLst/>
+          </a:prstGeom>
+          <a:ln w="12700">
+            <a:solidFill>
+              <a:schemeClr val="tx1">
+                <a:lumMod val="75000"/>
+                <a:lumOff val="25000"/>
+              </a:schemeClr>
+            </a:solidFill>
+          </a:ln>
+        </p:spPr>
+        <p:style>
+          <a:lnRef idx="1">
+            <a:schemeClr val="accent1"/>
+          </a:lnRef>
+          <a:fillRef idx="0">
+            <a:schemeClr val="accent1"/>
+          </a:fillRef>
+          <a:effectRef idx="0">
+            <a:schemeClr val="accent1"/>
+          </a:effectRef>
+          <a:fontRef idx="minor">
+            <a:schemeClr val="tx1"/>
+          </a:fontRef>
+        </p:style>
+      </p:cxnSp>
+      <p:sp useBgFill="1">
+        <p:nvSpPr>
+          <p:cNvPr id="23" name="Rectangle 22">
+            <a:extLst>
+              <a:ext uri="{FF2B5EF4-FFF2-40B4-BE49-F238E27FC236}">
+                <a16:creationId xmlns:a16="http://schemas.microsoft.com/office/drawing/2014/main" id="{4C869C3B-5565-4AAC-86A8-9EB0AB1C653E}"/>
+              </a:ext>
+              <a:ext uri="{C183D7F6-B498-43B3-948B-1728B52AA6E4}">
+                <adec:decorative xmlns:adec="http://schemas.microsoft.com/office/drawing/2017/decorative" val="1"/>
+              </a:ext>
+            </a:extLst>
+          </p:cNvPr>
+          <p:cNvSpPr>
+            <a:spLocks noGrp="1" noRot="1" noChangeAspect="1" noMove="1" noResize="1" noEditPoints="1" noAdjustHandles="1" noChangeArrowheads="1" noChangeShapeType="1" noTextEdit="1"/>
+          </p:cNvSpPr>
+          <p:nvPr>
+            <p:extLst>
+              <p:ext uri="{386F3935-93C4-4BCD-93E2-E3B085C9AB24}">
+                <p16:designElem xmlns:p16="http://schemas.microsoft.com/office/powerpoint/2015/main" val="1"/>
+              </p:ext>
+            </p:extLst>
+          </p:nvPr>
+        </p:nvSpPr>
+        <p:spPr>
+          <a:xfrm>
+            <a:off x="0" y="0"/>
+            <a:ext cx="12192001" cy="6858000"/>
+          </a:xfrm>
+          <a:prstGeom prst="rect">
+            <a:avLst/>
+          </a:prstGeom>
+          <a:ln>
+            <a:noFill/>
+          </a:ln>
+        </p:spPr>
+        <p:style>
+          <a:lnRef idx="2">
+            <a:schemeClr val="accent1">
+              <a:shade val="50000"/>
+            </a:schemeClr>
+          </a:lnRef>
+          <a:fillRef idx="1">
+            <a:schemeClr val="accent1"/>
+          </a:fillRef>
+          <a:effectRef idx="0">
+            <a:schemeClr val="accent1"/>
+          </a:effectRef>
+          <a:fontRef idx="minor">
+            <a:schemeClr val="lt1"/>
+          </a:fontRef>
+        </p:style>
+        <p:txBody>
+          <a:bodyPr rtlCol="0" anchor="ctr"/>
+          <a:lstStyle/>
+          <a:p>
+            <a:pPr algn="ctr"/>
+            <a:endParaRPr lang="en-US"/>
+          </a:p>
+        </p:txBody>
+      </p:sp>
+      <p:sp>
+        <p:nvSpPr>
+          <p:cNvPr id="3" name="Title 2">
+            <a:extLst>
+              <a:ext uri="{FF2B5EF4-FFF2-40B4-BE49-F238E27FC236}">
+                <a16:creationId xmlns:a16="http://schemas.microsoft.com/office/drawing/2014/main" id="{BBFBC4C1-B37F-3489-2EE9-4401FD65AC5C}"/>
+              </a:ext>
+            </a:extLst>
+          </p:cNvPr>
+          <p:cNvSpPr>
+            <a:spLocks noGrp="1"/>
+          </p:cNvSpPr>
+          <p:nvPr>
+            <p:ph type="title"/>
+          </p:nvPr>
+        </p:nvSpPr>
+        <p:spPr>
+          <a:xfrm>
+            <a:off x="638423" y="3807725"/>
+            <a:ext cx="10909073" cy="1447062"/>
+          </a:xfrm>
+        </p:spPr>
+        <p:txBody>
+          <a:bodyPr vert="horz" lIns="91440" tIns="45720" rIns="91440" bIns="45720" rtlCol="0" anchor="b">
+            <a:normAutofit/>
+          </a:bodyPr>
+          <a:lstStyle/>
+          <a:p>
+            <a:pPr algn="ctr"/>
+            <a:r>
+              <a:rPr lang="en-US" sz="6000" dirty="0">
+                <a:solidFill>
+                  <a:schemeClr val="tx1">
+                    <a:lumMod val="85000"/>
+                    <a:lumOff val="15000"/>
+                  </a:schemeClr>
+                </a:solidFill>
+              </a:rPr>
+              <a:t>Thank you!</a:t>
+            </a:r>
+          </a:p>
+        </p:txBody>
+      </p:sp>
+      <p:pic>
+        <p:nvPicPr>
+          <p:cNvPr id="24" name="Graphic 23" descr="Handshake">
+            <a:extLst>
+              <a:ext uri="{FF2B5EF4-FFF2-40B4-BE49-F238E27FC236}">
+                <a16:creationId xmlns:a16="http://schemas.microsoft.com/office/drawing/2014/main" id="{56332E12-F321-0FE7-C683-989934586397}"/>
+              </a:ext>
+            </a:extLst>
+          </p:cNvPr>
+          <p:cNvPicPr>
+            <a:picLocks noChangeAspect="1"/>
+          </p:cNvPicPr>
+          <p:nvPr/>
+        </p:nvPicPr>
+        <p:blipFill>
+          <a:blip r:embed="rId2">
+            <a:extLst>
+              <a:ext uri="{28A0092B-C50C-407E-A947-70E740481C1C}">
+                <a14:useLocalDpi xmlns:a14="http://schemas.microsoft.com/office/drawing/2010/main" val="0"/>
+              </a:ext>
+              <a:ext uri="{96DAC541-7B7A-43D3-8B79-37D633B846F1}">
+                <asvg:svgBlip xmlns:asvg="http://schemas.microsoft.com/office/drawing/2016/SVG/main" r:embed="rId3"/>
+              </a:ext>
+            </a:extLst>
+          </a:blip>
+          <a:stretch>
+            <a:fillRect/>
+          </a:stretch>
+        </p:blipFill>
+        <p:spPr>
+          <a:xfrm>
+            <a:off x="4714657" y="771100"/>
+            <a:ext cx="2750022" cy="2750022"/>
+          </a:xfrm>
+          <a:prstGeom prst="rect">
+            <a:avLst/>
+          </a:prstGeom>
+        </p:spPr>
+      </p:pic>
+      <p:cxnSp>
+        <p:nvCxnSpPr>
+          <p:cNvPr id="25" name="Straight Connector 24">
+            <a:extLst>
+              <a:ext uri="{FF2B5EF4-FFF2-40B4-BE49-F238E27FC236}">
+                <a16:creationId xmlns:a16="http://schemas.microsoft.com/office/drawing/2014/main" id="{F41136EC-EC34-4D08-B5AB-8CE5870B1C74}"/>
+              </a:ext>
+              <a:ext uri="{C183D7F6-B498-43B3-948B-1728B52AA6E4}">
+                <adec:decorative xmlns:adec="http://schemas.microsoft.com/office/drawing/2017/decorative" val="1"/>
+              </a:ext>
+            </a:extLst>
+          </p:cNvPr>
+          <p:cNvCxnSpPr>
+            <a:cxnSpLocks noGrp="1" noRot="1" noChangeAspect="1" noMove="1" noResize="1" noEditPoints="1" noAdjustHandles="1" noChangeArrowheads="1" noChangeShapeType="1"/>
+          </p:cNvCxnSpPr>
+          <p:nvPr>
+            <p:extLst>
+              <p:ext uri="{386F3935-93C4-4BCD-93E2-E3B085C9AB24}">
+                <p16:designElem xmlns:p16="http://schemas.microsoft.com/office/powerpoint/2015/main" val="1"/>
+              </p:ext>
+            </p:extLst>
+          </p:nvPr>
+        </p:nvCxnSpPr>
+        <p:spPr>
+          <a:xfrm>
+            <a:off x="1752600" y="5415653"/>
+            <a:ext cx="8686800" cy="0"/>
+          </a:xfrm>
+          <a:prstGeom prst="line">
+            <a:avLst/>
+          </a:prstGeom>
+          <a:ln w="12700">
+            <a:solidFill>
+              <a:schemeClr val="tx1">
+                <a:lumMod val="75000"/>
+                <a:lumOff val="25000"/>
+              </a:schemeClr>
+            </a:solidFill>
+          </a:ln>
+        </p:spPr>
+        <p:style>
+          <a:lnRef idx="1">
+            <a:schemeClr val="accent1"/>
+          </a:lnRef>
+          <a:fillRef idx="0">
+            <a:schemeClr val="accent1"/>
+          </a:fillRef>
+          <a:effectRef idx="0">
+            <a:schemeClr val="accent1"/>
+          </a:effectRef>
+          <a:fontRef idx="minor">
+            <a:schemeClr val="tx1"/>
+          </a:fontRef>
+        </p:style>
+      </p:cxnSp>
+      <p:sp>
+        <p:nvSpPr>
+          <p:cNvPr id="26" name="Rectangle 25">
+            <a:extLst>
+              <a:ext uri="{FF2B5EF4-FFF2-40B4-BE49-F238E27FC236}">
+                <a16:creationId xmlns:a16="http://schemas.microsoft.com/office/drawing/2014/main" id="{9995470A-422C-4D09-B47E-C2E326495B72}"/>
+              </a:ext>
+              <a:ext uri="{C183D7F6-B498-43B3-948B-1728B52AA6E4}">
+                <adec:decorative xmlns:adec="http://schemas.microsoft.com/office/drawing/2017/decorative" val="1"/>
+              </a:ext>
+            </a:extLst>
+          </p:cNvPr>
+          <p:cNvSpPr>
+            <a:spLocks noGrp="1" noRot="1" noChangeAspect="1" noMove="1" noResize="1" noEditPoints="1" noAdjustHandles="1" noChangeArrowheads="1" noChangeShapeType="1" noTextEdit="1"/>
+          </p:cNvSpPr>
+          <p:nvPr>
+            <p:extLst>
+              <p:ext uri="{386F3935-93C4-4BCD-93E2-E3B085C9AB24}">
+                <p16:designElem xmlns:p16="http://schemas.microsoft.com/office/powerpoint/2015/main" val="1"/>
+              </p:ext>
+            </p:extLst>
+          </p:nvPr>
+        </p:nvSpPr>
+        <p:spPr>
+          <a:xfrm>
+            <a:off x="0" y="6400800"/>
+            <a:ext cx="12192000" cy="457200"/>
+          </a:xfrm>
+          <a:prstGeom prst="rect">
+            <a:avLst/>
+          </a:prstGeom>
+          <a:solidFill>
+            <a:srgbClr val="262626"/>
+          </a:solidFill>
+          <a:ln>
+            <a:noFill/>
+          </a:ln>
+        </p:spPr>
+        <p:style>
+          <a:lnRef idx="2">
+            <a:schemeClr val="accent1">
+              <a:shade val="50000"/>
+            </a:schemeClr>
+          </a:lnRef>
+          <a:fillRef idx="1">
+            <a:schemeClr val="accent1"/>
+          </a:fillRef>
+          <a:effectRef idx="0">
+            <a:schemeClr val="accent1"/>
+          </a:effectRef>
+          <a:fontRef idx="minor">
+            <a:schemeClr val="lt1"/>
+          </a:fontRef>
+        </p:style>
+        <p:txBody>
+          <a:bodyPr/>
+          <a:lstStyle/>
+          <a:p>
+            <a:endParaRPr lang="en-SG"/>
+          </a:p>
+        </p:txBody>
+      </p:sp>
+    </p:spTree>
+    <p:extLst>
+      <p:ext uri="{BB962C8B-B14F-4D97-AF65-F5344CB8AC3E}">
+        <p14:creationId xmlns:p14="http://schemas.microsoft.com/office/powerpoint/2010/main" val="1534050449"/>
+      </p:ext>
+    </p:extLst>
+  </p:cSld>
+  <p:clrMapOvr>
+    <a:masterClrMapping/>
+  </p:clrMapOvr>
+</p:sld>
+</file>
+
 <file path=ppt/slides/slide2.xml><?xml version="1.0" encoding="utf-8"?>
 <p:sld xmlns:a="http://schemas.openxmlformats.org/drawingml/2006/main" xmlns:r="http://schemas.openxmlformats.org/officeDocument/2006/relationships" xmlns:p="http://schemas.openxmlformats.org/presentationml/2006/main">
   <p:cSld>
@@ -6284,10 +9344,10 @@
       </p:sp>
       <p:pic>
         <p:nvPicPr>
-          <p:cNvPr id="5" name="Picture 4">
+          <p:cNvPr id="4" name="Picture 3">
             <a:extLst>
               <a:ext uri="{FF2B5EF4-FFF2-40B4-BE49-F238E27FC236}">
-                <a16:creationId xmlns:a16="http://schemas.microsoft.com/office/drawing/2014/main" id="{0DE99332-8187-7FF5-5022-519952CFBDE5}"/>
+                <a16:creationId xmlns:a16="http://schemas.microsoft.com/office/drawing/2014/main" id="{4FD1B2A8-657C-083F-B4CB-5FBF6DEF9A57}"/>
               </a:ext>
             </a:extLst>
           </p:cNvPr>
@@ -6298,13 +9358,13 @@
         </p:nvPicPr>
         <p:blipFill>
           <a:blip r:embed="rId2"/>
-          <a:srcRect t="18669" r="-3" b="5482"/>
+          <a:srcRect t="9388" b="8576"/>
           <a:stretch/>
         </p:blipFill>
         <p:spPr>
           <a:xfrm>
-            <a:off x="4059920" y="1"/>
-            <a:ext cx="4035714" cy="3401058"/>
+            <a:off x="4119949" y="0"/>
+            <a:ext cx="4016407" cy="3429000"/>
           </a:xfrm>
           <a:prstGeom prst="rect">
             <a:avLst/>
@@ -6313,10 +9373,10 @@
       </p:pic>
       <p:pic>
         <p:nvPicPr>
-          <p:cNvPr id="7" name="Picture 6">
+          <p:cNvPr id="9" name="Picture 8">
             <a:extLst>
               <a:ext uri="{FF2B5EF4-FFF2-40B4-BE49-F238E27FC236}">
-                <a16:creationId xmlns:a16="http://schemas.microsoft.com/office/drawing/2014/main" id="{17CD87BB-8ADB-6DF0-0C22-7624D85F3FA8}"/>
+                <a16:creationId xmlns:a16="http://schemas.microsoft.com/office/drawing/2014/main" id="{A3CC5E67-0EA0-59D6-7168-52CB3F77A861}"/>
               </a:ext>
             </a:extLst>
           </p:cNvPr>
@@ -6327,13 +9387,13 @@
         </p:nvPicPr>
         <p:blipFill>
           <a:blip r:embed="rId3"/>
-          <a:srcRect t="17865" r="-1" b="6629"/>
+          <a:srcRect r="44379" b="13148"/>
           <a:stretch/>
         </p:blipFill>
         <p:spPr>
           <a:xfrm>
-            <a:off x="4059924" y="3474720"/>
-            <a:ext cx="4021571" cy="3383280"/>
+            <a:off x="4122782" y="3492717"/>
+            <a:ext cx="4010740" cy="3365283"/>
           </a:xfrm>
           <a:prstGeom prst="rect">
             <a:avLst/>
@@ -6342,10 +9402,10 @@
       </p:pic>
       <p:pic>
         <p:nvPicPr>
-          <p:cNvPr id="12" name="Picture 11">
+          <p:cNvPr id="11" name="Picture 10">
             <a:extLst>
               <a:ext uri="{FF2B5EF4-FFF2-40B4-BE49-F238E27FC236}">
-                <a16:creationId xmlns:a16="http://schemas.microsoft.com/office/drawing/2014/main" id="{E756E2F3-796A-3E00-B3FF-911BB560CA02}"/>
+                <a16:creationId xmlns:a16="http://schemas.microsoft.com/office/drawing/2014/main" id="{65E6750F-BA6F-D22F-CF14-DD211D88C04E}"/>
               </a:ext>
             </a:extLst>
           </p:cNvPr>
@@ -6356,13 +9416,13 @@
         </p:nvPicPr>
         <p:blipFill>
           <a:blip r:embed="rId4"/>
-          <a:srcRect l="13172" r="60890" b="-1"/>
+          <a:srcRect r="13923"/>
           <a:stretch/>
         </p:blipFill>
         <p:spPr>
           <a:xfrm>
-            <a:off x="8175592" y="6086"/>
-            <a:ext cx="4016407" cy="6851914"/>
+            <a:off x="8191068" y="0"/>
+            <a:ext cx="3997758" cy="6858000"/>
           </a:xfrm>
           <a:prstGeom prst="rect">
             <a:avLst/>
@@ -6409,10 +9469,10 @@
       </p:grpSpPr>
       <p:sp>
         <p:nvSpPr>
-          <p:cNvPr id="21" name="Rectangle 20">
+          <p:cNvPr id="11" name="Rectangle 10">
             <a:extLst>
               <a:ext uri="{FF2B5EF4-FFF2-40B4-BE49-F238E27FC236}">
-                <a16:creationId xmlns:a16="http://schemas.microsoft.com/office/drawing/2014/main" id="{39E3965E-AC41-4711-9D10-E25ABB132D86}"/>
+                <a16:creationId xmlns:a16="http://schemas.microsoft.com/office/drawing/2014/main" id="{416A0E3C-60E6-4F39-BC55-5F7C224E1F7C}"/>
               </a:ext>
               <a:ext uri="{C183D7F6-B498-43B3-948B-1728B52AA6E4}">
                 <adec:decorative xmlns:adec="http://schemas.microsoft.com/office/drawing/2017/decorative" val="1"/>
@@ -6471,10 +9531,10 @@
       </p:sp>
       <p:cxnSp>
         <p:nvCxnSpPr>
-          <p:cNvPr id="22" name="Straight Connector 21">
+          <p:cNvPr id="13" name="Straight Connector 12">
             <a:extLst>
               <a:ext uri="{FF2B5EF4-FFF2-40B4-BE49-F238E27FC236}">
-                <a16:creationId xmlns:a16="http://schemas.microsoft.com/office/drawing/2014/main" id="{1F5DC8C3-BA5F-4EED-BB9A-A14272BD82A1}"/>
+                <a16:creationId xmlns:a16="http://schemas.microsoft.com/office/drawing/2014/main" id="{C5025DAC-8B93-4160-B017-3A274A5828C0}"/>
               </a:ext>
               <a:ext uri="{C183D7F6-B498-43B3-948B-1728B52AA6E4}">
                 <adec:decorative xmlns:adec="http://schemas.microsoft.com/office/drawing/2017/decorative" val="1"/>
@@ -6494,205 +9554,8 @@
         </p:nvCxnSpPr>
         <p:spPr>
           <a:xfrm>
-            <a:off x="1207658" y="4474741"/>
-            <a:ext cx="9875520" cy="0"/>
-          </a:xfrm>
-          <a:prstGeom prst="line">
-            <a:avLst/>
-          </a:prstGeom>
-          <a:ln w="12700">
-            <a:solidFill>
-              <a:schemeClr val="tx1">
-                <a:lumMod val="75000"/>
-                <a:lumOff val="25000"/>
-              </a:schemeClr>
-            </a:solidFill>
-          </a:ln>
-        </p:spPr>
-        <p:style>
-          <a:lnRef idx="1">
-            <a:schemeClr val="accent1"/>
-          </a:lnRef>
-          <a:fillRef idx="0">
-            <a:schemeClr val="accent1"/>
-          </a:fillRef>
-          <a:effectRef idx="0">
-            <a:schemeClr val="accent1"/>
-          </a:effectRef>
-          <a:fontRef idx="minor">
-            <a:schemeClr val="tx1"/>
-          </a:fontRef>
-        </p:style>
-      </p:cxnSp>
-      <p:sp useBgFill="1">
-        <p:nvSpPr>
-          <p:cNvPr id="23" name="Rectangle 22">
-            <a:extLst>
-              <a:ext uri="{FF2B5EF4-FFF2-40B4-BE49-F238E27FC236}">
-                <a16:creationId xmlns:a16="http://schemas.microsoft.com/office/drawing/2014/main" id="{4C869C3B-5565-4AAC-86A8-9EB0AB1C653E}"/>
-              </a:ext>
-              <a:ext uri="{C183D7F6-B498-43B3-948B-1728B52AA6E4}">
-                <adec:decorative xmlns:adec="http://schemas.microsoft.com/office/drawing/2017/decorative" val="1"/>
-              </a:ext>
-            </a:extLst>
-          </p:cNvPr>
-          <p:cNvSpPr>
-            <a:spLocks noGrp="1" noRot="1" noChangeAspect="1" noMove="1" noResize="1" noEditPoints="1" noAdjustHandles="1" noChangeArrowheads="1" noChangeShapeType="1" noTextEdit="1"/>
-          </p:cNvSpPr>
-          <p:nvPr>
-            <p:extLst>
-              <p:ext uri="{386F3935-93C4-4BCD-93E2-E3B085C9AB24}">
-                <p16:designElem xmlns:p16="http://schemas.microsoft.com/office/powerpoint/2015/main" val="1"/>
-              </p:ext>
-            </p:extLst>
-          </p:nvPr>
-        </p:nvSpPr>
-        <p:spPr>
-          <a:xfrm>
-            <a:off x="0" y="0"/>
-            <a:ext cx="12192001" cy="6858000"/>
-          </a:xfrm>
-          <a:prstGeom prst="rect">
-            <a:avLst/>
-          </a:prstGeom>
-          <a:ln>
-            <a:noFill/>
-          </a:ln>
-        </p:spPr>
-        <p:style>
-          <a:lnRef idx="2">
-            <a:schemeClr val="accent1">
-              <a:shade val="50000"/>
-            </a:schemeClr>
-          </a:lnRef>
-          <a:fillRef idx="1">
-            <a:schemeClr val="accent1"/>
-          </a:fillRef>
-          <a:effectRef idx="0">
-            <a:schemeClr val="accent1"/>
-          </a:effectRef>
-          <a:fontRef idx="minor">
-            <a:schemeClr val="lt1"/>
-          </a:fontRef>
-        </p:style>
-        <p:txBody>
-          <a:bodyPr rtlCol="0" anchor="ctr"/>
-          <a:lstStyle/>
-          <a:p>
-            <a:pPr algn="ctr"/>
-            <a:endParaRPr lang="en-US"/>
-          </a:p>
-        </p:txBody>
-      </p:sp>
-      <p:sp>
-        <p:nvSpPr>
-          <p:cNvPr id="3" name="Title 2">
-            <a:extLst>
-              <a:ext uri="{FF2B5EF4-FFF2-40B4-BE49-F238E27FC236}">
-                <a16:creationId xmlns:a16="http://schemas.microsoft.com/office/drawing/2014/main" id="{BBFBC4C1-B37F-3489-2EE9-4401FD65AC5C}"/>
-              </a:ext>
-            </a:extLst>
-          </p:cNvPr>
-          <p:cNvSpPr>
-            <a:spLocks noGrp="1"/>
-          </p:cNvSpPr>
-          <p:nvPr>
-            <p:ph type="title"/>
-          </p:nvPr>
-        </p:nvSpPr>
-        <p:spPr>
-          <a:xfrm>
-            <a:off x="638423" y="3807725"/>
-            <a:ext cx="10909073" cy="1447062"/>
-          </a:xfrm>
-        </p:spPr>
-        <p:txBody>
-          <a:bodyPr vert="horz" lIns="91440" tIns="45720" rIns="91440" bIns="45720" rtlCol="0" anchor="b">
-            <a:normAutofit/>
-          </a:bodyPr>
-          <a:lstStyle/>
-          <a:p>
-            <a:pPr algn="ctr"/>
-            <a:r>
-              <a:rPr lang="en-US" sz="6000" dirty="0">
-                <a:solidFill>
-                  <a:schemeClr val="tx1">
-                    <a:lumMod val="85000"/>
-                    <a:lumOff val="15000"/>
-                  </a:schemeClr>
-                </a:solidFill>
-              </a:rPr>
-              <a:t>Thank you!</a:t>
-            </a:r>
-          </a:p>
-        </p:txBody>
-      </p:sp>
-      <p:pic>
-        <p:nvPicPr>
-          <p:cNvPr id="24" name="Graphic 23" descr="Handshake">
-            <a:extLst>
-              <a:ext uri="{FF2B5EF4-FFF2-40B4-BE49-F238E27FC236}">
-                <a16:creationId xmlns:a16="http://schemas.microsoft.com/office/drawing/2014/main" id="{56332E12-F321-0FE7-C683-989934586397}"/>
-              </a:ext>
-            </a:extLst>
-          </p:cNvPr>
-          <p:cNvPicPr>
-            <a:picLocks noChangeAspect="1"/>
-          </p:cNvPicPr>
-          <p:nvPr/>
-        </p:nvPicPr>
-        <p:blipFill>
-          <a:blip r:embed="rId2">
-            <a:extLst>
-              <a:ext uri="{28A0092B-C50C-407E-A947-70E740481C1C}">
-                <a14:useLocalDpi xmlns:a14="http://schemas.microsoft.com/office/drawing/2010/main" val="0"/>
-              </a:ext>
-              <a:ext uri="{96DAC541-7B7A-43D3-8B79-37D633B846F1}">
-                <asvg:svgBlip xmlns:asvg="http://schemas.microsoft.com/office/drawing/2016/SVG/main" r:embed="rId3"/>
-              </a:ext>
-            </a:extLst>
-          </a:blip>
-          <a:stretch>
-            <a:fillRect/>
-          </a:stretch>
-        </p:blipFill>
-        <p:spPr>
-          <a:xfrm>
-            <a:off x="4714657" y="771100"/>
-            <a:ext cx="2750022" cy="2750022"/>
-          </a:xfrm>
-          <a:prstGeom prst="rect">
-            <a:avLst/>
-          </a:prstGeom>
-        </p:spPr>
-      </p:pic>
-      <p:cxnSp>
-        <p:nvCxnSpPr>
-          <p:cNvPr id="25" name="Straight Connector 24">
-            <a:extLst>
-              <a:ext uri="{FF2B5EF4-FFF2-40B4-BE49-F238E27FC236}">
-                <a16:creationId xmlns:a16="http://schemas.microsoft.com/office/drawing/2014/main" id="{F41136EC-EC34-4D08-B5AB-8CE5870B1C74}"/>
-              </a:ext>
-              <a:ext uri="{C183D7F6-B498-43B3-948B-1728B52AA6E4}">
-                <adec:decorative xmlns:adec="http://schemas.microsoft.com/office/drawing/2017/decorative" val="1"/>
-              </a:ext>
-            </a:extLst>
-          </p:cNvPr>
-          <p:cNvCxnSpPr>
-            <a:cxnSpLocks noGrp="1" noRot="1" noChangeAspect="1" noMove="1" noResize="1" noEditPoints="1" noAdjustHandles="1" noChangeArrowheads="1" noChangeShapeType="1"/>
-          </p:cNvCxnSpPr>
-          <p:nvPr>
-            <p:extLst>
-              <p:ext uri="{386F3935-93C4-4BCD-93E2-E3B085C9AB24}">
-                <p16:designElem xmlns:p16="http://schemas.microsoft.com/office/powerpoint/2015/main" val="1"/>
-              </p:ext>
-            </p:extLst>
-          </p:nvPr>
-        </p:nvCxnSpPr>
-        <p:spPr>
-          <a:xfrm>
-            <a:off x="1752600" y="5415653"/>
-            <a:ext cx="8686800" cy="0"/>
+            <a:off x="1193532" y="1897380"/>
+            <a:ext cx="9966960" cy="0"/>
           </a:xfrm>
           <a:prstGeom prst="line">
             <a:avLst/>
@@ -6723,10 +9586,10 @@
       </p:cxnSp>
       <p:sp>
         <p:nvSpPr>
-          <p:cNvPr id="26" name="Rectangle 25">
+          <p:cNvPr id="15" name="Rectangle 14">
             <a:extLst>
               <a:ext uri="{FF2B5EF4-FFF2-40B4-BE49-F238E27FC236}">
-                <a16:creationId xmlns:a16="http://schemas.microsoft.com/office/drawing/2014/main" id="{9995470A-422C-4D09-B47E-C2E326495B72}"/>
+                <a16:creationId xmlns:a16="http://schemas.microsoft.com/office/drawing/2014/main" id="{E844E128-FF69-4E9F-8327-6B504B3C5AE1}"/>
               </a:ext>
               <a:ext uri="{C183D7F6-B498-43B3-948B-1728B52AA6E4}">
                 <adec:decorative xmlns:adec="http://schemas.microsoft.com/office/drawing/2017/decorative" val="1"/>
@@ -6744,16 +9607,19 @@
             </p:extLst>
           </p:nvPr>
         </p:nvSpPr>
-        <p:spPr>
+        <p:spPr bwMode="white">
           <a:xfrm>
-            <a:off x="0" y="6400800"/>
-            <a:ext cx="12192000" cy="457200"/>
+            <a:off x="15" y="0"/>
+            <a:ext cx="12191985" cy="6858000"/>
           </a:xfrm>
           <a:prstGeom prst="rect">
             <a:avLst/>
           </a:prstGeom>
           <a:solidFill>
-            <a:srgbClr val="262626"/>
+            <a:schemeClr val="bg1">
+              <a:lumMod val="85000"/>
+              <a:lumOff val="15000"/>
+            </a:schemeClr>
           </a:solidFill>
           <a:ln>
             <a:noFill/>
@@ -6783,15 +9649,274 @@
           </a:p>
         </p:txBody>
       </p:sp>
+      <p:sp>
+        <p:nvSpPr>
+          <p:cNvPr id="3" name="Title 2">
+            <a:extLst>
+              <a:ext uri="{FF2B5EF4-FFF2-40B4-BE49-F238E27FC236}">
+                <a16:creationId xmlns:a16="http://schemas.microsoft.com/office/drawing/2014/main" id="{CD8C1513-6C96-BCC5-2E02-C213F3976493}"/>
+              </a:ext>
+            </a:extLst>
+          </p:cNvPr>
+          <p:cNvSpPr>
+            <a:spLocks noGrp="1"/>
+          </p:cNvSpPr>
+          <p:nvPr>
+            <p:ph type="title"/>
+          </p:nvPr>
+        </p:nvSpPr>
+        <p:spPr>
+          <a:xfrm>
+            <a:off x="1097280" y="516835"/>
+            <a:ext cx="5977937" cy="1666501"/>
+          </a:xfrm>
+        </p:spPr>
+        <p:txBody>
+          <a:bodyPr vert="horz" lIns="91440" tIns="45720" rIns="91440" bIns="45720" rtlCol="0" anchor="b">
+            <a:normAutofit/>
+          </a:bodyPr>
+          <a:lstStyle/>
+          <a:p>
+            <a:r>
+              <a:rPr lang="en-US" sz="4000">
+                <a:solidFill>
+                  <a:schemeClr val="tx1"/>
+                </a:solidFill>
+              </a:rPr>
+              <a:t>Challenges</a:t>
+            </a:r>
+          </a:p>
+        </p:txBody>
+      </p:sp>
+      <p:cxnSp>
+        <p:nvCxnSpPr>
+          <p:cNvPr id="17" name="Straight Connector 16">
+            <a:extLst>
+              <a:ext uri="{FF2B5EF4-FFF2-40B4-BE49-F238E27FC236}">
+                <a16:creationId xmlns:a16="http://schemas.microsoft.com/office/drawing/2014/main" id="{055CEADF-09EA-423C-8C45-F94AF44D5AF0}"/>
+              </a:ext>
+              <a:ext uri="{C183D7F6-B498-43B3-948B-1728B52AA6E4}">
+                <adec:decorative xmlns:adec="http://schemas.microsoft.com/office/drawing/2017/decorative" val="1"/>
+              </a:ext>
+            </a:extLst>
+          </p:cNvPr>
+          <p:cNvCxnSpPr>
+            <a:cxnSpLocks noGrp="1" noRot="1" noChangeAspect="1" noMove="1" noResize="1" noEditPoints="1" noAdjustHandles="1" noChangeArrowheads="1" noChangeShapeType="1"/>
+          </p:cNvCxnSpPr>
+          <p:nvPr>
+            <p:extLst>
+              <p:ext uri="{386F3935-93C4-4BCD-93E2-E3B085C9AB24}">
+                <p16:designElem xmlns:p16="http://schemas.microsoft.com/office/powerpoint/2015/main" val="1"/>
+              </p:ext>
+            </p:extLst>
+          </p:nvPr>
+        </p:nvCxnSpPr>
+        <p:spPr>
+          <a:xfrm>
+            <a:off x="1215896" y="2353592"/>
+            <a:ext cx="5303520" cy="0"/>
+          </a:xfrm>
+          <a:prstGeom prst="line">
+            <a:avLst/>
+          </a:prstGeom>
+          <a:ln w="19050">
+            <a:solidFill>
+              <a:schemeClr val="accent1"/>
+            </a:solidFill>
+          </a:ln>
+        </p:spPr>
+        <p:style>
+          <a:lnRef idx="1">
+            <a:schemeClr val="accent1"/>
+          </a:lnRef>
+          <a:fillRef idx="0">
+            <a:schemeClr val="accent1"/>
+          </a:fillRef>
+          <a:effectRef idx="0">
+            <a:schemeClr val="accent1"/>
+          </a:effectRef>
+          <a:fontRef idx="minor">
+            <a:schemeClr val="tx1"/>
+          </a:fontRef>
+        </p:style>
+      </p:cxnSp>
+      <p:pic>
+        <p:nvPicPr>
+          <p:cNvPr id="6" name="Picture 5">
+            <a:extLst>
+              <a:ext uri="{FF2B5EF4-FFF2-40B4-BE49-F238E27FC236}">
+                <a16:creationId xmlns:a16="http://schemas.microsoft.com/office/drawing/2014/main" id="{D0ABFFB7-4288-EC12-BC18-995044BD06E3}"/>
+              </a:ext>
+            </a:extLst>
+          </p:cNvPr>
+          <p:cNvPicPr>
+            <a:picLocks noChangeAspect="1"/>
+          </p:cNvPicPr>
+          <p:nvPr/>
+        </p:nvPicPr>
+        <p:blipFill>
+          <a:blip r:embed="rId2"/>
+          <a:srcRect r="13923"/>
+          <a:stretch/>
+        </p:blipFill>
+        <p:spPr>
+          <a:xfrm>
+            <a:off x="8811988" y="643467"/>
+            <a:ext cx="1530629" cy="2624666"/>
+          </a:xfrm>
+          <a:prstGeom prst="rect">
+            <a:avLst/>
+          </a:prstGeom>
+        </p:spPr>
+      </p:pic>
+      <p:pic>
+        <p:nvPicPr>
+          <p:cNvPr id="5" name="Picture 4">
+            <a:extLst>
+              <a:ext uri="{FF2B5EF4-FFF2-40B4-BE49-F238E27FC236}">
+                <a16:creationId xmlns:a16="http://schemas.microsoft.com/office/drawing/2014/main" id="{AEA94553-2C5B-0CDE-B08D-A716A8380FFF}"/>
+              </a:ext>
+            </a:extLst>
+          </p:cNvPr>
+          <p:cNvPicPr>
+            <a:picLocks noChangeAspect="1"/>
+          </p:cNvPicPr>
+          <p:nvPr/>
+        </p:nvPicPr>
+        <p:blipFill>
+          <a:blip r:embed="rId3"/>
+          <a:stretch>
+            <a:fillRect/>
+          </a:stretch>
+        </p:blipFill>
+        <p:spPr>
+          <a:xfrm>
+            <a:off x="7611905" y="4346541"/>
+            <a:ext cx="3936614" cy="1131777"/>
+          </a:xfrm>
+          <a:prstGeom prst="rect">
+            <a:avLst/>
+          </a:prstGeom>
+        </p:spPr>
+      </p:pic>
+      <p:sp>
+        <p:nvSpPr>
+          <p:cNvPr id="7" name="TextBox 6">
+            <a:extLst>
+              <a:ext uri="{FF2B5EF4-FFF2-40B4-BE49-F238E27FC236}">
+                <a16:creationId xmlns:a16="http://schemas.microsoft.com/office/drawing/2014/main" id="{F99FC543-CA47-FF45-014D-F59DF825ACD7}"/>
+              </a:ext>
+            </a:extLst>
+          </p:cNvPr>
+          <p:cNvSpPr txBox="1"/>
+          <p:nvPr/>
+        </p:nvSpPr>
+        <p:spPr>
+          <a:xfrm>
+            <a:off x="8018717" y="5620815"/>
+            <a:ext cx="2961085" cy="615553"/>
+          </a:xfrm>
+          <a:prstGeom prst="rect">
+            <a:avLst/>
+          </a:prstGeom>
+          <a:noFill/>
+        </p:spPr>
+        <p:txBody>
+          <a:bodyPr wrap="square" rtlCol="0">
+            <a:spAutoFit/>
+          </a:bodyPr>
+          <a:lstStyle/>
+          <a:p>
+            <a:pPr algn="ctr"/>
+            <a:r>
+              <a:rPr lang="en-SG" sz="1400" b="1" i="1" dirty="0"/>
+              <a:t>Poor cache key design</a:t>
+            </a:r>
+          </a:p>
+          <a:p>
+            <a:pPr algn="ctr"/>
+            <a:r>
+              <a:rPr lang="en-SG" sz="1000" i="1" dirty="0"/>
+              <a:t> 2 different board positions will produce same inaccurate result</a:t>
+            </a:r>
+          </a:p>
+        </p:txBody>
+      </p:sp>
+      <p:sp>
+        <p:nvSpPr>
+          <p:cNvPr id="8" name="TextBox 7">
+            <a:extLst>
+              <a:ext uri="{FF2B5EF4-FFF2-40B4-BE49-F238E27FC236}">
+                <a16:creationId xmlns:a16="http://schemas.microsoft.com/office/drawing/2014/main" id="{2A9CA38F-2DF1-23DB-BD9B-41C7FB7FBCFB}"/>
+              </a:ext>
+            </a:extLst>
+          </p:cNvPr>
+          <p:cNvSpPr txBox="1"/>
+          <p:nvPr/>
+        </p:nvSpPr>
+        <p:spPr>
+          <a:xfrm>
+            <a:off x="8222123" y="3312028"/>
+            <a:ext cx="2961085" cy="615553"/>
+          </a:xfrm>
+          <a:prstGeom prst="rect">
+            <a:avLst/>
+          </a:prstGeom>
+          <a:noFill/>
+        </p:spPr>
+        <p:txBody>
+          <a:bodyPr wrap="square" rtlCol="0">
+            <a:spAutoFit/>
+          </a:bodyPr>
+          <a:lstStyle/>
+          <a:p>
+            <a:pPr algn="ctr"/>
+            <a:r>
+              <a:rPr lang="en-SG" sz="1400" b="1" i="1" dirty="0"/>
+              <a:t>Good cache key design</a:t>
+            </a:r>
+            <a:endParaRPr lang="en-SG" sz="1000" b="1" i="1" dirty="0"/>
+          </a:p>
+          <a:p>
+            <a:pPr algn="ctr"/>
+            <a:r>
+              <a:rPr lang="en-SG" sz="1000" i="1" dirty="0"/>
+              <a:t>2 different board positions will produce different accurate results as empty spaces accounted for</a:t>
+            </a:r>
+          </a:p>
+        </p:txBody>
+      </p:sp>
+      <p:graphicFrame>
+        <p:nvGraphicFramePr>
+          <p:cNvPr id="19" name="Text Placeholder 3">
+            <a:extLst>
+              <a:ext uri="{FF2B5EF4-FFF2-40B4-BE49-F238E27FC236}">
+                <a16:creationId xmlns:a16="http://schemas.microsoft.com/office/drawing/2014/main" id="{4B7C1BD4-9B10-9B42-EA43-858D59BF65A4}"/>
+              </a:ext>
+            </a:extLst>
+          </p:cNvPr>
+          <p:cNvGraphicFramePr/>
+          <p:nvPr/>
+        </p:nvGraphicFramePr>
+        <p:xfrm>
+          <a:off x="1097279" y="2546224"/>
+          <a:ext cx="5977938" cy="3342747"/>
+        </p:xfrm>
+        <a:graphic>
+          <a:graphicData uri="http://schemas.openxmlformats.org/drawingml/2006/diagram">
+            <dgm:relIds xmlns:dgm="http://schemas.openxmlformats.org/drawingml/2006/diagram" xmlns:r="http://schemas.openxmlformats.org/officeDocument/2006/relationships" r:dm="rId4" r:lo="rId5" r:qs="rId6" r:cs="rId7"/>
+          </a:graphicData>
+        </a:graphic>
+      </p:graphicFrame>
     </p:spTree>
     <p:extLst>
       <p:ext uri="{BB962C8B-B14F-4D97-AF65-F5344CB8AC3E}">
-        <p14:creationId xmlns:p14="http://schemas.microsoft.com/office/powerpoint/2010/main" val="1534050449"/>
+        <p14:creationId xmlns:p14="http://schemas.microsoft.com/office/powerpoint/2010/main" val="2179314494"/>
       </p:ext>
     </p:extLst>
   </p:cSld>
   <p:clrMapOvr>
-    <a:masterClrMapping/>
+    <a:overrideClrMapping bg1="dk1" tx1="lt1" bg2="dk2" tx2="lt2" accent1="accent1" accent2="accent2" accent3="accent3" accent4="accent4" accent5="accent5" accent6="accent6" hlink="hlink" folHlink="folHlink"/>
   </p:clrMapOvr>
 </p:sld>
 </file>
@@ -7123,24 +10248,6 @@
 </file>
 
 <file path=customXml/item1.xml><?xml version="1.0" encoding="utf-8"?>
-<p:properties xmlns:p="http://schemas.microsoft.com/office/2006/metadata/properties" xmlns:xsi="http://www.w3.org/2001/XMLSchema-instance" xmlns:pc="http://schemas.microsoft.com/office/infopath/2007/PartnerControls">
-  <documentManagement>
-    <Status xmlns="71af3243-3dd4-4a8d-8c0d-dd76da1f02a5">Not started</Status>
-    <MediaServiceKeyPoints xmlns="71af3243-3dd4-4a8d-8c0d-dd76da1f02a5" xsi:nil="true"/>
-  </documentManagement>
-</p:properties>
-</file>
-
-<file path=customXml/item2.xml><?xml version="1.0" encoding="utf-8"?>
-<?mso-contentType ?>
-<FormTemplates xmlns="http://schemas.microsoft.com/sharepoint/v3/contenttype/forms">
-  <Display>DocumentLibraryForm</Display>
-  <Edit>DocumentLibraryForm</Edit>
-  <New>DocumentLibraryForm</New>
-</FormTemplates>
-</file>
-
-<file path=customXml/item3.xml><?xml version="1.0" encoding="utf-8"?>
 <ct:contentTypeSchema xmlns:ct="http://schemas.microsoft.com/office/2006/metadata/contentType" xmlns:ma="http://schemas.microsoft.com/office/2006/metadata/properties/metaAttributes" ct:_="" ma:_="" ma:contentTypeName="Document" ma:contentTypeID="0x01010079F111ED35F8CC479449609E8A0923A6" ma:contentTypeVersion="12" ma:contentTypeDescription="Create a new document." ma:contentTypeScope="" ma:versionID="a410dd7f93c95333ffa1b60ed6adedd1">
   <xsd:schema xmlns:xsd="http://www.w3.org/2001/XMLSchema" xmlns:xs="http://www.w3.org/2001/XMLSchema" xmlns:p="http://schemas.microsoft.com/office/2006/metadata/properties" xmlns:ns2="71af3243-3dd4-4a8d-8c0d-dd76da1f02a5" xmlns:ns3="16c05727-aa75-4e4a-9b5f-8a80a1165891" targetNamespace="http://schemas.microsoft.com/office/2006/metadata/properties" ma:root="true" ma:fieldsID="a936d9baba76aa3866493feff160faab" ns2:_="" ns3:_="">
     <xsd:import namespace="71af3243-3dd4-4a8d-8c0d-dd76da1f02a5"/>
@@ -7361,25 +10468,25 @@
 </ct:contentTypeSchema>
 </file>
 
-<file path=customXml/itemProps1.xml><?xml version="1.0" encoding="utf-8"?>
-<ds:datastoreItem xmlns:ds="http://schemas.openxmlformats.org/officeDocument/2006/customXml" ds:itemID="{4F5B1FD9-3BB6-4DA9-A089-3B68C2323D4F}">
-  <ds:schemaRefs>
-    <ds:schemaRef ds:uri="http://schemas.microsoft.com/office/2006/metadata/properties"/>
-    <ds:schemaRef ds:uri="http://schemas.microsoft.com/office/infopath/2007/PartnerControls"/>
-    <ds:schemaRef ds:uri="71af3243-3dd4-4a8d-8c0d-dd76da1f02a5"/>
-  </ds:schemaRefs>
-</ds:datastoreItem>
+<file path=customXml/item2.xml><?xml version="1.0" encoding="utf-8"?>
+<?mso-contentType ?>
+<FormTemplates xmlns="http://schemas.microsoft.com/sharepoint/v3/contenttype/forms">
+  <Display>DocumentLibraryForm</Display>
+  <Edit>DocumentLibraryForm</Edit>
+  <New>DocumentLibraryForm</New>
+</FormTemplates>
 </file>
 
-<file path=customXml/itemProps2.xml><?xml version="1.0" encoding="utf-8"?>
-<ds:datastoreItem xmlns:ds="http://schemas.openxmlformats.org/officeDocument/2006/customXml" ds:itemID="{638A3B04-B0F3-4C12-A722-52B5CF6D9723}">
-  <ds:schemaRefs>
-    <ds:schemaRef ds:uri="http://schemas.microsoft.com/sharepoint/v3/contenttype/forms"/>
-  </ds:schemaRefs>
-</ds:datastoreItem>
+<file path=customXml/item3.xml><?xml version="1.0" encoding="utf-8"?>
+<p:properties xmlns:p="http://schemas.microsoft.com/office/2006/metadata/properties" xmlns:xsi="http://www.w3.org/2001/XMLSchema-instance" xmlns:pc="http://schemas.microsoft.com/office/infopath/2007/PartnerControls">
+  <documentManagement>
+    <Status xmlns="71af3243-3dd4-4a8d-8c0d-dd76da1f02a5">Not started</Status>
+    <MediaServiceKeyPoints xmlns="71af3243-3dd4-4a8d-8c0d-dd76da1f02a5" xsi:nil="true"/>
+  </documentManagement>
+</p:properties>
 </file>
 
-<file path=customXml/itemProps3.xml><?xml version="1.0" encoding="utf-8"?>
+<file path=customXml/itemProps1.xml><?xml version="1.0" encoding="utf-8"?>
 <ds:datastoreItem xmlns:ds="http://schemas.openxmlformats.org/officeDocument/2006/customXml" ds:itemID="{1747A963-53E0-44AF-AF13-963FE676C682}">
   <ds:schemaRefs>
     <ds:schemaRef ds:uri="http://schemas.microsoft.com/office/2006/metadata/contentType"/>
@@ -7396,4 +10503,22 @@
     <ds:schemaRef ds:uri="http://schemas.microsoft.com/internal/obd"/>
   </ds:schemaRefs>
 </ds:datastoreItem>
+</file>
+
+<file path=customXml/itemProps2.xml><?xml version="1.0" encoding="utf-8"?>
+<ds:datastoreItem xmlns:ds="http://schemas.openxmlformats.org/officeDocument/2006/customXml" ds:itemID="{638A3B04-B0F3-4C12-A722-52B5CF6D9723}">
+  <ds:schemaRefs>
+    <ds:schemaRef ds:uri="http://schemas.microsoft.com/sharepoint/v3/contenttype/forms"/>
+  </ds:schemaRefs>
+</ds:datastoreItem>
+</file>
+
+<file path=customXml/itemProps3.xml><?xml version="1.0" encoding="utf-8"?>
+<ds:datastoreItem xmlns:ds="http://schemas.openxmlformats.org/officeDocument/2006/customXml" ds:itemID="{4F5B1FD9-3BB6-4DA9-A089-3B68C2323D4F}">
+  <ds:schemaRefs>
+    <ds:schemaRef ds:uri="http://schemas.microsoft.com/office/2006/metadata/properties"/>
+    <ds:schemaRef ds:uri="http://schemas.microsoft.com/office/infopath/2007/PartnerControls"/>
+    <ds:schemaRef ds:uri="71af3243-3dd4-4a8d-8c0d-dd76da1f02a5"/>
+  </ds:schemaRefs>
+</ds:datastoreItem>
 </file>
--- a/images/Tic tac toe.pptx
+++ b/images/Tic tac toe.pptx
@@ -4,6 +4,9 @@
   <p:sldMasterIdLst>
     <p:sldMasterId id="2147483660" r:id="rId4"/>
   </p:sldMasterIdLst>
+  <p:notesMasterIdLst>
+    <p:notesMasterId r:id="rId16"/>
+  </p:notesMasterIdLst>
   <p:sldIdLst>
     <p:sldId id="268" r:id="rId5"/>
     <p:sldId id="312" r:id="rId6"/>
@@ -11,10 +14,11 @@
     <p:sldId id="313" r:id="rId8"/>
     <p:sldId id="311" r:id="rId9"/>
     <p:sldId id="314" r:id="rId10"/>
-    <p:sldId id="315" r:id="rId11"/>
-    <p:sldId id="316" r:id="rId12"/>
-    <p:sldId id="319" r:id="rId13"/>
-    <p:sldId id="317" r:id="rId14"/>
+    <p:sldId id="320" r:id="rId11"/>
+    <p:sldId id="315" r:id="rId12"/>
+    <p:sldId id="316" r:id="rId13"/>
+    <p:sldId id="319" r:id="rId14"/>
+    <p:sldId id="317" r:id="rId15"/>
   </p:sldIdLst>
   <p:sldSz cx="12192000" cy="6858000"/>
   <p:notesSz cx="6858000" cy="9144000"/>
@@ -1176,7 +1180,7 @@
   <dgm:whole/>
   <dgm:extLst>
     <a:ext uri="http://schemas.microsoft.com/office/drawing/2008/diagram">
-      <dsp:dataModelExt xmlns:dsp="http://schemas.microsoft.com/office/drawing/2008/diagram" relId="rId8" minVer="http://schemas.openxmlformats.org/drawingml/2006/diagram"/>
+      <dsp:dataModelExt xmlns:dsp="http://schemas.microsoft.com/office/drawing/2008/diagram" relId="rId9" minVer="http://schemas.openxmlformats.org/drawingml/2006/diagram"/>
     </a:ext>
   </dgm:extLst>
 </dgm:dataModel>
@@ -2766,6 +2770,778 @@
 </dgm:styleDef>
 </file>
 
+<file path=ppt/notesMasters/notesMaster1.xml><?xml version="1.0" encoding="utf-8"?>
+<p:notesMaster xmlns:a="http://schemas.openxmlformats.org/drawingml/2006/main" xmlns:r="http://schemas.openxmlformats.org/officeDocument/2006/relationships" xmlns:p="http://schemas.openxmlformats.org/presentationml/2006/main">
+  <p:cSld>
+    <p:bg>
+      <p:bgRef idx="1001">
+        <a:schemeClr val="bg1"/>
+      </p:bgRef>
+    </p:bg>
+    <p:spTree>
+      <p:nvGrpSpPr>
+        <p:cNvPr id="1" name=""/>
+        <p:cNvGrpSpPr/>
+        <p:nvPr/>
+      </p:nvGrpSpPr>
+      <p:grpSpPr>
+        <a:xfrm>
+          <a:off x="0" y="0"/>
+          <a:ext cx="0" cy="0"/>
+          <a:chOff x="0" y="0"/>
+          <a:chExt cx="0" cy="0"/>
+        </a:xfrm>
+      </p:grpSpPr>
+      <p:sp>
+        <p:nvSpPr>
+          <p:cNvPr id="2" name="Header Placeholder 1"/>
+          <p:cNvSpPr>
+            <a:spLocks noGrp="1"/>
+          </p:cNvSpPr>
+          <p:nvPr>
+            <p:ph type="hdr" sz="quarter"/>
+          </p:nvPr>
+        </p:nvSpPr>
+        <p:spPr>
+          <a:xfrm>
+            <a:off x="0" y="0"/>
+            <a:ext cx="2971800" cy="458788"/>
+          </a:xfrm>
+          <a:prstGeom prst="rect">
+            <a:avLst/>
+          </a:prstGeom>
+        </p:spPr>
+        <p:txBody>
+          <a:bodyPr vert="horz" lIns="91440" tIns="45720" rIns="91440" bIns="45720" rtlCol="0"/>
+          <a:lstStyle>
+            <a:lvl1pPr algn="l">
+              <a:defRPr sz="1200"/>
+            </a:lvl1pPr>
+          </a:lstStyle>
+          <a:p>
+            <a:endParaRPr lang="en-SG"/>
+          </a:p>
+        </p:txBody>
+      </p:sp>
+      <p:sp>
+        <p:nvSpPr>
+          <p:cNvPr id="3" name="Date Placeholder 2"/>
+          <p:cNvSpPr>
+            <a:spLocks noGrp="1"/>
+          </p:cNvSpPr>
+          <p:nvPr>
+            <p:ph type="dt" idx="1"/>
+          </p:nvPr>
+        </p:nvSpPr>
+        <p:spPr>
+          <a:xfrm>
+            <a:off x="3884613" y="0"/>
+            <a:ext cx="2971800" cy="458788"/>
+          </a:xfrm>
+          <a:prstGeom prst="rect">
+            <a:avLst/>
+          </a:prstGeom>
+        </p:spPr>
+        <p:txBody>
+          <a:bodyPr vert="horz" lIns="91440" tIns="45720" rIns="91440" bIns="45720" rtlCol="0"/>
+          <a:lstStyle>
+            <a:lvl1pPr algn="r">
+              <a:defRPr sz="1200"/>
+            </a:lvl1pPr>
+          </a:lstStyle>
+          <a:p>
+            <a:fld id="{0208A0E9-0051-4371-9031-C0236E965109}" type="datetimeFigureOut">
+              <a:rPr lang="en-SG" smtClean="0"/>
+              <a:t>22/10/2024</a:t>
+            </a:fld>
+            <a:endParaRPr lang="en-SG"/>
+          </a:p>
+        </p:txBody>
+      </p:sp>
+      <p:sp>
+        <p:nvSpPr>
+          <p:cNvPr id="4" name="Slide Image Placeholder 3"/>
+          <p:cNvSpPr>
+            <a:spLocks noGrp="1" noRot="1" noChangeAspect="1"/>
+          </p:cNvSpPr>
+          <p:nvPr>
+            <p:ph type="sldImg" idx="2"/>
+          </p:nvPr>
+        </p:nvSpPr>
+        <p:spPr>
+          <a:xfrm>
+            <a:off x="685800" y="1143000"/>
+            <a:ext cx="5486400" cy="3086100"/>
+          </a:xfrm>
+          <a:prstGeom prst="rect">
+            <a:avLst/>
+          </a:prstGeom>
+          <a:noFill/>
+          <a:ln w="12700">
+            <a:solidFill>
+              <a:prstClr val="black"/>
+            </a:solidFill>
+          </a:ln>
+        </p:spPr>
+        <p:txBody>
+          <a:bodyPr vert="horz" lIns="91440" tIns="45720" rIns="91440" bIns="45720" rtlCol="0" anchor="ctr"/>
+          <a:lstStyle/>
+          <a:p>
+            <a:endParaRPr lang="en-SG"/>
+          </a:p>
+        </p:txBody>
+      </p:sp>
+      <p:sp>
+        <p:nvSpPr>
+          <p:cNvPr id="5" name="Notes Placeholder 4"/>
+          <p:cNvSpPr>
+            <a:spLocks noGrp="1"/>
+          </p:cNvSpPr>
+          <p:nvPr>
+            <p:ph type="body" sz="quarter" idx="3"/>
+          </p:nvPr>
+        </p:nvSpPr>
+        <p:spPr>
+          <a:xfrm>
+            <a:off x="685800" y="4400550"/>
+            <a:ext cx="5486400" cy="3600450"/>
+          </a:xfrm>
+          <a:prstGeom prst="rect">
+            <a:avLst/>
+          </a:prstGeom>
+        </p:spPr>
+        <p:txBody>
+          <a:bodyPr vert="horz" lIns="91440" tIns="45720" rIns="91440" bIns="45720" rtlCol="0"/>
+          <a:lstStyle/>
+          <a:p>
+            <a:pPr lvl="0"/>
+            <a:r>
+              <a:rPr lang="en-US"/>
+              <a:t>Click to edit Master text styles</a:t>
+            </a:r>
+          </a:p>
+          <a:p>
+            <a:pPr lvl="1"/>
+            <a:r>
+              <a:rPr lang="en-US"/>
+              <a:t>Second level</a:t>
+            </a:r>
+          </a:p>
+          <a:p>
+            <a:pPr lvl="2"/>
+            <a:r>
+              <a:rPr lang="en-US"/>
+              <a:t>Third level</a:t>
+            </a:r>
+          </a:p>
+          <a:p>
+            <a:pPr lvl="3"/>
+            <a:r>
+              <a:rPr lang="en-US"/>
+              <a:t>Fourth level</a:t>
+            </a:r>
+          </a:p>
+          <a:p>
+            <a:pPr lvl="4"/>
+            <a:r>
+              <a:rPr lang="en-US"/>
+              <a:t>Fifth level</a:t>
+            </a:r>
+            <a:endParaRPr lang="en-SG"/>
+          </a:p>
+        </p:txBody>
+      </p:sp>
+      <p:sp>
+        <p:nvSpPr>
+          <p:cNvPr id="6" name="Footer Placeholder 5"/>
+          <p:cNvSpPr>
+            <a:spLocks noGrp="1"/>
+          </p:cNvSpPr>
+          <p:nvPr>
+            <p:ph type="ftr" sz="quarter" idx="4"/>
+          </p:nvPr>
+        </p:nvSpPr>
+        <p:spPr>
+          <a:xfrm>
+            <a:off x="0" y="8685213"/>
+            <a:ext cx="2971800" cy="458787"/>
+          </a:xfrm>
+          <a:prstGeom prst="rect">
+            <a:avLst/>
+          </a:prstGeom>
+        </p:spPr>
+        <p:txBody>
+          <a:bodyPr vert="horz" lIns="91440" tIns="45720" rIns="91440" bIns="45720" rtlCol="0" anchor="b"/>
+          <a:lstStyle>
+            <a:lvl1pPr algn="l">
+              <a:defRPr sz="1200"/>
+            </a:lvl1pPr>
+          </a:lstStyle>
+          <a:p>
+            <a:endParaRPr lang="en-SG"/>
+          </a:p>
+        </p:txBody>
+      </p:sp>
+      <p:sp>
+        <p:nvSpPr>
+          <p:cNvPr id="7" name="Slide Number Placeholder 6"/>
+          <p:cNvSpPr>
+            <a:spLocks noGrp="1"/>
+          </p:cNvSpPr>
+          <p:nvPr>
+            <p:ph type="sldNum" sz="quarter" idx="5"/>
+          </p:nvPr>
+        </p:nvSpPr>
+        <p:spPr>
+          <a:xfrm>
+            <a:off x="3884613" y="8685213"/>
+            <a:ext cx="2971800" cy="458787"/>
+          </a:xfrm>
+          <a:prstGeom prst="rect">
+            <a:avLst/>
+          </a:prstGeom>
+        </p:spPr>
+        <p:txBody>
+          <a:bodyPr vert="horz" lIns="91440" tIns="45720" rIns="91440" bIns="45720" rtlCol="0" anchor="b"/>
+          <a:lstStyle>
+            <a:lvl1pPr algn="r">
+              <a:defRPr sz="1200"/>
+            </a:lvl1pPr>
+          </a:lstStyle>
+          <a:p>
+            <a:fld id="{60C63B60-8DDA-4C0D-81A1-3D074C5AABE3}" type="slidenum">
+              <a:rPr lang="en-SG" smtClean="0"/>
+              <a:t>‹#›</a:t>
+            </a:fld>
+            <a:endParaRPr lang="en-SG"/>
+          </a:p>
+        </p:txBody>
+      </p:sp>
+    </p:spTree>
+    <p:extLst>
+      <p:ext uri="{BB962C8B-B14F-4D97-AF65-F5344CB8AC3E}">
+        <p14:creationId xmlns:p14="http://schemas.microsoft.com/office/powerpoint/2010/main" val="3364820773"/>
+      </p:ext>
+    </p:extLst>
+  </p:cSld>
+  <p:clrMap bg1="lt1" tx1="dk1" bg2="lt2" tx2="dk2" accent1="accent1" accent2="accent2" accent3="accent3" accent4="accent4" accent5="accent5" accent6="accent6" hlink="hlink" folHlink="folHlink"/>
+  <p:notesStyle>
+    <a:lvl1pPr marL="0" algn="l" defTabSz="914400" rtl="0" eaLnBrk="1" latinLnBrk="0" hangingPunct="1">
+      <a:defRPr sz="1200" kern="1200">
+        <a:solidFill>
+          <a:schemeClr val="tx1"/>
+        </a:solidFill>
+        <a:latin typeface="+mn-lt"/>
+        <a:ea typeface="+mn-ea"/>
+        <a:cs typeface="+mn-cs"/>
+      </a:defRPr>
+    </a:lvl1pPr>
+    <a:lvl2pPr marL="457200" algn="l" defTabSz="914400" rtl="0" eaLnBrk="1" latinLnBrk="0" hangingPunct="1">
+      <a:defRPr sz="1200" kern="1200">
+        <a:solidFill>
+          <a:schemeClr val="tx1"/>
+        </a:solidFill>
+        <a:latin typeface="+mn-lt"/>
+        <a:ea typeface="+mn-ea"/>
+        <a:cs typeface="+mn-cs"/>
+      </a:defRPr>
+    </a:lvl2pPr>
+    <a:lvl3pPr marL="914400" algn="l" defTabSz="914400" rtl="0" eaLnBrk="1" latinLnBrk="0" hangingPunct="1">
+      <a:defRPr sz="1200" kern="1200">
+        <a:solidFill>
+          <a:schemeClr val="tx1"/>
+        </a:solidFill>
+        <a:latin typeface="+mn-lt"/>
+        <a:ea typeface="+mn-ea"/>
+        <a:cs typeface="+mn-cs"/>
+      </a:defRPr>
+    </a:lvl3pPr>
+    <a:lvl4pPr marL="1371600" algn="l" defTabSz="914400" rtl="0" eaLnBrk="1" latinLnBrk="0" hangingPunct="1">
+      <a:defRPr sz="1200" kern="1200">
+        <a:solidFill>
+          <a:schemeClr val="tx1"/>
+        </a:solidFill>
+        <a:latin typeface="+mn-lt"/>
+        <a:ea typeface="+mn-ea"/>
+        <a:cs typeface="+mn-cs"/>
+      </a:defRPr>
+    </a:lvl4pPr>
+    <a:lvl5pPr marL="1828800" algn="l" defTabSz="914400" rtl="0" eaLnBrk="1" latinLnBrk="0" hangingPunct="1">
+      <a:defRPr sz="1200" kern="1200">
+        <a:solidFill>
+          <a:schemeClr val="tx1"/>
+        </a:solidFill>
+        <a:latin typeface="+mn-lt"/>
+        <a:ea typeface="+mn-ea"/>
+        <a:cs typeface="+mn-cs"/>
+      </a:defRPr>
+    </a:lvl5pPr>
+    <a:lvl6pPr marL="2286000" algn="l" defTabSz="914400" rtl="0" eaLnBrk="1" latinLnBrk="0" hangingPunct="1">
+      <a:defRPr sz="1200" kern="1200">
+        <a:solidFill>
+          <a:schemeClr val="tx1"/>
+        </a:solidFill>
+        <a:latin typeface="+mn-lt"/>
+        <a:ea typeface="+mn-ea"/>
+        <a:cs typeface="+mn-cs"/>
+      </a:defRPr>
+    </a:lvl6pPr>
+    <a:lvl7pPr marL="2743200" algn="l" defTabSz="914400" rtl="0" eaLnBrk="1" latinLnBrk="0" hangingPunct="1">
+      <a:defRPr sz="1200" kern="1200">
+        <a:solidFill>
+          <a:schemeClr val="tx1"/>
+        </a:solidFill>
+        <a:latin typeface="+mn-lt"/>
+        <a:ea typeface="+mn-ea"/>
+        <a:cs typeface="+mn-cs"/>
+      </a:defRPr>
+    </a:lvl7pPr>
+    <a:lvl8pPr marL="3200400" algn="l" defTabSz="914400" rtl="0" eaLnBrk="1" latinLnBrk="0" hangingPunct="1">
+      <a:defRPr sz="1200" kern="1200">
+        <a:solidFill>
+          <a:schemeClr val="tx1"/>
+        </a:solidFill>
+        <a:latin typeface="+mn-lt"/>
+        <a:ea typeface="+mn-ea"/>
+        <a:cs typeface="+mn-cs"/>
+      </a:defRPr>
+    </a:lvl8pPr>
+    <a:lvl9pPr marL="3657600" algn="l" defTabSz="914400" rtl="0" eaLnBrk="1" latinLnBrk="0" hangingPunct="1">
+      <a:defRPr sz="1200" kern="1200">
+        <a:solidFill>
+          <a:schemeClr val="tx1"/>
+        </a:solidFill>
+        <a:latin typeface="+mn-lt"/>
+        <a:ea typeface="+mn-ea"/>
+        <a:cs typeface="+mn-cs"/>
+      </a:defRPr>
+    </a:lvl9pPr>
+  </p:notesStyle>
+</p:notesMaster>
+</file>
+
+<file path=ppt/notesSlides/notesSlide1.xml><?xml version="1.0" encoding="utf-8"?>
+<p:notes xmlns:a="http://schemas.openxmlformats.org/drawingml/2006/main" xmlns:r="http://schemas.openxmlformats.org/officeDocument/2006/relationships" xmlns:p="http://schemas.openxmlformats.org/presentationml/2006/main">
+  <p:cSld>
+    <p:spTree>
+      <p:nvGrpSpPr>
+        <p:cNvPr id="1" name=""/>
+        <p:cNvGrpSpPr/>
+        <p:nvPr/>
+      </p:nvGrpSpPr>
+      <p:grpSpPr>
+        <a:xfrm>
+          <a:off x="0" y="0"/>
+          <a:ext cx="0" cy="0"/>
+          <a:chOff x="0" y="0"/>
+          <a:chExt cx="0" cy="0"/>
+        </a:xfrm>
+      </p:grpSpPr>
+      <p:sp>
+        <p:nvSpPr>
+          <p:cNvPr id="2" name="Slide Image Placeholder 1"/>
+          <p:cNvSpPr>
+            <a:spLocks noGrp="1" noRot="1" noChangeAspect="1"/>
+          </p:cNvSpPr>
+          <p:nvPr>
+            <p:ph type="sldImg"/>
+          </p:nvPr>
+        </p:nvSpPr>
+        <p:spPr/>
+      </p:sp>
+      <p:sp>
+        <p:nvSpPr>
+          <p:cNvPr id="3" name="Notes Placeholder 2"/>
+          <p:cNvSpPr>
+            <a:spLocks noGrp="1"/>
+          </p:cNvSpPr>
+          <p:nvPr>
+            <p:ph type="body" idx="1"/>
+          </p:nvPr>
+        </p:nvSpPr>
+        <p:spPr/>
+        <p:txBody>
+          <a:bodyPr/>
+          <a:lstStyle/>
+          <a:p>
+            <a:endParaRPr lang="en-SG" dirty="0"/>
+          </a:p>
+          <a:p>
+            <a:endParaRPr lang="en-SG" dirty="0"/>
+          </a:p>
+          <a:p>
+            <a:endParaRPr lang="en-SG" dirty="0"/>
+          </a:p>
+          <a:p>
+            <a:endParaRPr lang="en-SG" dirty="0"/>
+          </a:p>
+          <a:p>
+            <a:endParaRPr lang="en-SG" dirty="0"/>
+          </a:p>
+          <a:p>
+            <a:r>
+              <a:rPr lang="en-SG" dirty="0"/>
+              <a:t>Having logs was useful for viewing if the </a:t>
+            </a:r>
+            <a:r>
+              <a:rPr lang="en-SG" dirty="0" err="1"/>
+              <a:t>cloudflare</a:t>
+            </a:r>
+            <a:r>
+              <a:rPr lang="en-SG" dirty="0"/>
+              <a:t> worker was able to access key value store and if the caching mechanism was working as expected. Are there hits or only misses that result in frequent recalculation. Without these logs I would have missed out a key caching failure that I was able to catch just in time. </a:t>
+            </a:r>
+          </a:p>
+        </p:txBody>
+      </p:sp>
+      <p:sp>
+        <p:nvSpPr>
+          <p:cNvPr id="4" name="Slide Number Placeholder 3"/>
+          <p:cNvSpPr>
+            <a:spLocks noGrp="1"/>
+          </p:cNvSpPr>
+          <p:nvPr>
+            <p:ph type="sldNum" sz="quarter" idx="5"/>
+          </p:nvPr>
+        </p:nvSpPr>
+        <p:spPr/>
+        <p:txBody>
+          <a:bodyPr/>
+          <a:lstStyle/>
+          <a:p>
+            <a:fld id="{60C63B60-8DDA-4C0D-81A1-3D074C5AABE3}" type="slidenum">
+              <a:rPr lang="en-SG" smtClean="0"/>
+              <a:t>6</a:t>
+            </a:fld>
+            <a:endParaRPr lang="en-SG"/>
+          </a:p>
+        </p:txBody>
+      </p:sp>
+    </p:spTree>
+    <p:extLst>
+      <p:ext uri="{BB962C8B-B14F-4D97-AF65-F5344CB8AC3E}">
+        <p14:creationId xmlns:p14="http://schemas.microsoft.com/office/powerpoint/2010/main" val="2591994284"/>
+      </p:ext>
+    </p:extLst>
+  </p:cSld>
+  <p:clrMapOvr>
+    <a:masterClrMapping/>
+  </p:clrMapOvr>
+</p:notes>
+</file>
+
+<file path=ppt/notesSlides/notesSlide2.xml><?xml version="1.0" encoding="utf-8"?>
+<p:notes xmlns:a="http://schemas.openxmlformats.org/drawingml/2006/main" xmlns:r="http://schemas.openxmlformats.org/officeDocument/2006/relationships" xmlns:p="http://schemas.openxmlformats.org/presentationml/2006/main">
+  <p:cSld>
+    <p:spTree>
+      <p:nvGrpSpPr>
+        <p:cNvPr id="1" name=""/>
+        <p:cNvGrpSpPr/>
+        <p:nvPr/>
+      </p:nvGrpSpPr>
+      <p:grpSpPr>
+        <a:xfrm>
+          <a:off x="0" y="0"/>
+          <a:ext cx="0" cy="0"/>
+          <a:chOff x="0" y="0"/>
+          <a:chExt cx="0" cy="0"/>
+        </a:xfrm>
+      </p:grpSpPr>
+      <p:sp>
+        <p:nvSpPr>
+          <p:cNvPr id="2" name="Slide Image Placeholder 1"/>
+          <p:cNvSpPr>
+            <a:spLocks noGrp="1" noRot="1" noChangeAspect="1"/>
+          </p:cNvSpPr>
+          <p:nvPr>
+            <p:ph type="sldImg"/>
+          </p:nvPr>
+        </p:nvSpPr>
+        <p:spPr/>
+      </p:sp>
+      <p:sp>
+        <p:nvSpPr>
+          <p:cNvPr id="3" name="Notes Placeholder 2"/>
+          <p:cNvSpPr>
+            <a:spLocks noGrp="1"/>
+          </p:cNvSpPr>
+          <p:nvPr>
+            <p:ph type="body" idx="1"/>
+          </p:nvPr>
+        </p:nvSpPr>
+        <p:spPr/>
+        <p:txBody>
+          <a:bodyPr/>
+          <a:lstStyle/>
+          <a:p>
+            <a:r>
+              <a:rPr lang="en-SG" dirty="0"/>
+              <a:t>https://developers.cloudflare.com/turnstile/ </a:t>
+            </a:r>
+          </a:p>
+          <a:p>
+            <a:endParaRPr lang="en-SG" dirty="0"/>
+          </a:p>
+          <a:p>
+            <a:endParaRPr lang="en-SG" dirty="0"/>
+          </a:p>
+          <a:p>
+            <a:endParaRPr lang="en-SG" dirty="0"/>
+          </a:p>
+          <a:p>
+            <a:r>
+              <a:rPr lang="en-SG" dirty="0"/>
+              <a:t>https://blog.cloudflare.com/end-cloudflare-captcha/</a:t>
+            </a:r>
+          </a:p>
+          <a:p>
+            <a:endParaRPr lang="en-SG" dirty="0"/>
+          </a:p>
+          <a:p>
+            <a:endParaRPr lang="en-SG" dirty="0"/>
+          </a:p>
+          <a:p>
+            <a:endParaRPr lang="en-SG" dirty="0"/>
+          </a:p>
+          <a:p>
+            <a:r>
+              <a:rPr lang="en-SG" dirty="0"/>
+              <a:t>While I was crafting the design, I was also researching about </a:t>
+            </a:r>
+            <a:r>
+              <a:rPr lang="en-SG" dirty="0" err="1"/>
+              <a:t>cloudflare</a:t>
+            </a:r>
+            <a:r>
+              <a:rPr lang="en-SG" dirty="0"/>
+              <a:t> features and models and found that my final design had a striking resemblance to the turnstile feature architecture which is similar to the captcha technology we are all too familiar with. It also has a widget that is the challenge similar to the </a:t>
+            </a:r>
+            <a:r>
+              <a:rPr lang="en-SG" dirty="0" err="1"/>
+              <a:t>tictactoe</a:t>
+            </a:r>
+            <a:r>
+              <a:rPr lang="en-SG" dirty="0"/>
+              <a:t> and the website fetches the challenge and </a:t>
+            </a:r>
+            <a:r>
+              <a:rPr lang="en-SG" dirty="0" err="1"/>
+              <a:t>verificiaotin</a:t>
+            </a:r>
+            <a:r>
+              <a:rPr lang="en-SG" dirty="0"/>
+              <a:t> of challenge results from an origin server. </a:t>
+            </a:r>
+          </a:p>
+          <a:p>
+            <a:endParaRPr lang="en-SG" dirty="0"/>
+          </a:p>
+        </p:txBody>
+      </p:sp>
+      <p:sp>
+        <p:nvSpPr>
+          <p:cNvPr id="4" name="Slide Number Placeholder 3"/>
+          <p:cNvSpPr>
+            <a:spLocks noGrp="1"/>
+          </p:cNvSpPr>
+          <p:nvPr>
+            <p:ph type="sldNum" sz="quarter" idx="5"/>
+          </p:nvPr>
+        </p:nvSpPr>
+        <p:spPr/>
+        <p:txBody>
+          <a:bodyPr/>
+          <a:lstStyle/>
+          <a:p>
+            <a:fld id="{60C63B60-8DDA-4C0D-81A1-3D074C5AABE3}" type="slidenum">
+              <a:rPr lang="en-SG" smtClean="0"/>
+              <a:t>7</a:t>
+            </a:fld>
+            <a:endParaRPr lang="en-SG"/>
+          </a:p>
+        </p:txBody>
+      </p:sp>
+    </p:spTree>
+    <p:extLst>
+      <p:ext uri="{BB962C8B-B14F-4D97-AF65-F5344CB8AC3E}">
+        <p14:creationId xmlns:p14="http://schemas.microsoft.com/office/powerpoint/2010/main" val="623264865"/>
+      </p:ext>
+    </p:extLst>
+  </p:cSld>
+  <p:clrMapOvr>
+    <a:masterClrMapping/>
+  </p:clrMapOvr>
+</p:notes>
+</file>
+
+<file path=ppt/notesSlides/notesSlide3.xml><?xml version="1.0" encoding="utf-8"?>
+<p:notes xmlns:a="http://schemas.openxmlformats.org/drawingml/2006/main" xmlns:r="http://schemas.openxmlformats.org/officeDocument/2006/relationships" xmlns:p="http://schemas.openxmlformats.org/presentationml/2006/main">
+  <p:cSld>
+    <p:spTree>
+      <p:nvGrpSpPr>
+        <p:cNvPr id="1" name=""/>
+        <p:cNvGrpSpPr/>
+        <p:nvPr/>
+      </p:nvGrpSpPr>
+      <p:grpSpPr>
+        <a:xfrm>
+          <a:off x="0" y="0"/>
+          <a:ext cx="0" cy="0"/>
+          <a:chOff x="0" y="0"/>
+          <a:chExt cx="0" cy="0"/>
+        </a:xfrm>
+      </p:grpSpPr>
+      <p:sp>
+        <p:nvSpPr>
+          <p:cNvPr id="2" name="Slide Image Placeholder 1"/>
+          <p:cNvSpPr>
+            <a:spLocks noGrp="1" noRot="1" noChangeAspect="1"/>
+          </p:cNvSpPr>
+          <p:nvPr>
+            <p:ph type="sldImg"/>
+          </p:nvPr>
+        </p:nvSpPr>
+        <p:spPr/>
+      </p:sp>
+      <p:sp>
+        <p:nvSpPr>
+          <p:cNvPr id="3" name="Notes Placeholder 2"/>
+          <p:cNvSpPr>
+            <a:spLocks noGrp="1"/>
+          </p:cNvSpPr>
+          <p:nvPr>
+            <p:ph type="body" idx="1"/>
+          </p:nvPr>
+        </p:nvSpPr>
+        <p:spPr/>
+        <p:txBody>
+          <a:bodyPr/>
+          <a:lstStyle/>
+          <a:p>
+            <a:endParaRPr lang="en-SG" dirty="0"/>
+          </a:p>
+        </p:txBody>
+      </p:sp>
+      <p:sp>
+        <p:nvSpPr>
+          <p:cNvPr id="4" name="Slide Number Placeholder 3"/>
+          <p:cNvSpPr>
+            <a:spLocks noGrp="1"/>
+          </p:cNvSpPr>
+          <p:nvPr>
+            <p:ph type="sldNum" sz="quarter" idx="5"/>
+          </p:nvPr>
+        </p:nvSpPr>
+        <p:spPr/>
+        <p:txBody>
+          <a:bodyPr/>
+          <a:lstStyle/>
+          <a:p>
+            <a:fld id="{60C63B60-8DDA-4C0D-81A1-3D074C5AABE3}" type="slidenum">
+              <a:rPr lang="en-SG" smtClean="0"/>
+              <a:t>8</a:t>
+            </a:fld>
+            <a:endParaRPr lang="en-SG"/>
+          </a:p>
+        </p:txBody>
+      </p:sp>
+    </p:spTree>
+    <p:extLst>
+      <p:ext uri="{BB962C8B-B14F-4D97-AF65-F5344CB8AC3E}">
+        <p14:creationId xmlns:p14="http://schemas.microsoft.com/office/powerpoint/2010/main" val="1491189070"/>
+      </p:ext>
+    </p:extLst>
+  </p:cSld>
+  <p:clrMapOvr>
+    <a:masterClrMapping/>
+  </p:clrMapOvr>
+</p:notes>
+</file>
+
+<file path=ppt/notesSlides/notesSlide4.xml><?xml version="1.0" encoding="utf-8"?>
+<p:notes xmlns:a="http://schemas.openxmlformats.org/drawingml/2006/main" xmlns:r="http://schemas.openxmlformats.org/officeDocument/2006/relationships" xmlns:p="http://schemas.openxmlformats.org/presentationml/2006/main">
+  <p:cSld>
+    <p:spTree>
+      <p:nvGrpSpPr>
+        <p:cNvPr id="1" name=""/>
+        <p:cNvGrpSpPr/>
+        <p:nvPr/>
+      </p:nvGrpSpPr>
+      <p:grpSpPr>
+        <a:xfrm>
+          <a:off x="0" y="0"/>
+          <a:ext cx="0" cy="0"/>
+          <a:chOff x="0" y="0"/>
+          <a:chExt cx="0" cy="0"/>
+        </a:xfrm>
+      </p:grpSpPr>
+      <p:sp>
+        <p:nvSpPr>
+          <p:cNvPr id="2" name="Slide Image Placeholder 1"/>
+          <p:cNvSpPr>
+            <a:spLocks noGrp="1" noRot="1" noChangeAspect="1"/>
+          </p:cNvSpPr>
+          <p:nvPr>
+            <p:ph type="sldImg"/>
+          </p:nvPr>
+        </p:nvSpPr>
+        <p:spPr/>
+      </p:sp>
+      <p:sp>
+        <p:nvSpPr>
+          <p:cNvPr id="3" name="Notes Placeholder 2"/>
+          <p:cNvSpPr>
+            <a:spLocks noGrp="1"/>
+          </p:cNvSpPr>
+          <p:nvPr>
+            <p:ph type="body" idx="1"/>
+          </p:nvPr>
+        </p:nvSpPr>
+        <p:spPr/>
+        <p:txBody>
+          <a:bodyPr/>
+          <a:lstStyle/>
+          <a:p>
+            <a:endParaRPr lang="en-SG" dirty="0"/>
+          </a:p>
+        </p:txBody>
+      </p:sp>
+      <p:sp>
+        <p:nvSpPr>
+          <p:cNvPr id="4" name="Slide Number Placeholder 3"/>
+          <p:cNvSpPr>
+            <a:spLocks noGrp="1"/>
+          </p:cNvSpPr>
+          <p:nvPr>
+            <p:ph type="sldNum" sz="quarter" idx="5"/>
+          </p:nvPr>
+        </p:nvSpPr>
+        <p:spPr/>
+        <p:txBody>
+          <a:bodyPr/>
+          <a:lstStyle/>
+          <a:p>
+            <a:fld id="{60C63B60-8DDA-4C0D-81A1-3D074C5AABE3}" type="slidenum">
+              <a:rPr lang="en-SG" smtClean="0"/>
+              <a:t>10</a:t>
+            </a:fld>
+            <a:endParaRPr lang="en-SG"/>
+          </a:p>
+        </p:txBody>
+      </p:sp>
+    </p:spTree>
+    <p:extLst>
+      <p:ext uri="{BB962C8B-B14F-4D97-AF65-F5344CB8AC3E}">
+        <p14:creationId xmlns:p14="http://schemas.microsoft.com/office/powerpoint/2010/main" val="1461974426"/>
+      </p:ext>
+    </p:extLst>
+  </p:cSld>
+  <p:clrMapOvr>
+    <a:masterClrMapping/>
+  </p:clrMapOvr>
+</p:notes>
+</file>
+
 <file path=ppt/slideLayouts/slideLayout1.xml><?xml version="1.0" encoding="utf-8"?>
 <p:sldLayout xmlns:a="http://schemas.openxmlformats.org/drawingml/2006/main" xmlns:r="http://schemas.openxmlformats.org/officeDocument/2006/relationships" xmlns:p="http://schemas.openxmlformats.org/presentationml/2006/main" showMasterSp="0" type="title" preserve="1">
   <p:cSld name="Title Slide">
@@ -3010,7 +3786,7 @@
           <a:p>
             <a:fld id="{9184DA70-C731-4C70-880D-CCD4705E623C}" type="datetime1">
               <a:rPr lang="en-US" smtClean="0"/>
-              <a:t>10/11/2024</a:t>
+              <a:t>10/22/2024</a:t>
             </a:fld>
             <a:endParaRPr lang="en-US" dirty="0"/>
           </a:p>
@@ -3198,7 +3974,7 @@
           <a:p>
             <a:fld id="{4BE1D723-8F53-4F53-90B0-1982A396982E}" type="datetime1">
               <a:rPr lang="en-US" smtClean="0"/>
-              <a:t>10/11/2024</a:t>
+              <a:t>10/22/2024</a:t>
             </a:fld>
             <a:endParaRPr lang="en-US" dirty="0"/>
           </a:p>
@@ -3571,7 +4347,7 @@
           <a:p>
             <a:fld id="{97669AF7-7BEB-44E4-9852-375E34362B5B}" type="datetime1">
               <a:rPr lang="en-US" smtClean="0"/>
-              <a:t>10/11/2024</a:t>
+              <a:t>10/22/2024</a:t>
             </a:fld>
             <a:endParaRPr lang="en-US" dirty="0"/>
           </a:p>
@@ -3826,7 +4602,7 @@
           <a:p>
             <a:fld id="{BAAAC38D-0552-4C82-B593-E6124DFADBE2}" type="datetime1">
               <a:rPr lang="en-US" smtClean="0"/>
-              <a:t>10/11/2024</a:t>
+              <a:t>10/22/2024</a:t>
             </a:fld>
             <a:endParaRPr lang="en-US" dirty="0"/>
           </a:p>
@@ -4223,7 +4999,7 @@
           <a:p>
             <a:fld id="{D9DF0F1C-5577-4ACB-BB62-DF8F3C494C7E}" type="datetime1">
               <a:rPr lang="en-US" smtClean="0"/>
-              <a:t>10/11/2024</a:t>
+              <a:t>10/22/2024</a:t>
             </a:fld>
             <a:endParaRPr lang="en-US" dirty="0"/>
           </a:p>
@@ -4359,7 +5135,7 @@
           <a:p>
             <a:fld id="{1775B394-D9F9-4F0C-B15D-605F45CB9E9F}" type="datetime1">
               <a:rPr lang="en-US" smtClean="0"/>
-              <a:t>10/11/2024</a:t>
+              <a:t>10/22/2024</a:t>
             </a:fld>
             <a:endParaRPr lang="en-US" dirty="0"/>
           </a:p>
@@ -4516,7 +5292,7 @@
           <a:p>
             <a:fld id="{39667345-2558-425A-8533-9BFDBCE15005}" type="datetime1">
               <a:rPr lang="en-US" smtClean="0"/>
-              <a:t>10/11/2024</a:t>
+              <a:t>10/22/2024</a:t>
             </a:fld>
             <a:endParaRPr lang="en-US" dirty="0"/>
           </a:p>
@@ -4845,7 +5621,7 @@
           <a:p>
             <a:fld id="{92BEA474-078D-4E9B-9B14-09A87B19DC46}" type="datetime1">
               <a:rPr lang="en-US" smtClean="0"/>
-              <a:t>10/11/2024</a:t>
+              <a:t>10/22/2024</a:t>
             </a:fld>
             <a:endParaRPr lang="en-US" dirty="0"/>
           </a:p>
@@ -5195,7 +5971,7 @@
           <a:p>
             <a:fld id="{4907D986-8816-4272-A432-0437A28A9828}" type="datetime1">
               <a:rPr lang="en-US" smtClean="0"/>
-              <a:t>10/11/2024</a:t>
+              <a:t>10/22/2024</a:t>
             </a:fld>
             <a:endParaRPr lang="en-US" dirty="0"/>
           </a:p>
@@ -5456,7 +6232,7 @@
           <a:p>
             <a:fld id="{62D6E202-B606-4609-B914-27C9371A1F6D}" type="datetime1">
               <a:rPr lang="en-US" smtClean="0"/>
-              <a:t>10/11/2024</a:t>
+              <a:t>10/22/2024</a:t>
             </a:fld>
             <a:endParaRPr lang="en-US" dirty="0"/>
           </a:p>
@@ -6286,6 +7062,485 @@
       </p:grpSpPr>
       <p:sp>
         <p:nvSpPr>
+          <p:cNvPr id="11" name="Rectangle 10">
+            <a:extLst>
+              <a:ext uri="{FF2B5EF4-FFF2-40B4-BE49-F238E27FC236}">
+                <a16:creationId xmlns:a16="http://schemas.microsoft.com/office/drawing/2014/main" id="{416A0E3C-60E6-4F39-BC55-5F7C224E1F7C}"/>
+              </a:ext>
+              <a:ext uri="{C183D7F6-B498-43B3-948B-1728B52AA6E4}">
+                <adec:decorative xmlns:adec="http://schemas.microsoft.com/office/drawing/2017/decorative" val="1"/>
+              </a:ext>
+            </a:extLst>
+          </p:cNvPr>
+          <p:cNvSpPr>
+            <a:spLocks noGrp="1" noRot="1" noChangeAspect="1" noMove="1" noResize="1" noEditPoints="1" noAdjustHandles="1" noChangeArrowheads="1" noChangeShapeType="1" noTextEdit="1"/>
+          </p:cNvSpPr>
+          <p:nvPr>
+            <p:extLst>
+              <p:ext uri="{386F3935-93C4-4BCD-93E2-E3B085C9AB24}">
+                <p16:designElem xmlns:p16="http://schemas.microsoft.com/office/powerpoint/2015/main" val="1"/>
+              </p:ext>
+            </p:extLst>
+          </p:nvPr>
+        </p:nvSpPr>
+        <p:spPr>
+          <a:xfrm>
+            <a:off x="3175" y="6400800"/>
+            <a:ext cx="12188825" cy="457200"/>
+          </a:xfrm>
+          <a:prstGeom prst="rect">
+            <a:avLst/>
+          </a:prstGeom>
+          <a:solidFill>
+            <a:srgbClr val="262626"/>
+          </a:solidFill>
+          <a:ln>
+            <a:noFill/>
+          </a:ln>
+        </p:spPr>
+        <p:style>
+          <a:lnRef idx="2">
+            <a:schemeClr val="accent1">
+              <a:shade val="50000"/>
+            </a:schemeClr>
+          </a:lnRef>
+          <a:fillRef idx="1">
+            <a:schemeClr val="accent1"/>
+          </a:fillRef>
+          <a:effectRef idx="0">
+            <a:schemeClr val="accent1"/>
+          </a:effectRef>
+          <a:fontRef idx="minor">
+            <a:schemeClr val="lt1"/>
+          </a:fontRef>
+        </p:style>
+        <p:txBody>
+          <a:bodyPr/>
+          <a:lstStyle/>
+          <a:p>
+            <a:endParaRPr lang="en-SG"/>
+          </a:p>
+        </p:txBody>
+      </p:sp>
+      <p:cxnSp>
+        <p:nvCxnSpPr>
+          <p:cNvPr id="13" name="Straight Connector 12">
+            <a:extLst>
+              <a:ext uri="{FF2B5EF4-FFF2-40B4-BE49-F238E27FC236}">
+                <a16:creationId xmlns:a16="http://schemas.microsoft.com/office/drawing/2014/main" id="{C5025DAC-8B93-4160-B017-3A274A5828C0}"/>
+              </a:ext>
+              <a:ext uri="{C183D7F6-B498-43B3-948B-1728B52AA6E4}">
+                <adec:decorative xmlns:adec="http://schemas.microsoft.com/office/drawing/2017/decorative" val="1"/>
+              </a:ext>
+            </a:extLst>
+          </p:cNvPr>
+          <p:cNvCxnSpPr>
+            <a:cxnSpLocks noGrp="1" noRot="1" noChangeAspect="1" noMove="1" noResize="1" noEditPoints="1" noAdjustHandles="1" noChangeArrowheads="1" noChangeShapeType="1"/>
+          </p:cNvCxnSpPr>
+          <p:nvPr>
+            <p:extLst>
+              <p:ext uri="{386F3935-93C4-4BCD-93E2-E3B085C9AB24}">
+                <p16:designElem xmlns:p16="http://schemas.microsoft.com/office/powerpoint/2015/main" val="1"/>
+              </p:ext>
+            </p:extLst>
+          </p:nvPr>
+        </p:nvCxnSpPr>
+        <p:spPr>
+          <a:xfrm>
+            <a:off x="1193532" y="1897380"/>
+            <a:ext cx="9966960" cy="0"/>
+          </a:xfrm>
+          <a:prstGeom prst="line">
+            <a:avLst/>
+          </a:prstGeom>
+          <a:ln w="12700">
+            <a:solidFill>
+              <a:schemeClr val="tx1">
+                <a:lumMod val="75000"/>
+                <a:lumOff val="25000"/>
+              </a:schemeClr>
+            </a:solidFill>
+          </a:ln>
+        </p:spPr>
+        <p:style>
+          <a:lnRef idx="1">
+            <a:schemeClr val="accent1"/>
+          </a:lnRef>
+          <a:fillRef idx="0">
+            <a:schemeClr val="accent1"/>
+          </a:fillRef>
+          <a:effectRef idx="0">
+            <a:schemeClr val="accent1"/>
+          </a:effectRef>
+          <a:fontRef idx="minor">
+            <a:schemeClr val="tx1"/>
+          </a:fontRef>
+        </p:style>
+      </p:cxnSp>
+      <p:sp>
+        <p:nvSpPr>
+          <p:cNvPr id="15" name="Rectangle 14">
+            <a:extLst>
+              <a:ext uri="{FF2B5EF4-FFF2-40B4-BE49-F238E27FC236}">
+                <a16:creationId xmlns:a16="http://schemas.microsoft.com/office/drawing/2014/main" id="{E844E128-FF69-4E9F-8327-6B504B3C5AE1}"/>
+              </a:ext>
+              <a:ext uri="{C183D7F6-B498-43B3-948B-1728B52AA6E4}">
+                <adec:decorative xmlns:adec="http://schemas.microsoft.com/office/drawing/2017/decorative" val="1"/>
+              </a:ext>
+            </a:extLst>
+          </p:cNvPr>
+          <p:cNvSpPr>
+            <a:spLocks noGrp="1" noRot="1" noChangeAspect="1" noMove="1" noResize="1" noEditPoints="1" noAdjustHandles="1" noChangeArrowheads="1" noChangeShapeType="1" noTextEdit="1"/>
+          </p:cNvSpPr>
+          <p:nvPr>
+            <p:extLst>
+              <p:ext uri="{386F3935-93C4-4BCD-93E2-E3B085C9AB24}">
+                <p16:designElem xmlns:p16="http://schemas.microsoft.com/office/powerpoint/2015/main" val="1"/>
+              </p:ext>
+            </p:extLst>
+          </p:nvPr>
+        </p:nvSpPr>
+        <p:spPr bwMode="white">
+          <a:xfrm>
+            <a:off x="15" y="0"/>
+            <a:ext cx="12191985" cy="6858000"/>
+          </a:xfrm>
+          <a:prstGeom prst="rect">
+            <a:avLst/>
+          </a:prstGeom>
+          <a:solidFill>
+            <a:schemeClr val="bg1">
+              <a:lumMod val="85000"/>
+              <a:lumOff val="15000"/>
+            </a:schemeClr>
+          </a:solidFill>
+          <a:ln>
+            <a:noFill/>
+          </a:ln>
+        </p:spPr>
+        <p:style>
+          <a:lnRef idx="2">
+            <a:schemeClr val="accent1">
+              <a:shade val="50000"/>
+            </a:schemeClr>
+          </a:lnRef>
+          <a:fillRef idx="1">
+            <a:schemeClr val="accent1"/>
+          </a:fillRef>
+          <a:effectRef idx="0">
+            <a:schemeClr val="accent1"/>
+          </a:effectRef>
+          <a:fontRef idx="minor">
+            <a:schemeClr val="lt1"/>
+          </a:fontRef>
+        </p:style>
+        <p:txBody>
+          <a:bodyPr/>
+          <a:lstStyle/>
+          <a:p>
+            <a:endParaRPr lang="en-SG"/>
+          </a:p>
+        </p:txBody>
+      </p:sp>
+      <p:sp>
+        <p:nvSpPr>
+          <p:cNvPr id="3" name="Title 2">
+            <a:extLst>
+              <a:ext uri="{FF2B5EF4-FFF2-40B4-BE49-F238E27FC236}">
+                <a16:creationId xmlns:a16="http://schemas.microsoft.com/office/drawing/2014/main" id="{CD8C1513-6C96-BCC5-2E02-C213F3976493}"/>
+              </a:ext>
+            </a:extLst>
+          </p:cNvPr>
+          <p:cNvSpPr>
+            <a:spLocks noGrp="1"/>
+          </p:cNvSpPr>
+          <p:nvPr>
+            <p:ph type="title"/>
+          </p:nvPr>
+        </p:nvSpPr>
+        <p:spPr>
+          <a:xfrm>
+            <a:off x="1097280" y="516835"/>
+            <a:ext cx="5977937" cy="1666501"/>
+          </a:xfrm>
+        </p:spPr>
+        <p:txBody>
+          <a:bodyPr vert="horz" lIns="91440" tIns="45720" rIns="91440" bIns="45720" rtlCol="0" anchor="b">
+            <a:normAutofit/>
+          </a:bodyPr>
+          <a:lstStyle/>
+          <a:p>
+            <a:r>
+              <a:rPr lang="en-US" sz="4000">
+                <a:solidFill>
+                  <a:schemeClr val="tx1"/>
+                </a:solidFill>
+              </a:rPr>
+              <a:t>Challenges</a:t>
+            </a:r>
+          </a:p>
+        </p:txBody>
+      </p:sp>
+      <p:cxnSp>
+        <p:nvCxnSpPr>
+          <p:cNvPr id="17" name="Straight Connector 16">
+            <a:extLst>
+              <a:ext uri="{FF2B5EF4-FFF2-40B4-BE49-F238E27FC236}">
+                <a16:creationId xmlns:a16="http://schemas.microsoft.com/office/drawing/2014/main" id="{055CEADF-09EA-423C-8C45-F94AF44D5AF0}"/>
+              </a:ext>
+              <a:ext uri="{C183D7F6-B498-43B3-948B-1728B52AA6E4}">
+                <adec:decorative xmlns:adec="http://schemas.microsoft.com/office/drawing/2017/decorative" val="1"/>
+              </a:ext>
+            </a:extLst>
+          </p:cNvPr>
+          <p:cNvCxnSpPr>
+            <a:cxnSpLocks noGrp="1" noRot="1" noChangeAspect="1" noMove="1" noResize="1" noEditPoints="1" noAdjustHandles="1" noChangeArrowheads="1" noChangeShapeType="1"/>
+          </p:cNvCxnSpPr>
+          <p:nvPr>
+            <p:extLst>
+              <p:ext uri="{386F3935-93C4-4BCD-93E2-E3B085C9AB24}">
+                <p16:designElem xmlns:p16="http://schemas.microsoft.com/office/powerpoint/2015/main" val="1"/>
+              </p:ext>
+            </p:extLst>
+          </p:nvPr>
+        </p:nvCxnSpPr>
+        <p:spPr>
+          <a:xfrm>
+            <a:off x="1215896" y="2353592"/>
+            <a:ext cx="5303520" cy="0"/>
+          </a:xfrm>
+          <a:prstGeom prst="line">
+            <a:avLst/>
+          </a:prstGeom>
+          <a:ln w="19050">
+            <a:solidFill>
+              <a:schemeClr val="accent1"/>
+            </a:solidFill>
+          </a:ln>
+        </p:spPr>
+        <p:style>
+          <a:lnRef idx="1">
+            <a:schemeClr val="accent1"/>
+          </a:lnRef>
+          <a:fillRef idx="0">
+            <a:schemeClr val="accent1"/>
+          </a:fillRef>
+          <a:effectRef idx="0">
+            <a:schemeClr val="accent1"/>
+          </a:effectRef>
+          <a:fontRef idx="minor">
+            <a:schemeClr val="tx1"/>
+          </a:fontRef>
+        </p:style>
+      </p:cxnSp>
+      <p:pic>
+        <p:nvPicPr>
+          <p:cNvPr id="6" name="Picture 5">
+            <a:extLst>
+              <a:ext uri="{FF2B5EF4-FFF2-40B4-BE49-F238E27FC236}">
+                <a16:creationId xmlns:a16="http://schemas.microsoft.com/office/drawing/2014/main" id="{D0ABFFB7-4288-EC12-BC18-995044BD06E3}"/>
+              </a:ext>
+            </a:extLst>
+          </p:cNvPr>
+          <p:cNvPicPr>
+            <a:picLocks noChangeAspect="1"/>
+          </p:cNvPicPr>
+          <p:nvPr/>
+        </p:nvPicPr>
+        <p:blipFill>
+          <a:blip r:embed="rId3"/>
+          <a:srcRect r="13923"/>
+          <a:stretch/>
+        </p:blipFill>
+        <p:spPr>
+          <a:xfrm>
+            <a:off x="8811988" y="643467"/>
+            <a:ext cx="1530629" cy="2624666"/>
+          </a:xfrm>
+          <a:prstGeom prst="rect">
+            <a:avLst/>
+          </a:prstGeom>
+        </p:spPr>
+      </p:pic>
+      <p:pic>
+        <p:nvPicPr>
+          <p:cNvPr id="5" name="Picture 4">
+            <a:extLst>
+              <a:ext uri="{FF2B5EF4-FFF2-40B4-BE49-F238E27FC236}">
+                <a16:creationId xmlns:a16="http://schemas.microsoft.com/office/drawing/2014/main" id="{AEA94553-2C5B-0CDE-B08D-A716A8380FFF}"/>
+              </a:ext>
+            </a:extLst>
+          </p:cNvPr>
+          <p:cNvPicPr>
+            <a:picLocks noChangeAspect="1"/>
+          </p:cNvPicPr>
+          <p:nvPr/>
+        </p:nvPicPr>
+        <p:blipFill>
+          <a:blip r:embed="rId4"/>
+          <a:stretch>
+            <a:fillRect/>
+          </a:stretch>
+        </p:blipFill>
+        <p:spPr>
+          <a:xfrm>
+            <a:off x="7611905" y="4346541"/>
+            <a:ext cx="3936614" cy="1131777"/>
+          </a:xfrm>
+          <a:prstGeom prst="rect">
+            <a:avLst/>
+          </a:prstGeom>
+        </p:spPr>
+      </p:pic>
+      <p:sp>
+        <p:nvSpPr>
+          <p:cNvPr id="7" name="TextBox 6">
+            <a:extLst>
+              <a:ext uri="{FF2B5EF4-FFF2-40B4-BE49-F238E27FC236}">
+                <a16:creationId xmlns:a16="http://schemas.microsoft.com/office/drawing/2014/main" id="{F99FC543-CA47-FF45-014D-F59DF825ACD7}"/>
+              </a:ext>
+            </a:extLst>
+          </p:cNvPr>
+          <p:cNvSpPr txBox="1"/>
+          <p:nvPr/>
+        </p:nvSpPr>
+        <p:spPr>
+          <a:xfrm>
+            <a:off x="8018717" y="5620815"/>
+            <a:ext cx="2961085" cy="615553"/>
+          </a:xfrm>
+          <a:prstGeom prst="rect">
+            <a:avLst/>
+          </a:prstGeom>
+          <a:noFill/>
+        </p:spPr>
+        <p:txBody>
+          <a:bodyPr wrap="square" rtlCol="0">
+            <a:spAutoFit/>
+          </a:bodyPr>
+          <a:lstStyle/>
+          <a:p>
+            <a:pPr algn="ctr"/>
+            <a:r>
+              <a:rPr lang="en-SG" sz="1400" b="1" i="1" dirty="0"/>
+              <a:t>Poor cache key design</a:t>
+            </a:r>
+          </a:p>
+          <a:p>
+            <a:pPr algn="ctr"/>
+            <a:r>
+              <a:rPr lang="en-SG" sz="1000" i="1" dirty="0"/>
+              <a:t> 2 different board positions will produce same inaccurate result</a:t>
+            </a:r>
+          </a:p>
+        </p:txBody>
+      </p:sp>
+      <p:sp>
+        <p:nvSpPr>
+          <p:cNvPr id="8" name="TextBox 7">
+            <a:extLst>
+              <a:ext uri="{FF2B5EF4-FFF2-40B4-BE49-F238E27FC236}">
+                <a16:creationId xmlns:a16="http://schemas.microsoft.com/office/drawing/2014/main" id="{2A9CA38F-2DF1-23DB-BD9B-41C7FB7FBCFB}"/>
+              </a:ext>
+            </a:extLst>
+          </p:cNvPr>
+          <p:cNvSpPr txBox="1"/>
+          <p:nvPr/>
+        </p:nvSpPr>
+        <p:spPr>
+          <a:xfrm>
+            <a:off x="8222123" y="3312028"/>
+            <a:ext cx="2961085" cy="615553"/>
+          </a:xfrm>
+          <a:prstGeom prst="rect">
+            <a:avLst/>
+          </a:prstGeom>
+          <a:noFill/>
+        </p:spPr>
+        <p:txBody>
+          <a:bodyPr wrap="square" rtlCol="0">
+            <a:spAutoFit/>
+          </a:bodyPr>
+          <a:lstStyle/>
+          <a:p>
+            <a:pPr algn="ctr"/>
+            <a:r>
+              <a:rPr lang="en-SG" sz="1400" b="1" i="1" dirty="0"/>
+              <a:t>Good cache key design</a:t>
+            </a:r>
+            <a:endParaRPr lang="en-SG" sz="1000" b="1" i="1" dirty="0"/>
+          </a:p>
+          <a:p>
+            <a:pPr algn="ctr"/>
+            <a:r>
+              <a:rPr lang="en-SG" sz="1000" i="1" dirty="0"/>
+              <a:t>2 different board positions will produce different accurate results as empty spaces accounted for</a:t>
+            </a:r>
+          </a:p>
+        </p:txBody>
+      </p:sp>
+      <p:graphicFrame>
+        <p:nvGraphicFramePr>
+          <p:cNvPr id="19" name="Text Placeholder 3">
+            <a:extLst>
+              <a:ext uri="{FF2B5EF4-FFF2-40B4-BE49-F238E27FC236}">
+                <a16:creationId xmlns:a16="http://schemas.microsoft.com/office/drawing/2014/main" id="{4B7C1BD4-9B10-9B42-EA43-858D59BF65A4}"/>
+              </a:ext>
+            </a:extLst>
+          </p:cNvPr>
+          <p:cNvGraphicFramePr/>
+          <p:nvPr/>
+        </p:nvGraphicFramePr>
+        <p:xfrm>
+          <a:off x="1097279" y="2546224"/>
+          <a:ext cx="5977938" cy="3342747"/>
+        </p:xfrm>
+        <a:graphic>
+          <a:graphicData uri="http://schemas.openxmlformats.org/drawingml/2006/diagram">
+            <dgm:relIds xmlns:dgm="http://schemas.openxmlformats.org/drawingml/2006/diagram" xmlns:r="http://schemas.openxmlformats.org/officeDocument/2006/relationships" r:dm="rId5" r:lo="rId6" r:qs="rId7" r:cs="rId8"/>
+          </a:graphicData>
+        </a:graphic>
+      </p:graphicFrame>
+    </p:spTree>
+    <p:extLst>
+      <p:ext uri="{BB962C8B-B14F-4D97-AF65-F5344CB8AC3E}">
+        <p14:creationId xmlns:p14="http://schemas.microsoft.com/office/powerpoint/2010/main" val="2179314494"/>
+      </p:ext>
+    </p:extLst>
+  </p:cSld>
+  <p:clrMapOvr>
+    <a:overrideClrMapping bg1="dk1" tx1="lt1" bg2="dk2" tx2="lt2" accent1="accent1" accent2="accent2" accent3="accent3" accent4="accent4" accent5="accent5" accent6="accent6" hlink="hlink" folHlink="folHlink"/>
+  </p:clrMapOvr>
+</p:sld>
+</file>
+
+<file path=ppt/slides/slide11.xml><?xml version="1.0" encoding="utf-8"?>
+<p:sld xmlns:a="http://schemas.openxmlformats.org/drawingml/2006/main" xmlns:r="http://schemas.openxmlformats.org/officeDocument/2006/relationships" xmlns:p="http://schemas.openxmlformats.org/presentationml/2006/main">
+  <p:cSld>
+    <p:bg>
+      <p:bgPr>
+        <a:solidFill>
+          <a:schemeClr val="bg1"/>
+        </a:solidFill>
+        <a:effectLst/>
+      </p:bgPr>
+    </p:bg>
+    <p:spTree>
+      <p:nvGrpSpPr>
+        <p:cNvPr id="1" name=""/>
+        <p:cNvGrpSpPr/>
+        <p:nvPr/>
+      </p:nvGrpSpPr>
+      <p:grpSpPr>
+        <a:xfrm>
+          <a:off x="0" y="0"/>
+          <a:ext cx="0" cy="0"/>
+          <a:chOff x="0" y="0"/>
+          <a:chExt cx="0" cy="0"/>
+        </a:xfrm>
+      </p:grpSpPr>
+      <p:sp>
+        <p:nvSpPr>
           <p:cNvPr id="21" name="Rectangle 20">
             <a:extLst>
               <a:ext uri="{FF2B5EF4-FFF2-40B4-BE49-F238E27FC236}">
@@ -8055,7 +9310,7 @@
           <p:nvPr/>
         </p:nvPicPr>
         <p:blipFill>
-          <a:blip r:embed="rId2"/>
+          <a:blip r:embed="rId3"/>
           <a:stretch>
             <a:fillRect/>
           </a:stretch>
@@ -8110,6 +9365,351 @@
       </p:grpSpPr>
       <p:sp>
         <p:nvSpPr>
+          <p:cNvPr id="20" name="Rectangle 19">
+            <a:extLst>
+              <a:ext uri="{FF2B5EF4-FFF2-40B4-BE49-F238E27FC236}">
+                <a16:creationId xmlns:a16="http://schemas.microsoft.com/office/drawing/2014/main" id="{A8E9C91B-7EAD-4562-AB0E-DFB9663AECE3}"/>
+              </a:ext>
+              <a:ext uri="{C183D7F6-B498-43B3-948B-1728B52AA6E4}">
+                <adec:decorative xmlns:adec="http://schemas.microsoft.com/office/drawing/2017/decorative" val="1"/>
+              </a:ext>
+            </a:extLst>
+          </p:cNvPr>
+          <p:cNvSpPr>
+            <a:spLocks noGrp="1" noRot="1" noChangeAspect="1" noMove="1" noResize="1" noEditPoints="1" noAdjustHandles="1" noChangeArrowheads="1" noChangeShapeType="1" noTextEdit="1"/>
+          </p:cNvSpPr>
+          <p:nvPr>
+            <p:extLst>
+              <p:ext uri="{386F3935-93C4-4BCD-93E2-E3B085C9AB24}">
+                <p16:designElem xmlns:p16="http://schemas.microsoft.com/office/powerpoint/2015/main" val="1"/>
+              </p:ext>
+            </p:extLst>
+          </p:nvPr>
+        </p:nvSpPr>
+        <p:spPr>
+          <a:xfrm>
+            <a:off x="3175" y="6400800"/>
+            <a:ext cx="12188825" cy="457200"/>
+          </a:xfrm>
+          <a:prstGeom prst="rect">
+            <a:avLst/>
+          </a:prstGeom>
+          <a:solidFill>
+            <a:srgbClr val="262626"/>
+          </a:solidFill>
+          <a:ln>
+            <a:noFill/>
+          </a:ln>
+        </p:spPr>
+        <p:style>
+          <a:lnRef idx="2">
+            <a:schemeClr val="accent1">
+              <a:shade val="50000"/>
+            </a:schemeClr>
+          </a:lnRef>
+          <a:fillRef idx="1">
+            <a:schemeClr val="accent1"/>
+          </a:fillRef>
+          <a:effectRef idx="0">
+            <a:schemeClr val="accent1"/>
+          </a:effectRef>
+          <a:fontRef idx="minor">
+            <a:schemeClr val="lt1"/>
+          </a:fontRef>
+        </p:style>
+        <p:txBody>
+          <a:bodyPr/>
+          <a:lstStyle/>
+          <a:p>
+            <a:endParaRPr lang="en-SG"/>
+          </a:p>
+        </p:txBody>
+      </p:sp>
+      <p:sp useBgFill="1">
+        <p:nvSpPr>
+          <p:cNvPr id="21" name="Rectangle 20">
+            <a:extLst>
+              <a:ext uri="{FF2B5EF4-FFF2-40B4-BE49-F238E27FC236}">
+                <a16:creationId xmlns:a16="http://schemas.microsoft.com/office/drawing/2014/main" id="{2CEEA790-4F43-4E15-9284-ADD0E41770F1}"/>
+              </a:ext>
+              <a:ext uri="{C183D7F6-B498-43B3-948B-1728B52AA6E4}">
+                <adec:decorative xmlns:adec="http://schemas.microsoft.com/office/drawing/2017/decorative" val="1"/>
+              </a:ext>
+            </a:extLst>
+          </p:cNvPr>
+          <p:cNvSpPr>
+            <a:spLocks noGrp="1" noRot="1" noChangeAspect="1" noMove="1" noResize="1" noEditPoints="1" noAdjustHandles="1" noChangeArrowheads="1" noChangeShapeType="1" noTextEdit="1"/>
+          </p:cNvSpPr>
+          <p:nvPr>
+            <p:extLst>
+              <p:ext uri="{386F3935-93C4-4BCD-93E2-E3B085C9AB24}">
+                <p16:designElem xmlns:p16="http://schemas.microsoft.com/office/powerpoint/2015/main" val="1"/>
+              </p:ext>
+            </p:extLst>
+          </p:nvPr>
+        </p:nvSpPr>
+        <p:spPr>
+          <a:xfrm>
+            <a:off x="0" y="0"/>
+            <a:ext cx="12192000" cy="6858000"/>
+          </a:xfrm>
+          <a:prstGeom prst="rect">
+            <a:avLst/>
+          </a:prstGeom>
+          <a:ln>
+            <a:noFill/>
+          </a:ln>
+        </p:spPr>
+        <p:style>
+          <a:lnRef idx="2">
+            <a:schemeClr val="accent1">
+              <a:shade val="50000"/>
+            </a:schemeClr>
+          </a:lnRef>
+          <a:fillRef idx="1">
+            <a:schemeClr val="accent1"/>
+          </a:fillRef>
+          <a:effectRef idx="0">
+            <a:schemeClr val="accent1"/>
+          </a:effectRef>
+          <a:fontRef idx="minor">
+            <a:schemeClr val="lt1"/>
+          </a:fontRef>
+        </p:style>
+        <p:txBody>
+          <a:bodyPr rtlCol="0" anchor="ctr"/>
+          <a:lstStyle/>
+          <a:p>
+            <a:pPr algn="ctr"/>
+            <a:endParaRPr lang="en-US"/>
+          </a:p>
+        </p:txBody>
+      </p:sp>
+      <p:pic>
+        <p:nvPicPr>
+          <p:cNvPr id="7" name="Picture 6" descr="A screenshot of a computer&#10;&#10;Description automatically generated">
+            <a:extLst>
+              <a:ext uri="{FF2B5EF4-FFF2-40B4-BE49-F238E27FC236}">
+                <a16:creationId xmlns:a16="http://schemas.microsoft.com/office/drawing/2014/main" id="{6C5E3CB4-0988-189F-5315-AFB59C992645}"/>
+              </a:ext>
+            </a:extLst>
+          </p:cNvPr>
+          <p:cNvPicPr>
+            <a:picLocks noChangeAspect="1"/>
+          </p:cNvPicPr>
+          <p:nvPr/>
+        </p:nvPicPr>
+        <p:blipFill>
+          <a:blip r:embed="rId3"/>
+          <a:stretch>
+            <a:fillRect/>
+          </a:stretch>
+        </p:blipFill>
+        <p:spPr>
+          <a:xfrm>
+            <a:off x="643467" y="1516789"/>
+            <a:ext cx="5081905" cy="3366761"/>
+          </a:xfrm>
+          <a:prstGeom prst="rect">
+            <a:avLst/>
+          </a:prstGeom>
+        </p:spPr>
+      </p:pic>
+      <p:sp>
+        <p:nvSpPr>
+          <p:cNvPr id="22" name="Rectangle 21">
+            <a:extLst>
+              <a:ext uri="{FF2B5EF4-FFF2-40B4-BE49-F238E27FC236}">
+                <a16:creationId xmlns:a16="http://schemas.microsoft.com/office/drawing/2014/main" id="{7CF9FE9E-5162-49D5-8277-855E95837E09}"/>
+              </a:ext>
+              <a:ext uri="{C183D7F6-B498-43B3-948B-1728B52AA6E4}">
+                <adec:decorative xmlns:adec="http://schemas.microsoft.com/office/drawing/2017/decorative" val="1"/>
+              </a:ext>
+            </a:extLst>
+          </p:cNvPr>
+          <p:cNvSpPr>
+            <a:spLocks noGrp="1" noRot="1" noChangeAspect="1" noMove="1" noResize="1" noEditPoints="1" noAdjustHandles="1" noChangeArrowheads="1" noChangeShapeType="1" noTextEdit="1"/>
+          </p:cNvSpPr>
+          <p:nvPr>
+            <p:extLst>
+              <p:ext uri="{386F3935-93C4-4BCD-93E2-E3B085C9AB24}">
+                <p16:designElem xmlns:p16="http://schemas.microsoft.com/office/powerpoint/2015/main" val="1"/>
+              </p:ext>
+            </p:extLst>
+          </p:nvPr>
+        </p:nvSpPr>
+        <p:spPr>
+          <a:xfrm>
+            <a:off x="6050280" y="-460"/>
+            <a:ext cx="91440" cy="6858000"/>
+          </a:xfrm>
+          <a:prstGeom prst="rect">
+            <a:avLst/>
+          </a:prstGeom>
+          <a:solidFill>
+            <a:srgbClr val="262626"/>
+          </a:solidFill>
+          <a:ln>
+            <a:noFill/>
+          </a:ln>
+        </p:spPr>
+        <p:style>
+          <a:lnRef idx="2">
+            <a:schemeClr val="accent1">
+              <a:shade val="50000"/>
+            </a:schemeClr>
+          </a:lnRef>
+          <a:fillRef idx="1">
+            <a:schemeClr val="accent1"/>
+          </a:fillRef>
+          <a:effectRef idx="0">
+            <a:schemeClr val="accent1"/>
+          </a:effectRef>
+          <a:fontRef idx="minor">
+            <a:schemeClr val="lt1"/>
+          </a:fontRef>
+        </p:style>
+        <p:txBody>
+          <a:bodyPr rtlCol="0" anchor="ctr"/>
+          <a:lstStyle/>
+          <a:p>
+            <a:pPr algn="ctr"/>
+            <a:endParaRPr lang="en-US"/>
+          </a:p>
+        </p:txBody>
+      </p:sp>
+      <p:pic>
+        <p:nvPicPr>
+          <p:cNvPr id="6" name="Picture 5" descr="A diagram of a cloud computing system&#10;&#10;Description automatically generated">
+            <a:extLst>
+              <a:ext uri="{FF2B5EF4-FFF2-40B4-BE49-F238E27FC236}">
+                <a16:creationId xmlns:a16="http://schemas.microsoft.com/office/drawing/2014/main" id="{0A7A3E10-12F9-C68E-8630-FCE4A952B875}"/>
+              </a:ext>
+            </a:extLst>
+          </p:cNvPr>
+          <p:cNvPicPr>
+            <a:picLocks noChangeAspect="1"/>
+          </p:cNvPicPr>
+          <p:nvPr/>
+        </p:nvPicPr>
+        <p:blipFill>
+          <a:blip r:embed="rId4"/>
+          <a:stretch>
+            <a:fillRect/>
+          </a:stretch>
+        </p:blipFill>
+        <p:spPr>
+          <a:xfrm>
+            <a:off x="6463453" y="1492447"/>
+            <a:ext cx="5078730" cy="3415446"/>
+          </a:xfrm>
+          <a:prstGeom prst="rect">
+            <a:avLst/>
+          </a:prstGeom>
+        </p:spPr>
+      </p:pic>
+      <p:sp>
+        <p:nvSpPr>
+          <p:cNvPr id="23" name="Rectangle 22">
+            <a:extLst>
+              <a:ext uri="{FF2B5EF4-FFF2-40B4-BE49-F238E27FC236}">
+                <a16:creationId xmlns:a16="http://schemas.microsoft.com/office/drawing/2014/main" id="{B1A2B33A-3EE6-43A3-95DC-C5E4930E64AC}"/>
+              </a:ext>
+              <a:ext uri="{C183D7F6-B498-43B3-948B-1728B52AA6E4}">
+                <adec:decorative xmlns:adec="http://schemas.microsoft.com/office/drawing/2017/decorative" val="1"/>
+              </a:ext>
+            </a:extLst>
+          </p:cNvPr>
+          <p:cNvSpPr>
+            <a:spLocks noGrp="1" noRot="1" noChangeAspect="1" noMove="1" noResize="1" noEditPoints="1" noAdjustHandles="1" noChangeArrowheads="1" noChangeShapeType="1" noTextEdit="1"/>
+          </p:cNvSpPr>
+          <p:nvPr>
+            <p:extLst>
+              <p:ext uri="{386F3935-93C4-4BCD-93E2-E3B085C9AB24}">
+                <p16:designElem xmlns:p16="http://schemas.microsoft.com/office/powerpoint/2015/main" val="1"/>
+              </p:ext>
+            </p:extLst>
+          </p:nvPr>
+        </p:nvSpPr>
+        <p:spPr>
+          <a:xfrm>
+            <a:off x="3175" y="6400800"/>
+            <a:ext cx="12188825" cy="457200"/>
+          </a:xfrm>
+          <a:prstGeom prst="rect">
+            <a:avLst/>
+          </a:prstGeom>
+          <a:solidFill>
+            <a:srgbClr val="262626"/>
+          </a:solidFill>
+          <a:ln>
+            <a:noFill/>
+          </a:ln>
+        </p:spPr>
+        <p:style>
+          <a:lnRef idx="2">
+            <a:schemeClr val="accent1">
+              <a:shade val="50000"/>
+            </a:schemeClr>
+          </a:lnRef>
+          <a:fillRef idx="1">
+            <a:schemeClr val="accent1"/>
+          </a:fillRef>
+          <a:effectRef idx="0">
+            <a:schemeClr val="accent1"/>
+          </a:effectRef>
+          <a:fontRef idx="minor">
+            <a:schemeClr val="lt1"/>
+          </a:fontRef>
+        </p:style>
+        <p:txBody>
+          <a:bodyPr/>
+          <a:lstStyle/>
+          <a:p>
+            <a:endParaRPr lang="en-SG"/>
+          </a:p>
+        </p:txBody>
+      </p:sp>
+    </p:spTree>
+    <p:extLst>
+      <p:ext uri="{BB962C8B-B14F-4D97-AF65-F5344CB8AC3E}">
+        <p14:creationId xmlns:p14="http://schemas.microsoft.com/office/powerpoint/2010/main" val="500376573"/>
+      </p:ext>
+    </p:extLst>
+  </p:cSld>
+  <p:clrMapOvr>
+    <a:masterClrMapping/>
+  </p:clrMapOvr>
+</p:sld>
+</file>
+
+<file path=ppt/slides/slide8.xml><?xml version="1.0" encoding="utf-8"?>
+<p:sld xmlns:a="http://schemas.openxmlformats.org/drawingml/2006/main" xmlns:r="http://schemas.openxmlformats.org/officeDocument/2006/relationships" xmlns:p="http://schemas.openxmlformats.org/presentationml/2006/main">
+  <p:cSld>
+    <p:bg>
+      <p:bgPr>
+        <a:solidFill>
+          <a:schemeClr val="bg1"/>
+        </a:solidFill>
+        <a:effectLst/>
+      </p:bgPr>
+    </p:bg>
+    <p:spTree>
+      <p:nvGrpSpPr>
+        <p:cNvPr id="1" name=""/>
+        <p:cNvGrpSpPr/>
+        <p:nvPr/>
+      </p:nvGrpSpPr>
+      <p:grpSpPr>
+        <a:xfrm>
+          <a:off x="0" y="0"/>
+          <a:ext cx="0" cy="0"/>
+          <a:chOff x="0" y="0"/>
+          <a:chExt cx="0" cy="0"/>
+        </a:xfrm>
+      </p:grpSpPr>
+      <p:sp>
+        <p:nvSpPr>
           <p:cNvPr id="35" name="Rectangle 34">
             <a:extLst>
               <a:ext uri="{FF2B5EF4-FFF2-40B4-BE49-F238E27FC236}">
@@ -8778,7 +10378,7 @@
           <p:nvPr/>
         </p:nvPicPr>
         <p:blipFill>
-          <a:blip r:embed="rId2"/>
+          <a:blip r:embed="rId3"/>
           <a:stretch>
             <a:fillRect/>
           </a:stretch>
@@ -8806,7 +10406,7 @@
 </p:sld>
 </file>
 
-<file path=ppt/slides/slide8.xml><?xml version="1.0" encoding="utf-8"?>
+<file path=ppt/slides/slide9.xml><?xml version="1.0" encoding="utf-8"?>
 <p:sld xmlns:a="http://schemas.openxmlformats.org/drawingml/2006/main" xmlns:r="http://schemas.openxmlformats.org/officeDocument/2006/relationships" xmlns:p="http://schemas.openxmlformats.org/presentationml/2006/main">
   <p:cSld>
     <p:bg>
@@ -9433,485 +11033,6 @@
     <p:extLst>
       <p:ext uri="{BB962C8B-B14F-4D97-AF65-F5344CB8AC3E}">
         <p14:creationId xmlns:p14="http://schemas.microsoft.com/office/powerpoint/2010/main" val="162806688"/>
-      </p:ext>
-    </p:extLst>
-  </p:cSld>
-  <p:clrMapOvr>
-    <a:overrideClrMapping bg1="dk1" tx1="lt1" bg2="dk2" tx2="lt2" accent1="accent1" accent2="accent2" accent3="accent3" accent4="accent4" accent5="accent5" accent6="accent6" hlink="hlink" folHlink="folHlink"/>
-  </p:clrMapOvr>
-</p:sld>
-</file>
-
-<file path=ppt/slides/slide9.xml><?xml version="1.0" encoding="utf-8"?>
-<p:sld xmlns:a="http://schemas.openxmlformats.org/drawingml/2006/main" xmlns:r="http://schemas.openxmlformats.org/officeDocument/2006/relationships" xmlns:p="http://schemas.openxmlformats.org/presentationml/2006/main">
-  <p:cSld>
-    <p:bg>
-      <p:bgPr>
-        <a:solidFill>
-          <a:schemeClr val="bg1"/>
-        </a:solidFill>
-        <a:effectLst/>
-      </p:bgPr>
-    </p:bg>
-    <p:spTree>
-      <p:nvGrpSpPr>
-        <p:cNvPr id="1" name=""/>
-        <p:cNvGrpSpPr/>
-        <p:nvPr/>
-      </p:nvGrpSpPr>
-      <p:grpSpPr>
-        <a:xfrm>
-          <a:off x="0" y="0"/>
-          <a:ext cx="0" cy="0"/>
-          <a:chOff x="0" y="0"/>
-          <a:chExt cx="0" cy="0"/>
-        </a:xfrm>
-      </p:grpSpPr>
-      <p:sp>
-        <p:nvSpPr>
-          <p:cNvPr id="11" name="Rectangle 10">
-            <a:extLst>
-              <a:ext uri="{FF2B5EF4-FFF2-40B4-BE49-F238E27FC236}">
-                <a16:creationId xmlns:a16="http://schemas.microsoft.com/office/drawing/2014/main" id="{416A0E3C-60E6-4F39-BC55-5F7C224E1F7C}"/>
-              </a:ext>
-              <a:ext uri="{C183D7F6-B498-43B3-948B-1728B52AA6E4}">
-                <adec:decorative xmlns:adec="http://schemas.microsoft.com/office/drawing/2017/decorative" val="1"/>
-              </a:ext>
-            </a:extLst>
-          </p:cNvPr>
-          <p:cNvSpPr>
-            <a:spLocks noGrp="1" noRot="1" noChangeAspect="1" noMove="1" noResize="1" noEditPoints="1" noAdjustHandles="1" noChangeArrowheads="1" noChangeShapeType="1" noTextEdit="1"/>
-          </p:cNvSpPr>
-          <p:nvPr>
-            <p:extLst>
-              <p:ext uri="{386F3935-93C4-4BCD-93E2-E3B085C9AB24}">
-                <p16:designElem xmlns:p16="http://schemas.microsoft.com/office/powerpoint/2015/main" val="1"/>
-              </p:ext>
-            </p:extLst>
-          </p:nvPr>
-        </p:nvSpPr>
-        <p:spPr>
-          <a:xfrm>
-            <a:off x="3175" y="6400800"/>
-            <a:ext cx="12188825" cy="457200"/>
-          </a:xfrm>
-          <a:prstGeom prst="rect">
-            <a:avLst/>
-          </a:prstGeom>
-          <a:solidFill>
-            <a:srgbClr val="262626"/>
-          </a:solidFill>
-          <a:ln>
-            <a:noFill/>
-          </a:ln>
-        </p:spPr>
-        <p:style>
-          <a:lnRef idx="2">
-            <a:schemeClr val="accent1">
-              <a:shade val="50000"/>
-            </a:schemeClr>
-          </a:lnRef>
-          <a:fillRef idx="1">
-            <a:schemeClr val="accent1"/>
-          </a:fillRef>
-          <a:effectRef idx="0">
-            <a:schemeClr val="accent1"/>
-          </a:effectRef>
-          <a:fontRef idx="minor">
-            <a:schemeClr val="lt1"/>
-          </a:fontRef>
-        </p:style>
-        <p:txBody>
-          <a:bodyPr/>
-          <a:lstStyle/>
-          <a:p>
-            <a:endParaRPr lang="en-SG"/>
-          </a:p>
-        </p:txBody>
-      </p:sp>
-      <p:cxnSp>
-        <p:nvCxnSpPr>
-          <p:cNvPr id="13" name="Straight Connector 12">
-            <a:extLst>
-              <a:ext uri="{FF2B5EF4-FFF2-40B4-BE49-F238E27FC236}">
-                <a16:creationId xmlns:a16="http://schemas.microsoft.com/office/drawing/2014/main" id="{C5025DAC-8B93-4160-B017-3A274A5828C0}"/>
-              </a:ext>
-              <a:ext uri="{C183D7F6-B498-43B3-948B-1728B52AA6E4}">
-                <adec:decorative xmlns:adec="http://schemas.microsoft.com/office/drawing/2017/decorative" val="1"/>
-              </a:ext>
-            </a:extLst>
-          </p:cNvPr>
-          <p:cNvCxnSpPr>
-            <a:cxnSpLocks noGrp="1" noRot="1" noChangeAspect="1" noMove="1" noResize="1" noEditPoints="1" noAdjustHandles="1" noChangeArrowheads="1" noChangeShapeType="1"/>
-          </p:cNvCxnSpPr>
-          <p:nvPr>
-            <p:extLst>
-              <p:ext uri="{386F3935-93C4-4BCD-93E2-E3B085C9AB24}">
-                <p16:designElem xmlns:p16="http://schemas.microsoft.com/office/powerpoint/2015/main" val="1"/>
-              </p:ext>
-            </p:extLst>
-          </p:nvPr>
-        </p:nvCxnSpPr>
-        <p:spPr>
-          <a:xfrm>
-            <a:off x="1193532" y="1897380"/>
-            <a:ext cx="9966960" cy="0"/>
-          </a:xfrm>
-          <a:prstGeom prst="line">
-            <a:avLst/>
-          </a:prstGeom>
-          <a:ln w="12700">
-            <a:solidFill>
-              <a:schemeClr val="tx1">
-                <a:lumMod val="75000"/>
-                <a:lumOff val="25000"/>
-              </a:schemeClr>
-            </a:solidFill>
-          </a:ln>
-        </p:spPr>
-        <p:style>
-          <a:lnRef idx="1">
-            <a:schemeClr val="accent1"/>
-          </a:lnRef>
-          <a:fillRef idx="0">
-            <a:schemeClr val="accent1"/>
-          </a:fillRef>
-          <a:effectRef idx="0">
-            <a:schemeClr val="accent1"/>
-          </a:effectRef>
-          <a:fontRef idx="minor">
-            <a:schemeClr val="tx1"/>
-          </a:fontRef>
-        </p:style>
-      </p:cxnSp>
-      <p:sp>
-        <p:nvSpPr>
-          <p:cNvPr id="15" name="Rectangle 14">
-            <a:extLst>
-              <a:ext uri="{FF2B5EF4-FFF2-40B4-BE49-F238E27FC236}">
-                <a16:creationId xmlns:a16="http://schemas.microsoft.com/office/drawing/2014/main" id="{E844E128-FF69-4E9F-8327-6B504B3C5AE1}"/>
-              </a:ext>
-              <a:ext uri="{C183D7F6-B498-43B3-948B-1728B52AA6E4}">
-                <adec:decorative xmlns:adec="http://schemas.microsoft.com/office/drawing/2017/decorative" val="1"/>
-              </a:ext>
-            </a:extLst>
-          </p:cNvPr>
-          <p:cNvSpPr>
-            <a:spLocks noGrp="1" noRot="1" noChangeAspect="1" noMove="1" noResize="1" noEditPoints="1" noAdjustHandles="1" noChangeArrowheads="1" noChangeShapeType="1" noTextEdit="1"/>
-          </p:cNvSpPr>
-          <p:nvPr>
-            <p:extLst>
-              <p:ext uri="{386F3935-93C4-4BCD-93E2-E3B085C9AB24}">
-                <p16:designElem xmlns:p16="http://schemas.microsoft.com/office/powerpoint/2015/main" val="1"/>
-              </p:ext>
-            </p:extLst>
-          </p:nvPr>
-        </p:nvSpPr>
-        <p:spPr bwMode="white">
-          <a:xfrm>
-            <a:off x="15" y="0"/>
-            <a:ext cx="12191985" cy="6858000"/>
-          </a:xfrm>
-          <a:prstGeom prst="rect">
-            <a:avLst/>
-          </a:prstGeom>
-          <a:solidFill>
-            <a:schemeClr val="bg1">
-              <a:lumMod val="85000"/>
-              <a:lumOff val="15000"/>
-            </a:schemeClr>
-          </a:solidFill>
-          <a:ln>
-            <a:noFill/>
-          </a:ln>
-        </p:spPr>
-        <p:style>
-          <a:lnRef idx="2">
-            <a:schemeClr val="accent1">
-              <a:shade val="50000"/>
-            </a:schemeClr>
-          </a:lnRef>
-          <a:fillRef idx="1">
-            <a:schemeClr val="accent1"/>
-          </a:fillRef>
-          <a:effectRef idx="0">
-            <a:schemeClr val="accent1"/>
-          </a:effectRef>
-          <a:fontRef idx="minor">
-            <a:schemeClr val="lt1"/>
-          </a:fontRef>
-        </p:style>
-        <p:txBody>
-          <a:bodyPr/>
-          <a:lstStyle/>
-          <a:p>
-            <a:endParaRPr lang="en-SG"/>
-          </a:p>
-        </p:txBody>
-      </p:sp>
-      <p:sp>
-        <p:nvSpPr>
-          <p:cNvPr id="3" name="Title 2">
-            <a:extLst>
-              <a:ext uri="{FF2B5EF4-FFF2-40B4-BE49-F238E27FC236}">
-                <a16:creationId xmlns:a16="http://schemas.microsoft.com/office/drawing/2014/main" id="{CD8C1513-6C96-BCC5-2E02-C213F3976493}"/>
-              </a:ext>
-            </a:extLst>
-          </p:cNvPr>
-          <p:cNvSpPr>
-            <a:spLocks noGrp="1"/>
-          </p:cNvSpPr>
-          <p:nvPr>
-            <p:ph type="title"/>
-          </p:nvPr>
-        </p:nvSpPr>
-        <p:spPr>
-          <a:xfrm>
-            <a:off x="1097280" y="516835"/>
-            <a:ext cx="5977937" cy="1666501"/>
-          </a:xfrm>
-        </p:spPr>
-        <p:txBody>
-          <a:bodyPr vert="horz" lIns="91440" tIns="45720" rIns="91440" bIns="45720" rtlCol="0" anchor="b">
-            <a:normAutofit/>
-          </a:bodyPr>
-          <a:lstStyle/>
-          <a:p>
-            <a:r>
-              <a:rPr lang="en-US" sz="4000">
-                <a:solidFill>
-                  <a:schemeClr val="tx1"/>
-                </a:solidFill>
-              </a:rPr>
-              <a:t>Challenges</a:t>
-            </a:r>
-          </a:p>
-        </p:txBody>
-      </p:sp>
-      <p:cxnSp>
-        <p:nvCxnSpPr>
-          <p:cNvPr id="17" name="Straight Connector 16">
-            <a:extLst>
-              <a:ext uri="{FF2B5EF4-FFF2-40B4-BE49-F238E27FC236}">
-                <a16:creationId xmlns:a16="http://schemas.microsoft.com/office/drawing/2014/main" id="{055CEADF-09EA-423C-8C45-F94AF44D5AF0}"/>
-              </a:ext>
-              <a:ext uri="{C183D7F6-B498-43B3-948B-1728B52AA6E4}">
-                <adec:decorative xmlns:adec="http://schemas.microsoft.com/office/drawing/2017/decorative" val="1"/>
-              </a:ext>
-            </a:extLst>
-          </p:cNvPr>
-          <p:cNvCxnSpPr>
-            <a:cxnSpLocks noGrp="1" noRot="1" noChangeAspect="1" noMove="1" noResize="1" noEditPoints="1" noAdjustHandles="1" noChangeArrowheads="1" noChangeShapeType="1"/>
-          </p:cNvCxnSpPr>
-          <p:nvPr>
-            <p:extLst>
-              <p:ext uri="{386F3935-93C4-4BCD-93E2-E3B085C9AB24}">
-                <p16:designElem xmlns:p16="http://schemas.microsoft.com/office/powerpoint/2015/main" val="1"/>
-              </p:ext>
-            </p:extLst>
-          </p:nvPr>
-        </p:nvCxnSpPr>
-        <p:spPr>
-          <a:xfrm>
-            <a:off x="1215896" y="2353592"/>
-            <a:ext cx="5303520" cy="0"/>
-          </a:xfrm>
-          <a:prstGeom prst="line">
-            <a:avLst/>
-          </a:prstGeom>
-          <a:ln w="19050">
-            <a:solidFill>
-              <a:schemeClr val="accent1"/>
-            </a:solidFill>
-          </a:ln>
-        </p:spPr>
-        <p:style>
-          <a:lnRef idx="1">
-            <a:schemeClr val="accent1"/>
-          </a:lnRef>
-          <a:fillRef idx="0">
-            <a:schemeClr val="accent1"/>
-          </a:fillRef>
-          <a:effectRef idx="0">
-            <a:schemeClr val="accent1"/>
-          </a:effectRef>
-          <a:fontRef idx="minor">
-            <a:schemeClr val="tx1"/>
-          </a:fontRef>
-        </p:style>
-      </p:cxnSp>
-      <p:pic>
-        <p:nvPicPr>
-          <p:cNvPr id="6" name="Picture 5">
-            <a:extLst>
-              <a:ext uri="{FF2B5EF4-FFF2-40B4-BE49-F238E27FC236}">
-                <a16:creationId xmlns:a16="http://schemas.microsoft.com/office/drawing/2014/main" id="{D0ABFFB7-4288-EC12-BC18-995044BD06E3}"/>
-              </a:ext>
-            </a:extLst>
-          </p:cNvPr>
-          <p:cNvPicPr>
-            <a:picLocks noChangeAspect="1"/>
-          </p:cNvPicPr>
-          <p:nvPr/>
-        </p:nvPicPr>
-        <p:blipFill>
-          <a:blip r:embed="rId2"/>
-          <a:srcRect r="13923"/>
-          <a:stretch/>
-        </p:blipFill>
-        <p:spPr>
-          <a:xfrm>
-            <a:off x="8811988" y="643467"/>
-            <a:ext cx="1530629" cy="2624666"/>
-          </a:xfrm>
-          <a:prstGeom prst="rect">
-            <a:avLst/>
-          </a:prstGeom>
-        </p:spPr>
-      </p:pic>
-      <p:pic>
-        <p:nvPicPr>
-          <p:cNvPr id="5" name="Picture 4">
-            <a:extLst>
-              <a:ext uri="{FF2B5EF4-FFF2-40B4-BE49-F238E27FC236}">
-                <a16:creationId xmlns:a16="http://schemas.microsoft.com/office/drawing/2014/main" id="{AEA94553-2C5B-0CDE-B08D-A716A8380FFF}"/>
-              </a:ext>
-            </a:extLst>
-          </p:cNvPr>
-          <p:cNvPicPr>
-            <a:picLocks noChangeAspect="1"/>
-          </p:cNvPicPr>
-          <p:nvPr/>
-        </p:nvPicPr>
-        <p:blipFill>
-          <a:blip r:embed="rId3"/>
-          <a:stretch>
-            <a:fillRect/>
-          </a:stretch>
-        </p:blipFill>
-        <p:spPr>
-          <a:xfrm>
-            <a:off x="7611905" y="4346541"/>
-            <a:ext cx="3936614" cy="1131777"/>
-          </a:xfrm>
-          <a:prstGeom prst="rect">
-            <a:avLst/>
-          </a:prstGeom>
-        </p:spPr>
-      </p:pic>
-      <p:sp>
-        <p:nvSpPr>
-          <p:cNvPr id="7" name="TextBox 6">
-            <a:extLst>
-              <a:ext uri="{FF2B5EF4-FFF2-40B4-BE49-F238E27FC236}">
-                <a16:creationId xmlns:a16="http://schemas.microsoft.com/office/drawing/2014/main" id="{F99FC543-CA47-FF45-014D-F59DF825ACD7}"/>
-              </a:ext>
-            </a:extLst>
-          </p:cNvPr>
-          <p:cNvSpPr txBox="1"/>
-          <p:nvPr/>
-        </p:nvSpPr>
-        <p:spPr>
-          <a:xfrm>
-            <a:off x="8018717" y="5620815"/>
-            <a:ext cx="2961085" cy="615553"/>
-          </a:xfrm>
-          <a:prstGeom prst="rect">
-            <a:avLst/>
-          </a:prstGeom>
-          <a:noFill/>
-        </p:spPr>
-        <p:txBody>
-          <a:bodyPr wrap="square" rtlCol="0">
-            <a:spAutoFit/>
-          </a:bodyPr>
-          <a:lstStyle/>
-          <a:p>
-            <a:pPr algn="ctr"/>
-            <a:r>
-              <a:rPr lang="en-SG" sz="1400" b="1" i="1" dirty="0"/>
-              <a:t>Poor cache key design</a:t>
-            </a:r>
-          </a:p>
-          <a:p>
-            <a:pPr algn="ctr"/>
-            <a:r>
-              <a:rPr lang="en-SG" sz="1000" i="1" dirty="0"/>
-              <a:t> 2 different board positions will produce same inaccurate result</a:t>
-            </a:r>
-          </a:p>
-        </p:txBody>
-      </p:sp>
-      <p:sp>
-        <p:nvSpPr>
-          <p:cNvPr id="8" name="TextBox 7">
-            <a:extLst>
-              <a:ext uri="{FF2B5EF4-FFF2-40B4-BE49-F238E27FC236}">
-                <a16:creationId xmlns:a16="http://schemas.microsoft.com/office/drawing/2014/main" id="{2A9CA38F-2DF1-23DB-BD9B-41C7FB7FBCFB}"/>
-              </a:ext>
-            </a:extLst>
-          </p:cNvPr>
-          <p:cNvSpPr txBox="1"/>
-          <p:nvPr/>
-        </p:nvSpPr>
-        <p:spPr>
-          <a:xfrm>
-            <a:off x="8222123" y="3312028"/>
-            <a:ext cx="2961085" cy="615553"/>
-          </a:xfrm>
-          <a:prstGeom prst="rect">
-            <a:avLst/>
-          </a:prstGeom>
-          <a:noFill/>
-        </p:spPr>
-        <p:txBody>
-          <a:bodyPr wrap="square" rtlCol="0">
-            <a:spAutoFit/>
-          </a:bodyPr>
-          <a:lstStyle/>
-          <a:p>
-            <a:pPr algn="ctr"/>
-            <a:r>
-              <a:rPr lang="en-SG" sz="1400" b="1" i="1" dirty="0"/>
-              <a:t>Good cache key design</a:t>
-            </a:r>
-            <a:endParaRPr lang="en-SG" sz="1000" b="1" i="1" dirty="0"/>
-          </a:p>
-          <a:p>
-            <a:pPr algn="ctr"/>
-            <a:r>
-              <a:rPr lang="en-SG" sz="1000" i="1" dirty="0"/>
-              <a:t>2 different board positions will produce different accurate results as empty spaces accounted for</a:t>
-            </a:r>
-          </a:p>
-        </p:txBody>
-      </p:sp>
-      <p:graphicFrame>
-        <p:nvGraphicFramePr>
-          <p:cNvPr id="19" name="Text Placeholder 3">
-            <a:extLst>
-              <a:ext uri="{FF2B5EF4-FFF2-40B4-BE49-F238E27FC236}">
-                <a16:creationId xmlns:a16="http://schemas.microsoft.com/office/drawing/2014/main" id="{4B7C1BD4-9B10-9B42-EA43-858D59BF65A4}"/>
-              </a:ext>
-            </a:extLst>
-          </p:cNvPr>
-          <p:cNvGraphicFramePr/>
-          <p:nvPr/>
-        </p:nvGraphicFramePr>
-        <p:xfrm>
-          <a:off x="1097279" y="2546224"/>
-          <a:ext cx="5977938" cy="3342747"/>
-        </p:xfrm>
-        <a:graphic>
-          <a:graphicData uri="http://schemas.openxmlformats.org/drawingml/2006/diagram">
-            <dgm:relIds xmlns:dgm="http://schemas.openxmlformats.org/drawingml/2006/diagram" xmlns:r="http://schemas.openxmlformats.org/officeDocument/2006/relationships" r:dm="rId4" r:lo="rId5" r:qs="rId6" r:cs="rId7"/>
-          </a:graphicData>
-        </a:graphic>
-      </p:graphicFrame>
-    </p:spTree>
-    <p:extLst>
-      <p:ext uri="{BB962C8B-B14F-4D97-AF65-F5344CB8AC3E}">
-        <p14:creationId xmlns:p14="http://schemas.microsoft.com/office/powerpoint/2010/main" val="2179314494"/>
       </p:ext>
     </p:extLst>
   </p:cSld>
@@ -10204,6 +11325,321 @@
 </a:theme>
 </file>
 
+<file path=ppt/theme/theme2.xml><?xml version="1.0" encoding="utf-8"?>
+<a:theme xmlns:a="http://schemas.openxmlformats.org/drawingml/2006/main" name="Office Theme">
+  <a:themeElements>
+    <a:clrScheme name="Office">
+      <a:dk1>
+        <a:sysClr val="windowText" lastClr="000000"/>
+      </a:dk1>
+      <a:lt1>
+        <a:sysClr val="window" lastClr="FFFFFF"/>
+      </a:lt1>
+      <a:dk2>
+        <a:srgbClr val="0E2841"/>
+      </a:dk2>
+      <a:lt2>
+        <a:srgbClr val="E8E8E8"/>
+      </a:lt2>
+      <a:accent1>
+        <a:srgbClr val="156082"/>
+      </a:accent1>
+      <a:accent2>
+        <a:srgbClr val="E97132"/>
+      </a:accent2>
+      <a:accent3>
+        <a:srgbClr val="196B24"/>
+      </a:accent3>
+      <a:accent4>
+        <a:srgbClr val="0F9ED5"/>
+      </a:accent4>
+      <a:accent5>
+        <a:srgbClr val="A02B93"/>
+      </a:accent5>
+      <a:accent6>
+        <a:srgbClr val="4EA72E"/>
+      </a:accent6>
+      <a:hlink>
+        <a:srgbClr val="467886"/>
+      </a:hlink>
+      <a:folHlink>
+        <a:srgbClr val="96607D"/>
+      </a:folHlink>
+    </a:clrScheme>
+    <a:fontScheme name="Office">
+      <a:majorFont>
+        <a:latin typeface="Aptos Display" panose="02110004020202020204"/>
+        <a:ea typeface=""/>
+        <a:cs typeface=""/>
+        <a:font script="Jpan" typeface="游ゴシック Light"/>
+        <a:font script="Hang" typeface="맑은 고딕"/>
+        <a:font script="Hans" typeface="等线 Light"/>
+        <a:font script="Hant" typeface="新細明體"/>
+        <a:font script="Arab" typeface="Times New Roman"/>
+        <a:font script="Hebr" typeface="Times New Roman"/>
+        <a:font script="Thai" typeface="Angsana New"/>
+        <a:font script="Ethi" typeface="Nyala"/>
+        <a:font script="Beng" typeface="Vrinda"/>
+        <a:font script="Gujr" typeface="Shruti"/>
+        <a:font script="Khmr" typeface="MoolBoran"/>
+        <a:font script="Knda" typeface="Tunga"/>
+        <a:font script="Guru" typeface="Raavi"/>
+        <a:font script="Cans" typeface="Euphemia"/>
+        <a:font script="Cher" typeface="Plantagenet Cherokee"/>
+        <a:font script="Yiii" typeface="Microsoft Yi Baiti"/>
+        <a:font script="Tibt" typeface="Microsoft Himalaya"/>
+        <a:font script="Thaa" typeface="MV Boli"/>
+        <a:font script="Deva" typeface="Mangal"/>
+        <a:font script="Telu" typeface="Gautami"/>
+        <a:font script="Taml" typeface="Latha"/>
+        <a:font script="Syrc" typeface="Estrangelo Edessa"/>
+        <a:font script="Orya" typeface="Kalinga"/>
+        <a:font script="Mlym" typeface="Kartika"/>
+        <a:font script="Laoo" typeface="DokChampa"/>
+        <a:font script="Sinh" typeface="Iskoola Pota"/>
+        <a:font script="Mong" typeface="Mongolian Baiti"/>
+        <a:font script="Viet" typeface="Times New Roman"/>
+        <a:font script="Uigh" typeface="Microsoft Uighur"/>
+        <a:font script="Geor" typeface="Sylfaen"/>
+        <a:font script="Armn" typeface="Arial"/>
+        <a:font script="Bugi" typeface="Leelawadee UI"/>
+        <a:font script="Bopo" typeface="Microsoft JhengHei"/>
+        <a:font script="Java" typeface="Javanese Text"/>
+        <a:font script="Lisu" typeface="Segoe UI"/>
+        <a:font script="Mymr" typeface="Myanmar Text"/>
+        <a:font script="Nkoo" typeface="Ebrima"/>
+        <a:font script="Olck" typeface="Nirmala UI"/>
+        <a:font script="Osma" typeface="Ebrima"/>
+        <a:font script="Phag" typeface="Phagspa"/>
+        <a:font script="Syrn" typeface="Estrangelo Edessa"/>
+        <a:font script="Syrj" typeface="Estrangelo Edessa"/>
+        <a:font script="Syre" typeface="Estrangelo Edessa"/>
+        <a:font script="Sora" typeface="Nirmala UI"/>
+        <a:font script="Tale" typeface="Microsoft Tai Le"/>
+        <a:font script="Talu" typeface="Microsoft New Tai Lue"/>
+        <a:font script="Tfng" typeface="Ebrima"/>
+      </a:majorFont>
+      <a:minorFont>
+        <a:latin typeface="Aptos" panose="02110004020202020204"/>
+        <a:ea typeface=""/>
+        <a:cs typeface=""/>
+        <a:font script="Jpan" typeface="游ゴシック"/>
+        <a:font script="Hang" typeface="맑은 고딕"/>
+        <a:font script="Hans" typeface="等线"/>
+        <a:font script="Hant" typeface="新細明體"/>
+        <a:font script="Arab" typeface="Arial"/>
+        <a:font script="Hebr" typeface="Arial"/>
+        <a:font script="Thai" typeface="Cordia New"/>
+        <a:font script="Ethi" typeface="Nyala"/>
+        <a:font script="Beng" typeface="Vrinda"/>
+        <a:font script="Gujr" typeface="Shruti"/>
+        <a:font script="Khmr" typeface="DaunPenh"/>
+        <a:font script="Knda" typeface="Tunga"/>
+        <a:font script="Guru" typeface="Raavi"/>
+        <a:font script="Cans" typeface="Euphemia"/>
+        <a:font script="Cher" typeface="Plantagenet Cherokee"/>
+        <a:font script="Yiii" typeface="Microsoft Yi Baiti"/>
+        <a:font script="Tibt" typeface="Microsoft Himalaya"/>
+        <a:font script="Thaa" typeface="MV Boli"/>
+        <a:font script="Deva" typeface="Mangal"/>
+        <a:font script="Telu" typeface="Gautami"/>
+        <a:font script="Taml" typeface="Latha"/>
+        <a:font script="Syrc" typeface="Estrangelo Edessa"/>
+        <a:font script="Orya" typeface="Kalinga"/>
+        <a:font script="Mlym" typeface="Kartika"/>
+        <a:font script="Laoo" typeface="DokChampa"/>
+        <a:font script="Sinh" typeface="Iskoola Pota"/>
+        <a:font script="Mong" typeface="Mongolian Baiti"/>
+        <a:font script="Viet" typeface="Arial"/>
+        <a:font script="Uigh" typeface="Microsoft Uighur"/>
+        <a:font script="Geor" typeface="Sylfaen"/>
+        <a:font script="Armn" typeface="Arial"/>
+        <a:font script="Bugi" typeface="Leelawadee UI"/>
+        <a:font script="Bopo" typeface="Microsoft JhengHei"/>
+        <a:font script="Java" typeface="Javanese Text"/>
+        <a:font script="Lisu" typeface="Segoe UI"/>
+        <a:font script="Mymr" typeface="Myanmar Text"/>
+        <a:font script="Nkoo" typeface="Ebrima"/>
+        <a:font script="Olck" typeface="Nirmala UI"/>
+        <a:font script="Osma" typeface="Ebrima"/>
+        <a:font script="Phag" typeface="Phagspa"/>
+        <a:font script="Syrn" typeface="Estrangelo Edessa"/>
+        <a:font script="Syrj" typeface="Estrangelo Edessa"/>
+        <a:font script="Syre" typeface="Estrangelo Edessa"/>
+        <a:font script="Sora" typeface="Nirmala UI"/>
+        <a:font script="Tale" typeface="Microsoft Tai Le"/>
+        <a:font script="Talu" typeface="Microsoft New Tai Lue"/>
+        <a:font script="Tfng" typeface="Ebrima"/>
+      </a:minorFont>
+    </a:fontScheme>
+    <a:fmtScheme name="Office">
+      <a:fillStyleLst>
+        <a:solidFill>
+          <a:schemeClr val="phClr"/>
+        </a:solidFill>
+        <a:gradFill rotWithShape="1">
+          <a:gsLst>
+            <a:gs pos="0">
+              <a:schemeClr val="phClr">
+                <a:lumMod val="110000"/>
+                <a:satMod val="105000"/>
+                <a:tint val="67000"/>
+              </a:schemeClr>
+            </a:gs>
+            <a:gs pos="50000">
+              <a:schemeClr val="phClr">
+                <a:lumMod val="105000"/>
+                <a:satMod val="103000"/>
+                <a:tint val="73000"/>
+              </a:schemeClr>
+            </a:gs>
+            <a:gs pos="100000">
+              <a:schemeClr val="phClr">
+                <a:lumMod val="105000"/>
+                <a:satMod val="109000"/>
+                <a:tint val="81000"/>
+              </a:schemeClr>
+            </a:gs>
+          </a:gsLst>
+          <a:lin ang="5400000" scaled="0"/>
+        </a:gradFill>
+        <a:gradFill rotWithShape="1">
+          <a:gsLst>
+            <a:gs pos="0">
+              <a:schemeClr val="phClr">
+                <a:satMod val="103000"/>
+                <a:lumMod val="102000"/>
+                <a:tint val="94000"/>
+              </a:schemeClr>
+            </a:gs>
+            <a:gs pos="50000">
+              <a:schemeClr val="phClr">
+                <a:satMod val="110000"/>
+                <a:lumMod val="100000"/>
+                <a:shade val="100000"/>
+              </a:schemeClr>
+            </a:gs>
+            <a:gs pos="100000">
+              <a:schemeClr val="phClr">
+                <a:lumMod val="99000"/>
+                <a:satMod val="120000"/>
+                <a:shade val="78000"/>
+              </a:schemeClr>
+            </a:gs>
+          </a:gsLst>
+          <a:lin ang="5400000" scaled="0"/>
+        </a:gradFill>
+      </a:fillStyleLst>
+      <a:lnStyleLst>
+        <a:ln w="12700" cap="flat" cmpd="sng" algn="ctr">
+          <a:solidFill>
+            <a:schemeClr val="phClr"/>
+          </a:solidFill>
+          <a:prstDash val="solid"/>
+          <a:miter lim="800000"/>
+        </a:ln>
+        <a:ln w="19050" cap="flat" cmpd="sng" algn="ctr">
+          <a:solidFill>
+            <a:schemeClr val="phClr"/>
+          </a:solidFill>
+          <a:prstDash val="solid"/>
+          <a:miter lim="800000"/>
+        </a:ln>
+        <a:ln w="25400" cap="flat" cmpd="sng" algn="ctr">
+          <a:solidFill>
+            <a:schemeClr val="phClr"/>
+          </a:solidFill>
+          <a:prstDash val="solid"/>
+          <a:miter lim="800000"/>
+        </a:ln>
+      </a:lnStyleLst>
+      <a:effectStyleLst>
+        <a:effectStyle>
+          <a:effectLst/>
+        </a:effectStyle>
+        <a:effectStyle>
+          <a:effectLst/>
+        </a:effectStyle>
+        <a:effectStyle>
+          <a:effectLst>
+            <a:outerShdw blurRad="57150" dist="19050" dir="5400000" algn="ctr" rotWithShape="0">
+              <a:srgbClr val="000000">
+                <a:alpha val="63000"/>
+              </a:srgbClr>
+            </a:outerShdw>
+          </a:effectLst>
+        </a:effectStyle>
+      </a:effectStyleLst>
+      <a:bgFillStyleLst>
+        <a:solidFill>
+          <a:schemeClr val="phClr"/>
+        </a:solidFill>
+        <a:solidFill>
+          <a:schemeClr val="phClr">
+            <a:tint val="95000"/>
+            <a:satMod val="170000"/>
+          </a:schemeClr>
+        </a:solidFill>
+        <a:gradFill rotWithShape="1">
+          <a:gsLst>
+            <a:gs pos="0">
+              <a:schemeClr val="phClr">
+                <a:tint val="93000"/>
+                <a:satMod val="150000"/>
+                <a:shade val="98000"/>
+                <a:lumMod val="102000"/>
+              </a:schemeClr>
+            </a:gs>
+            <a:gs pos="50000">
+              <a:schemeClr val="phClr">
+                <a:tint val="98000"/>
+                <a:satMod val="130000"/>
+                <a:shade val="90000"/>
+                <a:lumMod val="103000"/>
+              </a:schemeClr>
+            </a:gs>
+            <a:gs pos="100000">
+              <a:schemeClr val="phClr">
+                <a:shade val="63000"/>
+                <a:satMod val="120000"/>
+              </a:schemeClr>
+            </a:gs>
+          </a:gsLst>
+          <a:lin ang="5400000" scaled="0"/>
+        </a:gradFill>
+      </a:bgFillStyleLst>
+    </a:fmtScheme>
+  </a:themeElements>
+  <a:objectDefaults>
+    <a:lnDef>
+      <a:spPr/>
+      <a:bodyPr/>
+      <a:lstStyle/>
+      <a:style>
+        <a:lnRef idx="2">
+          <a:schemeClr val="accent1"/>
+        </a:lnRef>
+        <a:fillRef idx="0">
+          <a:schemeClr val="accent1"/>
+        </a:fillRef>
+        <a:effectRef idx="1">
+          <a:schemeClr val="accent1"/>
+        </a:effectRef>
+        <a:fontRef idx="minor">
+          <a:schemeClr val="tx1"/>
+        </a:fontRef>
+      </a:style>
+    </a:lnDef>
+  </a:objectDefaults>
+  <a:extraClrSchemeLst/>
+  <a:extLst>
+    <a:ext uri="{05A4C25C-085E-4340-85A3-A5531E510DB2}">
+      <thm15:themeFamily xmlns:thm15="http://schemas.microsoft.com/office/thememl/2012/main" name="Office Theme" id="{2E142A2C-CD16-42D6-873A-C26D2A0506FA}" vid="{1BDDFF52-6CD6-40A5-AB3C-68EB2F1E4D0A}"/>
+    </a:ext>
+  </a:extLst>
+</a:theme>
+</file>
+
 <file path=ppt/theme/themeOverride1.xml><?xml version="1.0" encoding="utf-8"?>
 <a:themeOverride xmlns:a="http://schemas.openxmlformats.org/drawingml/2006/main">
   <a:clrScheme name="Custom 41">
@@ -10248,6 +11684,24 @@
 </file>
 
 <file path=customXml/item1.xml><?xml version="1.0" encoding="utf-8"?>
+<p:properties xmlns:p="http://schemas.microsoft.com/office/2006/metadata/properties" xmlns:xsi="http://www.w3.org/2001/XMLSchema-instance" xmlns:pc="http://schemas.microsoft.com/office/infopath/2007/PartnerControls">
+  <documentManagement>
+    <Status xmlns="71af3243-3dd4-4a8d-8c0d-dd76da1f02a5">Not started</Status>
+    <MediaServiceKeyPoints xmlns="71af3243-3dd4-4a8d-8c0d-dd76da1f02a5" xsi:nil="true"/>
+  </documentManagement>
+</p:properties>
+</file>
+
+<file path=customXml/item2.xml><?xml version="1.0" encoding="utf-8"?>
+<?mso-contentType ?>
+<FormTemplates xmlns="http://schemas.microsoft.com/sharepoint/v3/contenttype/forms">
+  <Display>DocumentLibraryForm</Display>
+  <Edit>DocumentLibraryForm</Edit>
+  <New>DocumentLibraryForm</New>
+</FormTemplates>
+</file>
+
+<file path=customXml/item3.xml><?xml version="1.0" encoding="utf-8"?>
 <ct:contentTypeSchema xmlns:ct="http://schemas.microsoft.com/office/2006/metadata/contentType" xmlns:ma="http://schemas.microsoft.com/office/2006/metadata/properties/metaAttributes" ct:_="" ma:_="" ma:contentTypeName="Document" ma:contentTypeID="0x01010079F111ED35F8CC479449609E8A0923A6" ma:contentTypeVersion="12" ma:contentTypeDescription="Create a new document." ma:contentTypeScope="" ma:versionID="a410dd7f93c95333ffa1b60ed6adedd1">
   <xsd:schema xmlns:xsd="http://www.w3.org/2001/XMLSchema" xmlns:xs="http://www.w3.org/2001/XMLSchema" xmlns:p="http://schemas.microsoft.com/office/2006/metadata/properties" xmlns:ns2="71af3243-3dd4-4a8d-8c0d-dd76da1f02a5" xmlns:ns3="16c05727-aa75-4e4a-9b5f-8a80a1165891" targetNamespace="http://schemas.microsoft.com/office/2006/metadata/properties" ma:root="true" ma:fieldsID="a936d9baba76aa3866493feff160faab" ns2:_="" ns3:_="">
     <xsd:import namespace="71af3243-3dd4-4a8d-8c0d-dd76da1f02a5"/>
@@ -10468,25 +11922,25 @@
 </ct:contentTypeSchema>
 </file>
 
-<file path=customXml/item2.xml><?xml version="1.0" encoding="utf-8"?>
-<?mso-contentType ?>
-<FormTemplates xmlns="http://schemas.microsoft.com/sharepoint/v3/contenttype/forms">
-  <Display>DocumentLibraryForm</Display>
-  <Edit>DocumentLibraryForm</Edit>
-  <New>DocumentLibraryForm</New>
-</FormTemplates>
+<file path=customXml/itemProps1.xml><?xml version="1.0" encoding="utf-8"?>
+<ds:datastoreItem xmlns:ds="http://schemas.openxmlformats.org/officeDocument/2006/customXml" ds:itemID="{4F5B1FD9-3BB6-4DA9-A089-3B68C2323D4F}">
+  <ds:schemaRefs>
+    <ds:schemaRef ds:uri="http://schemas.microsoft.com/office/2006/metadata/properties"/>
+    <ds:schemaRef ds:uri="http://schemas.microsoft.com/office/infopath/2007/PartnerControls"/>
+    <ds:schemaRef ds:uri="71af3243-3dd4-4a8d-8c0d-dd76da1f02a5"/>
+  </ds:schemaRefs>
+</ds:datastoreItem>
 </file>
 
-<file path=customXml/item3.xml><?xml version="1.0" encoding="utf-8"?>
-<p:properties xmlns:p="http://schemas.microsoft.com/office/2006/metadata/properties" xmlns:xsi="http://www.w3.org/2001/XMLSchema-instance" xmlns:pc="http://schemas.microsoft.com/office/infopath/2007/PartnerControls">
-  <documentManagement>
-    <Status xmlns="71af3243-3dd4-4a8d-8c0d-dd76da1f02a5">Not started</Status>
-    <MediaServiceKeyPoints xmlns="71af3243-3dd4-4a8d-8c0d-dd76da1f02a5" xsi:nil="true"/>
-  </documentManagement>
-</p:properties>
+<file path=customXml/itemProps2.xml><?xml version="1.0" encoding="utf-8"?>
+<ds:datastoreItem xmlns:ds="http://schemas.openxmlformats.org/officeDocument/2006/customXml" ds:itemID="{638A3B04-B0F3-4C12-A722-52B5CF6D9723}">
+  <ds:schemaRefs>
+    <ds:schemaRef ds:uri="http://schemas.microsoft.com/sharepoint/v3/contenttype/forms"/>
+  </ds:schemaRefs>
+</ds:datastoreItem>
 </file>
 
-<file path=customXml/itemProps1.xml><?xml version="1.0" encoding="utf-8"?>
+<file path=customXml/itemProps3.xml><?xml version="1.0" encoding="utf-8"?>
 <ds:datastoreItem xmlns:ds="http://schemas.openxmlformats.org/officeDocument/2006/customXml" ds:itemID="{1747A963-53E0-44AF-AF13-963FE676C682}">
   <ds:schemaRefs>
     <ds:schemaRef ds:uri="http://schemas.microsoft.com/office/2006/metadata/contentType"/>
@@ -10503,22 +11957,4 @@
     <ds:schemaRef ds:uri="http://schemas.microsoft.com/internal/obd"/>
   </ds:schemaRefs>
 </ds:datastoreItem>
-</file>
-
-<file path=customXml/itemProps2.xml><?xml version="1.0" encoding="utf-8"?>
-<ds:datastoreItem xmlns:ds="http://schemas.openxmlformats.org/officeDocument/2006/customXml" ds:itemID="{638A3B04-B0F3-4C12-A722-52B5CF6D9723}">
-  <ds:schemaRefs>
-    <ds:schemaRef ds:uri="http://schemas.microsoft.com/sharepoint/v3/contenttype/forms"/>
-  </ds:schemaRefs>
-</ds:datastoreItem>
-</file>
-
-<file path=customXml/itemProps3.xml><?xml version="1.0" encoding="utf-8"?>
-<ds:datastoreItem xmlns:ds="http://schemas.openxmlformats.org/officeDocument/2006/customXml" ds:itemID="{4F5B1FD9-3BB6-4DA9-A089-3B68C2323D4F}">
-  <ds:schemaRefs>
-    <ds:schemaRef ds:uri="http://schemas.microsoft.com/office/2006/metadata/properties"/>
-    <ds:schemaRef ds:uri="http://schemas.microsoft.com/office/infopath/2007/PartnerControls"/>
-    <ds:schemaRef ds:uri="71af3243-3dd4-4a8d-8c0d-dd76da1f02a5"/>
-  </ds:schemaRefs>
-</ds:datastoreItem>
 </file>